--- a/publications/presentation-2020-06-berd/project-list-2020-06.pptx
+++ b/publications/presentation-2020-06-berd/project-list-2020-06.pptx
@@ -5,11 +5,12 @@
     <p:sldMasterId id="2147483648" r:id="rId1"/>
   </p:sldMasterIdLst>
   <p:notesMasterIdLst>
-    <p:notesMasterId r:id="rId4"/>
+    <p:notesMasterId r:id="rId5"/>
   </p:notesMasterIdLst>
   <p:sldIdLst>
     <p:sldId id="341" r:id="rId2"/>
     <p:sldId id="342" r:id="rId3"/>
+    <p:sldId id="343" r:id="rId4"/>
   </p:sldIdLst>
   <p:sldSz cx="12192000" cy="6858000"/>
   <p:notesSz cx="6858000" cy="9144000"/>
@@ -3535,21 +3536,21 @@
                 <a:gridCol w="3021582">
                   <a:extLst>
                     <a:ext uri="{9D8B030D-6E8A-4147-A177-3AD203B41FA5}">
-                      <a16:colId xmlns="" xmlns:a16="http://schemas.microsoft.com/office/drawing/2014/main" val="1356431335"/>
+                      <a16:colId xmlns:a16="http://schemas.microsoft.com/office/drawing/2014/main" val="1356431335"/>
                     </a:ext>
                   </a:extLst>
                 </a:gridCol>
                 <a:gridCol w="1175819">
                   <a:extLst>
                     <a:ext uri="{9D8B030D-6E8A-4147-A177-3AD203B41FA5}">
-                      <a16:colId xmlns="" xmlns:a16="http://schemas.microsoft.com/office/drawing/2014/main" val="4074852346"/>
+                      <a16:colId xmlns:a16="http://schemas.microsoft.com/office/drawing/2014/main" val="4074852346"/>
                     </a:ext>
                   </a:extLst>
                 </a:gridCol>
                 <a:gridCol w="1175819">
                   <a:extLst>
                     <a:ext uri="{9D8B030D-6E8A-4147-A177-3AD203B41FA5}">
-                      <a16:colId xmlns="" xmlns:a16="http://schemas.microsoft.com/office/drawing/2014/main" val="715510892"/>
+                      <a16:colId xmlns:a16="http://schemas.microsoft.com/office/drawing/2014/main" val="715510892"/>
                     </a:ext>
                   </a:extLst>
                 </a:gridCol>
@@ -3626,7 +3627,7 @@
                 </a:tc>
                 <a:extLst>
                   <a:ext uri="{0D108BD9-81ED-4DB2-BD59-A6C34878D82A}">
-                    <a16:rowId xmlns="" xmlns:a16="http://schemas.microsoft.com/office/drawing/2014/main" val="1236399335"/>
+                    <a16:rowId xmlns:a16="http://schemas.microsoft.com/office/drawing/2014/main" val="1236399335"/>
                   </a:ext>
                 </a:extLst>
               </a:tr>
@@ -3702,7 +3703,7 @@
                 </a:tc>
                 <a:extLst>
                   <a:ext uri="{0D108BD9-81ED-4DB2-BD59-A6C34878D82A}">
-                    <a16:rowId xmlns="" xmlns:a16="http://schemas.microsoft.com/office/drawing/2014/main" val="3548785687"/>
+                    <a16:rowId xmlns:a16="http://schemas.microsoft.com/office/drawing/2014/main" val="3548785687"/>
                   </a:ext>
                 </a:extLst>
               </a:tr>
@@ -3778,7 +3779,7 @@
                 </a:tc>
                 <a:extLst>
                   <a:ext uri="{0D108BD9-81ED-4DB2-BD59-A6C34878D82A}">
-                    <a16:rowId xmlns="" xmlns:a16="http://schemas.microsoft.com/office/drawing/2014/main" val="949879066"/>
+                    <a16:rowId xmlns:a16="http://schemas.microsoft.com/office/drawing/2014/main" val="949879066"/>
                   </a:ext>
                 </a:extLst>
               </a:tr>
@@ -3854,7 +3855,7 @@
                 </a:tc>
                 <a:extLst>
                   <a:ext uri="{0D108BD9-81ED-4DB2-BD59-A6C34878D82A}">
-                    <a16:rowId xmlns="" xmlns:a16="http://schemas.microsoft.com/office/drawing/2014/main" val="3222670053"/>
+                    <a16:rowId xmlns:a16="http://schemas.microsoft.com/office/drawing/2014/main" val="3222670053"/>
                   </a:ext>
                 </a:extLst>
               </a:tr>
@@ -3930,7 +3931,7 @@
                 </a:tc>
                 <a:extLst>
                   <a:ext uri="{0D108BD9-81ED-4DB2-BD59-A6C34878D82A}">
-                    <a16:rowId xmlns="" xmlns:a16="http://schemas.microsoft.com/office/drawing/2014/main" val="1661099666"/>
+                    <a16:rowId xmlns:a16="http://schemas.microsoft.com/office/drawing/2014/main" val="1661099666"/>
                   </a:ext>
                 </a:extLst>
               </a:tr>
@@ -4006,7 +4007,7 @@
                 </a:tc>
                 <a:extLst>
                   <a:ext uri="{0D108BD9-81ED-4DB2-BD59-A6C34878D82A}">
-                    <a16:rowId xmlns="" xmlns:a16="http://schemas.microsoft.com/office/drawing/2014/main" val="4172047643"/>
+                    <a16:rowId xmlns:a16="http://schemas.microsoft.com/office/drawing/2014/main" val="4172047643"/>
                   </a:ext>
                 </a:extLst>
               </a:tr>
@@ -4082,7 +4083,7 @@
                 </a:tc>
                 <a:extLst>
                   <a:ext uri="{0D108BD9-81ED-4DB2-BD59-A6C34878D82A}">
-                    <a16:rowId xmlns="" xmlns:a16="http://schemas.microsoft.com/office/drawing/2014/main" val="1057878429"/>
+                    <a16:rowId xmlns:a16="http://schemas.microsoft.com/office/drawing/2014/main" val="1057878429"/>
                   </a:ext>
                 </a:extLst>
               </a:tr>
@@ -4158,7 +4159,7 @@
                 </a:tc>
                 <a:extLst>
                   <a:ext uri="{0D108BD9-81ED-4DB2-BD59-A6C34878D82A}">
-                    <a16:rowId xmlns="" xmlns:a16="http://schemas.microsoft.com/office/drawing/2014/main" val="2151953881"/>
+                    <a16:rowId xmlns:a16="http://schemas.microsoft.com/office/drawing/2014/main" val="2151953881"/>
                   </a:ext>
                 </a:extLst>
               </a:tr>
@@ -4234,7 +4235,7 @@
                 </a:tc>
                 <a:extLst>
                   <a:ext uri="{0D108BD9-81ED-4DB2-BD59-A6C34878D82A}">
-                    <a16:rowId xmlns="" xmlns:a16="http://schemas.microsoft.com/office/drawing/2014/main" val="3615318075"/>
+                    <a16:rowId xmlns:a16="http://schemas.microsoft.com/office/drawing/2014/main" val="3615318075"/>
                   </a:ext>
                 </a:extLst>
               </a:tr>
@@ -4310,7 +4311,7 @@
                 </a:tc>
                 <a:extLst>
                   <a:ext uri="{0D108BD9-81ED-4DB2-BD59-A6C34878D82A}">
-                    <a16:rowId xmlns="" xmlns:a16="http://schemas.microsoft.com/office/drawing/2014/main" val="1810581365"/>
+                    <a16:rowId xmlns:a16="http://schemas.microsoft.com/office/drawing/2014/main" val="1810581365"/>
                   </a:ext>
                 </a:extLst>
               </a:tr>
@@ -4386,7 +4387,7 @@
                 </a:tc>
                 <a:extLst>
                   <a:ext uri="{0D108BD9-81ED-4DB2-BD59-A6C34878D82A}">
-                    <a16:rowId xmlns="" xmlns:a16="http://schemas.microsoft.com/office/drawing/2014/main" val="240284698"/>
+                    <a16:rowId xmlns:a16="http://schemas.microsoft.com/office/drawing/2014/main" val="240284698"/>
                   </a:ext>
                 </a:extLst>
               </a:tr>
@@ -4462,7 +4463,7 @@
                 </a:tc>
                 <a:extLst>
                   <a:ext uri="{0D108BD9-81ED-4DB2-BD59-A6C34878D82A}">
-                    <a16:rowId xmlns="" xmlns:a16="http://schemas.microsoft.com/office/drawing/2014/main" val="2906176452"/>
+                    <a16:rowId xmlns:a16="http://schemas.microsoft.com/office/drawing/2014/main" val="2906176452"/>
                   </a:ext>
                 </a:extLst>
               </a:tr>
@@ -4538,7 +4539,7 @@
                 </a:tc>
                 <a:extLst>
                   <a:ext uri="{0D108BD9-81ED-4DB2-BD59-A6C34878D82A}">
-                    <a16:rowId xmlns="" xmlns:a16="http://schemas.microsoft.com/office/drawing/2014/main" val="3562986470"/>
+                    <a16:rowId xmlns:a16="http://schemas.microsoft.com/office/drawing/2014/main" val="3562986470"/>
                   </a:ext>
                 </a:extLst>
               </a:tr>
@@ -4614,7 +4615,7 @@
                 </a:tc>
                 <a:extLst>
                   <a:ext uri="{0D108BD9-81ED-4DB2-BD59-A6C34878D82A}">
-                    <a16:rowId xmlns="" xmlns:a16="http://schemas.microsoft.com/office/drawing/2014/main" val="1671168545"/>
+                    <a16:rowId xmlns:a16="http://schemas.microsoft.com/office/drawing/2014/main" val="1671168545"/>
                   </a:ext>
                 </a:extLst>
               </a:tr>
@@ -4690,7 +4691,7 @@
                 </a:tc>
                 <a:extLst>
                   <a:ext uri="{0D108BD9-81ED-4DB2-BD59-A6C34878D82A}">
-                    <a16:rowId xmlns="" xmlns:a16="http://schemas.microsoft.com/office/drawing/2014/main" val="2432487341"/>
+                    <a16:rowId xmlns:a16="http://schemas.microsoft.com/office/drawing/2014/main" val="2432487341"/>
                   </a:ext>
                 </a:extLst>
               </a:tr>
@@ -4766,7 +4767,7 @@
                 </a:tc>
                 <a:extLst>
                   <a:ext uri="{0D108BD9-81ED-4DB2-BD59-A6C34878D82A}">
-                    <a16:rowId xmlns="" xmlns:a16="http://schemas.microsoft.com/office/drawing/2014/main" val="823347675"/>
+                    <a16:rowId xmlns:a16="http://schemas.microsoft.com/office/drawing/2014/main" val="823347675"/>
                   </a:ext>
                 </a:extLst>
               </a:tr>
@@ -4842,7 +4843,7 @@
                 </a:tc>
                 <a:extLst>
                   <a:ext uri="{0D108BD9-81ED-4DB2-BD59-A6C34878D82A}">
-                    <a16:rowId xmlns="" xmlns:a16="http://schemas.microsoft.com/office/drawing/2014/main" val="3888237083"/>
+                    <a16:rowId xmlns:a16="http://schemas.microsoft.com/office/drawing/2014/main" val="3888237083"/>
                   </a:ext>
                 </a:extLst>
               </a:tr>
@@ -4918,7 +4919,7 @@
                 </a:tc>
                 <a:extLst>
                   <a:ext uri="{0D108BD9-81ED-4DB2-BD59-A6C34878D82A}">
-                    <a16:rowId xmlns="" xmlns:a16="http://schemas.microsoft.com/office/drawing/2014/main" val="1186328292"/>
+                    <a16:rowId xmlns:a16="http://schemas.microsoft.com/office/drawing/2014/main" val="1186328292"/>
                   </a:ext>
                 </a:extLst>
               </a:tr>
@@ -5012,7 +5013,7 @@
                 </a:tc>
                 <a:extLst>
                   <a:ext uri="{0D108BD9-81ED-4DB2-BD59-A6C34878D82A}">
-                    <a16:rowId xmlns="" xmlns:a16="http://schemas.microsoft.com/office/drawing/2014/main" val="4173546526"/>
+                    <a16:rowId xmlns:a16="http://schemas.microsoft.com/office/drawing/2014/main" val="4173546526"/>
                   </a:ext>
                 </a:extLst>
               </a:tr>
@@ -5088,7 +5089,7 @@
                 </a:tc>
                 <a:extLst>
                   <a:ext uri="{0D108BD9-81ED-4DB2-BD59-A6C34878D82A}">
-                    <a16:rowId xmlns="" xmlns:a16="http://schemas.microsoft.com/office/drawing/2014/main" val="4247627454"/>
+                    <a16:rowId xmlns:a16="http://schemas.microsoft.com/office/drawing/2014/main" val="4247627454"/>
                   </a:ext>
                 </a:extLst>
               </a:tr>
@@ -5164,7 +5165,7 @@
                 </a:tc>
                 <a:extLst>
                   <a:ext uri="{0D108BD9-81ED-4DB2-BD59-A6C34878D82A}">
-                    <a16:rowId xmlns="" xmlns:a16="http://schemas.microsoft.com/office/drawing/2014/main" val="2227278853"/>
+                    <a16:rowId xmlns:a16="http://schemas.microsoft.com/office/drawing/2014/main" val="2227278853"/>
                   </a:ext>
                 </a:extLst>
               </a:tr>
@@ -5240,7 +5241,7 @@
                 </a:tc>
                 <a:extLst>
                   <a:ext uri="{0D108BD9-81ED-4DB2-BD59-A6C34878D82A}">
-                    <a16:rowId xmlns="" xmlns:a16="http://schemas.microsoft.com/office/drawing/2014/main" val="2842433311"/>
+                    <a16:rowId xmlns:a16="http://schemas.microsoft.com/office/drawing/2014/main" val="2842433311"/>
                   </a:ext>
                 </a:extLst>
               </a:tr>
@@ -5276,21 +5277,21 @@
                 <a:gridCol w="3036706">
                   <a:extLst>
                     <a:ext uri="{9D8B030D-6E8A-4147-A177-3AD203B41FA5}">
-                      <a16:colId xmlns="" xmlns:a16="http://schemas.microsoft.com/office/drawing/2014/main" val="1022886225"/>
+                      <a16:colId xmlns:a16="http://schemas.microsoft.com/office/drawing/2014/main" val="1022886225"/>
                     </a:ext>
                   </a:extLst>
                 </a:gridCol>
                 <a:gridCol w="1181705">
                   <a:extLst>
                     <a:ext uri="{9D8B030D-6E8A-4147-A177-3AD203B41FA5}">
-                      <a16:colId xmlns="" xmlns:a16="http://schemas.microsoft.com/office/drawing/2014/main" val="2020208361"/>
+                      <a16:colId xmlns:a16="http://schemas.microsoft.com/office/drawing/2014/main" val="2020208361"/>
                     </a:ext>
                   </a:extLst>
                 </a:gridCol>
                 <a:gridCol w="1181705">
                   <a:extLst>
                     <a:ext uri="{9D8B030D-6E8A-4147-A177-3AD203B41FA5}">
-                      <a16:colId xmlns="" xmlns:a16="http://schemas.microsoft.com/office/drawing/2014/main" val="2629210063"/>
+                      <a16:colId xmlns:a16="http://schemas.microsoft.com/office/drawing/2014/main" val="2629210063"/>
                     </a:ext>
                   </a:extLst>
                 </a:gridCol>
@@ -5367,7 +5368,7 @@
                 </a:tc>
                 <a:extLst>
                   <a:ext uri="{0D108BD9-81ED-4DB2-BD59-A6C34878D82A}">
-                    <a16:rowId xmlns="" xmlns:a16="http://schemas.microsoft.com/office/drawing/2014/main" val="3352158023"/>
+                    <a16:rowId xmlns:a16="http://schemas.microsoft.com/office/drawing/2014/main" val="3352158023"/>
                   </a:ext>
                 </a:extLst>
               </a:tr>
@@ -5443,7 +5444,7 @@
                 </a:tc>
                 <a:extLst>
                   <a:ext uri="{0D108BD9-81ED-4DB2-BD59-A6C34878D82A}">
-                    <a16:rowId xmlns="" xmlns:a16="http://schemas.microsoft.com/office/drawing/2014/main" val="4290189252"/>
+                    <a16:rowId xmlns:a16="http://schemas.microsoft.com/office/drawing/2014/main" val="4290189252"/>
                   </a:ext>
                 </a:extLst>
               </a:tr>
@@ -5519,7 +5520,7 @@
                 </a:tc>
                 <a:extLst>
                   <a:ext uri="{0D108BD9-81ED-4DB2-BD59-A6C34878D82A}">
-                    <a16:rowId xmlns="" xmlns:a16="http://schemas.microsoft.com/office/drawing/2014/main" val="3727132500"/>
+                    <a16:rowId xmlns:a16="http://schemas.microsoft.com/office/drawing/2014/main" val="3727132500"/>
                   </a:ext>
                 </a:extLst>
               </a:tr>
@@ -5595,7 +5596,7 @@
                 </a:tc>
                 <a:extLst>
                   <a:ext uri="{0D108BD9-81ED-4DB2-BD59-A6C34878D82A}">
-                    <a16:rowId xmlns="" xmlns:a16="http://schemas.microsoft.com/office/drawing/2014/main" val="4208757681"/>
+                    <a16:rowId xmlns:a16="http://schemas.microsoft.com/office/drawing/2014/main" val="4208757681"/>
                   </a:ext>
                 </a:extLst>
               </a:tr>
@@ -5671,7 +5672,7 @@
                 </a:tc>
                 <a:extLst>
                   <a:ext uri="{0D108BD9-81ED-4DB2-BD59-A6C34878D82A}">
-                    <a16:rowId xmlns="" xmlns:a16="http://schemas.microsoft.com/office/drawing/2014/main" val="2929237673"/>
+                    <a16:rowId xmlns:a16="http://schemas.microsoft.com/office/drawing/2014/main" val="2929237673"/>
                   </a:ext>
                 </a:extLst>
               </a:tr>
@@ -5747,7 +5748,7 @@
                 </a:tc>
                 <a:extLst>
                   <a:ext uri="{0D108BD9-81ED-4DB2-BD59-A6C34878D82A}">
-                    <a16:rowId xmlns="" xmlns:a16="http://schemas.microsoft.com/office/drawing/2014/main" val="2848627066"/>
+                    <a16:rowId xmlns:a16="http://schemas.microsoft.com/office/drawing/2014/main" val="2848627066"/>
                   </a:ext>
                 </a:extLst>
               </a:tr>
@@ -5823,7 +5824,7 @@
                 </a:tc>
                 <a:extLst>
                   <a:ext uri="{0D108BD9-81ED-4DB2-BD59-A6C34878D82A}">
-                    <a16:rowId xmlns="" xmlns:a16="http://schemas.microsoft.com/office/drawing/2014/main" val="1011726148"/>
+                    <a16:rowId xmlns:a16="http://schemas.microsoft.com/office/drawing/2014/main" val="1011726148"/>
                   </a:ext>
                 </a:extLst>
               </a:tr>
@@ -5905,7 +5906,7 @@
                 </a:tc>
                 <a:extLst>
                   <a:ext uri="{0D108BD9-81ED-4DB2-BD59-A6C34878D82A}">
-                    <a16:rowId xmlns="" xmlns:a16="http://schemas.microsoft.com/office/drawing/2014/main" val="17463372"/>
+                    <a16:rowId xmlns:a16="http://schemas.microsoft.com/office/drawing/2014/main" val="17463372"/>
                   </a:ext>
                 </a:extLst>
               </a:tr>
@@ -5981,7 +5982,7 @@
                 </a:tc>
                 <a:extLst>
                   <a:ext uri="{0D108BD9-81ED-4DB2-BD59-A6C34878D82A}">
-                    <a16:rowId xmlns="" xmlns:a16="http://schemas.microsoft.com/office/drawing/2014/main" val="1971138859"/>
+                    <a16:rowId xmlns:a16="http://schemas.microsoft.com/office/drawing/2014/main" val="1971138859"/>
                   </a:ext>
                 </a:extLst>
               </a:tr>
@@ -6057,7 +6058,7 @@
                 </a:tc>
                 <a:extLst>
                   <a:ext uri="{0D108BD9-81ED-4DB2-BD59-A6C34878D82A}">
-                    <a16:rowId xmlns="" xmlns:a16="http://schemas.microsoft.com/office/drawing/2014/main" val="1508729639"/>
+                    <a16:rowId xmlns:a16="http://schemas.microsoft.com/office/drawing/2014/main" val="1508729639"/>
                   </a:ext>
                 </a:extLst>
               </a:tr>
@@ -6139,7 +6140,7 @@
                 </a:tc>
                 <a:extLst>
                   <a:ext uri="{0D108BD9-81ED-4DB2-BD59-A6C34878D82A}">
-                    <a16:rowId xmlns="" xmlns:a16="http://schemas.microsoft.com/office/drawing/2014/main" val="3853913370"/>
+                    <a16:rowId xmlns:a16="http://schemas.microsoft.com/office/drawing/2014/main" val="3853913370"/>
                   </a:ext>
                 </a:extLst>
               </a:tr>
@@ -6215,7 +6216,7 @@
                 </a:tc>
                 <a:extLst>
                   <a:ext uri="{0D108BD9-81ED-4DB2-BD59-A6C34878D82A}">
-                    <a16:rowId xmlns="" xmlns:a16="http://schemas.microsoft.com/office/drawing/2014/main" val="2386013325"/>
+                    <a16:rowId xmlns:a16="http://schemas.microsoft.com/office/drawing/2014/main" val="2386013325"/>
                   </a:ext>
                 </a:extLst>
               </a:tr>
@@ -6291,7 +6292,7 @@
                 </a:tc>
                 <a:extLst>
                   <a:ext uri="{0D108BD9-81ED-4DB2-BD59-A6C34878D82A}">
-                    <a16:rowId xmlns="" xmlns:a16="http://schemas.microsoft.com/office/drawing/2014/main" val="4131206225"/>
+                    <a16:rowId xmlns:a16="http://schemas.microsoft.com/office/drawing/2014/main" val="4131206225"/>
                   </a:ext>
                 </a:extLst>
               </a:tr>
@@ -6367,7 +6368,7 @@
                 </a:tc>
                 <a:extLst>
                   <a:ext uri="{0D108BD9-81ED-4DB2-BD59-A6C34878D82A}">
-                    <a16:rowId xmlns="" xmlns:a16="http://schemas.microsoft.com/office/drawing/2014/main" val="673049777"/>
+                    <a16:rowId xmlns:a16="http://schemas.microsoft.com/office/drawing/2014/main" val="673049777"/>
                   </a:ext>
                 </a:extLst>
               </a:tr>
@@ -6443,7 +6444,7 @@
                 </a:tc>
                 <a:extLst>
                   <a:ext uri="{0D108BD9-81ED-4DB2-BD59-A6C34878D82A}">
-                    <a16:rowId xmlns="" xmlns:a16="http://schemas.microsoft.com/office/drawing/2014/main" val="1698139637"/>
+                    <a16:rowId xmlns:a16="http://schemas.microsoft.com/office/drawing/2014/main" val="1698139637"/>
                   </a:ext>
                 </a:extLst>
               </a:tr>
@@ -6519,7 +6520,7 @@
                 </a:tc>
                 <a:extLst>
                   <a:ext uri="{0D108BD9-81ED-4DB2-BD59-A6C34878D82A}">
-                    <a16:rowId xmlns="" xmlns:a16="http://schemas.microsoft.com/office/drawing/2014/main" val="3929276156"/>
+                    <a16:rowId xmlns:a16="http://schemas.microsoft.com/office/drawing/2014/main" val="3929276156"/>
                   </a:ext>
                 </a:extLst>
               </a:tr>
@@ -6595,7 +6596,7 @@
                 </a:tc>
                 <a:extLst>
                   <a:ext uri="{0D108BD9-81ED-4DB2-BD59-A6C34878D82A}">
-                    <a16:rowId xmlns="" xmlns:a16="http://schemas.microsoft.com/office/drawing/2014/main" val="1881763618"/>
+                    <a16:rowId xmlns:a16="http://schemas.microsoft.com/office/drawing/2014/main" val="1881763618"/>
                   </a:ext>
                 </a:extLst>
               </a:tr>
@@ -6671,7 +6672,7 @@
                 </a:tc>
                 <a:extLst>
                   <a:ext uri="{0D108BD9-81ED-4DB2-BD59-A6C34878D82A}">
-                    <a16:rowId xmlns="" xmlns:a16="http://schemas.microsoft.com/office/drawing/2014/main" val="160454722"/>
+                    <a16:rowId xmlns:a16="http://schemas.microsoft.com/office/drawing/2014/main" val="160454722"/>
                   </a:ext>
                 </a:extLst>
               </a:tr>
@@ -6747,7 +6748,7 @@
                 </a:tc>
                 <a:extLst>
                   <a:ext uri="{0D108BD9-81ED-4DB2-BD59-A6C34878D82A}">
-                    <a16:rowId xmlns="" xmlns:a16="http://schemas.microsoft.com/office/drawing/2014/main" val="3488362082"/>
+                    <a16:rowId xmlns:a16="http://schemas.microsoft.com/office/drawing/2014/main" val="3488362082"/>
                   </a:ext>
                 </a:extLst>
               </a:tr>
@@ -6823,7 +6824,7 @@
                 </a:tc>
                 <a:extLst>
                   <a:ext uri="{0D108BD9-81ED-4DB2-BD59-A6C34878D82A}">
-                    <a16:rowId xmlns="" xmlns:a16="http://schemas.microsoft.com/office/drawing/2014/main" val="1840069665"/>
+                    <a16:rowId xmlns:a16="http://schemas.microsoft.com/office/drawing/2014/main" val="1840069665"/>
                   </a:ext>
                 </a:extLst>
               </a:tr>
@@ -6899,7 +6900,7 @@
                 </a:tc>
                 <a:extLst>
                   <a:ext uri="{0D108BD9-81ED-4DB2-BD59-A6C34878D82A}">
-                    <a16:rowId xmlns="" xmlns:a16="http://schemas.microsoft.com/office/drawing/2014/main" val="985474525"/>
+                    <a16:rowId xmlns:a16="http://schemas.microsoft.com/office/drawing/2014/main" val="985474525"/>
                   </a:ext>
                 </a:extLst>
               </a:tr>
@@ -6975,7 +6976,7 @@
                 </a:tc>
                 <a:extLst>
                   <a:ext uri="{0D108BD9-81ED-4DB2-BD59-A6C34878D82A}">
-                    <a16:rowId xmlns="" xmlns:a16="http://schemas.microsoft.com/office/drawing/2014/main" val="3784109591"/>
+                    <a16:rowId xmlns:a16="http://schemas.microsoft.com/office/drawing/2014/main" val="3784109591"/>
                   </a:ext>
                 </a:extLst>
               </a:tr>
@@ -7051,7 +7052,7 @@
                 </a:tc>
                 <a:extLst>
                   <a:ext uri="{0D108BD9-81ED-4DB2-BD59-A6C34878D82A}">
-                    <a16:rowId xmlns="" xmlns:a16="http://schemas.microsoft.com/office/drawing/2014/main" val="2131307175"/>
+                    <a16:rowId xmlns:a16="http://schemas.microsoft.com/office/drawing/2014/main" val="2131307175"/>
                   </a:ext>
                 </a:extLst>
               </a:tr>
@@ -7174,7 +7175,7 @@
           <p:nvPr>
             <p:extLst>
               <p:ext uri="{D42A27DB-BD31-4B8C-83A1-F6EECF244321}">
-                <p14:modId xmlns:p14="http://schemas.microsoft.com/office/powerpoint/2010/main" val="931311845"/>
+                <p14:modId xmlns:p14="http://schemas.microsoft.com/office/powerpoint/2010/main" val="3265949190"/>
               </p:ext>
             </p:extLst>
           </p:nvPr>
@@ -7190,24 +7191,24 @@
                 <a:tableStyleId>{5C22544A-7EE6-4342-B048-85BDC9FD1C3A}</a:tableStyleId>
               </a:tblPr>
               <a:tblGrid>
-                <a:gridCol w="3021582">
+                <a:gridCol w="3284597">
                   <a:extLst>
                     <a:ext uri="{9D8B030D-6E8A-4147-A177-3AD203B41FA5}">
-                      <a16:colId xmlns="" xmlns:a16="http://schemas.microsoft.com/office/drawing/2014/main" val="1356431335"/>
+                      <a16:colId xmlns:a16="http://schemas.microsoft.com/office/drawing/2014/main" val="1356431335"/>
+                    </a:ext>
+                  </a:extLst>
+                </a:gridCol>
+                <a:gridCol w="912804">
+                  <a:extLst>
+                    <a:ext uri="{9D8B030D-6E8A-4147-A177-3AD203B41FA5}">
+                      <a16:colId xmlns:a16="http://schemas.microsoft.com/office/drawing/2014/main" val="4074852346"/>
                     </a:ext>
                   </a:extLst>
                 </a:gridCol>
                 <a:gridCol w="1175819">
                   <a:extLst>
                     <a:ext uri="{9D8B030D-6E8A-4147-A177-3AD203B41FA5}">
-                      <a16:colId xmlns="" xmlns:a16="http://schemas.microsoft.com/office/drawing/2014/main" val="4074852346"/>
-                    </a:ext>
-                  </a:extLst>
-                </a:gridCol>
-                <a:gridCol w="1175819">
-                  <a:extLst>
-                    <a:ext uri="{9D8B030D-6E8A-4147-A177-3AD203B41FA5}">
-                      <a16:colId xmlns="" xmlns:a16="http://schemas.microsoft.com/office/drawing/2014/main" val="715510892"/>
+                      <a16:colId xmlns:a16="http://schemas.microsoft.com/office/drawing/2014/main" val="715510892"/>
                     </a:ext>
                   </a:extLst>
                 </a:gridCol>
@@ -7284,7 +7285,7 @@
                 </a:tc>
                 <a:extLst>
                   <a:ext uri="{0D108BD9-81ED-4DB2-BD59-A6C34878D82A}">
-                    <a16:rowId xmlns="" xmlns:a16="http://schemas.microsoft.com/office/drawing/2014/main" val="1236399335"/>
+                    <a16:rowId xmlns:a16="http://schemas.microsoft.com/office/drawing/2014/main" val="1236399335"/>
                   </a:ext>
                 </a:extLst>
               </a:tr>
@@ -7360,7 +7361,7 @@
                 </a:tc>
                 <a:extLst>
                   <a:ext uri="{0D108BD9-81ED-4DB2-BD59-A6C34878D82A}">
-                    <a16:rowId xmlns="" xmlns:a16="http://schemas.microsoft.com/office/drawing/2014/main" val="3548785687"/>
+                    <a16:rowId xmlns:a16="http://schemas.microsoft.com/office/drawing/2014/main" val="3548785687"/>
                   </a:ext>
                 </a:extLst>
               </a:tr>
@@ -7458,7 +7459,7 @@
                 </a:tc>
                 <a:extLst>
                   <a:ext uri="{0D108BD9-81ED-4DB2-BD59-A6C34878D82A}">
-                    <a16:rowId xmlns="" xmlns:a16="http://schemas.microsoft.com/office/drawing/2014/main" val="949879066"/>
+                    <a16:rowId xmlns:a16="http://schemas.microsoft.com/office/drawing/2014/main" val="949879066"/>
                   </a:ext>
                 </a:extLst>
               </a:tr>
@@ -7556,7 +7557,7 @@
                 </a:tc>
                 <a:extLst>
                   <a:ext uri="{0D108BD9-81ED-4DB2-BD59-A6C34878D82A}">
-                    <a16:rowId xmlns="" xmlns:a16="http://schemas.microsoft.com/office/drawing/2014/main" val="3222670053"/>
+                    <a16:rowId xmlns:a16="http://schemas.microsoft.com/office/drawing/2014/main" val="3222670053"/>
                   </a:ext>
                 </a:extLst>
               </a:tr>
@@ -7654,7 +7655,7 @@
                 </a:tc>
                 <a:extLst>
                   <a:ext uri="{0D108BD9-81ED-4DB2-BD59-A6C34878D82A}">
-                    <a16:rowId xmlns="" xmlns:a16="http://schemas.microsoft.com/office/drawing/2014/main" val="1661099666"/>
+                    <a16:rowId xmlns:a16="http://schemas.microsoft.com/office/drawing/2014/main" val="1661099666"/>
                   </a:ext>
                 </a:extLst>
               </a:tr>
@@ -7752,7 +7753,7 @@
                 </a:tc>
                 <a:extLst>
                   <a:ext uri="{0D108BD9-81ED-4DB2-BD59-A6C34878D82A}">
-                    <a16:rowId xmlns="" xmlns:a16="http://schemas.microsoft.com/office/drawing/2014/main" val="4172047643"/>
+                    <a16:rowId xmlns:a16="http://schemas.microsoft.com/office/drawing/2014/main" val="4172047643"/>
                   </a:ext>
                 </a:extLst>
               </a:tr>
@@ -7850,7 +7851,7 @@
                 </a:tc>
                 <a:extLst>
                   <a:ext uri="{0D108BD9-81ED-4DB2-BD59-A6C34878D82A}">
-                    <a16:rowId xmlns="" xmlns:a16="http://schemas.microsoft.com/office/drawing/2014/main" val="1057878429"/>
+                    <a16:rowId xmlns:a16="http://schemas.microsoft.com/office/drawing/2014/main" val="1057878429"/>
                   </a:ext>
                 </a:extLst>
               </a:tr>
@@ -7948,7 +7949,7 @@
                 </a:tc>
                 <a:extLst>
                   <a:ext uri="{0D108BD9-81ED-4DB2-BD59-A6C34878D82A}">
-                    <a16:rowId xmlns="" xmlns:a16="http://schemas.microsoft.com/office/drawing/2014/main" val="2151953881"/>
+                    <a16:rowId xmlns:a16="http://schemas.microsoft.com/office/drawing/2014/main" val="2151953881"/>
                   </a:ext>
                 </a:extLst>
               </a:tr>
@@ -8056,7 +8057,7 @@
                 </a:tc>
                 <a:extLst>
                   <a:ext uri="{0D108BD9-81ED-4DB2-BD59-A6C34878D82A}">
-                    <a16:rowId xmlns="" xmlns:a16="http://schemas.microsoft.com/office/drawing/2014/main" val="3615318075"/>
+                    <a16:rowId xmlns:a16="http://schemas.microsoft.com/office/drawing/2014/main" val="3615318075"/>
                   </a:ext>
                 </a:extLst>
               </a:tr>
@@ -8184,7 +8185,7 @@
                 </a:tc>
                 <a:extLst>
                   <a:ext uri="{0D108BD9-81ED-4DB2-BD59-A6C34878D82A}">
-                    <a16:rowId xmlns="" xmlns:a16="http://schemas.microsoft.com/office/drawing/2014/main" val="1810581365"/>
+                    <a16:rowId xmlns:a16="http://schemas.microsoft.com/office/drawing/2014/main" val="1810581365"/>
                   </a:ext>
                 </a:extLst>
               </a:tr>
@@ -8272,7 +8273,7 @@
                 </a:tc>
                 <a:extLst>
                   <a:ext uri="{0D108BD9-81ED-4DB2-BD59-A6C34878D82A}">
-                    <a16:rowId xmlns="" xmlns:a16="http://schemas.microsoft.com/office/drawing/2014/main" val="240284698"/>
+                    <a16:rowId xmlns:a16="http://schemas.microsoft.com/office/drawing/2014/main" val="240284698"/>
                   </a:ext>
                 </a:extLst>
               </a:tr>
@@ -8360,7 +8361,7 @@
                 </a:tc>
                 <a:extLst>
                   <a:ext uri="{0D108BD9-81ED-4DB2-BD59-A6C34878D82A}">
-                    <a16:rowId xmlns="" xmlns:a16="http://schemas.microsoft.com/office/drawing/2014/main" val="2906176452"/>
+                    <a16:rowId xmlns:a16="http://schemas.microsoft.com/office/drawing/2014/main" val="2906176452"/>
                   </a:ext>
                 </a:extLst>
               </a:tr>
@@ -8458,7 +8459,7 @@
                 </a:tc>
                 <a:extLst>
                   <a:ext uri="{0D108BD9-81ED-4DB2-BD59-A6C34878D82A}">
-                    <a16:rowId xmlns="" xmlns:a16="http://schemas.microsoft.com/office/drawing/2014/main" val="3562986470"/>
+                    <a16:rowId xmlns:a16="http://schemas.microsoft.com/office/drawing/2014/main" val="3562986470"/>
                   </a:ext>
                 </a:extLst>
               </a:tr>
@@ -8566,7 +8567,7 @@
                 </a:tc>
                 <a:extLst>
                   <a:ext uri="{0D108BD9-81ED-4DB2-BD59-A6C34878D82A}">
-                    <a16:rowId xmlns="" xmlns:a16="http://schemas.microsoft.com/office/drawing/2014/main" val="1671168545"/>
+                    <a16:rowId xmlns:a16="http://schemas.microsoft.com/office/drawing/2014/main" val="1671168545"/>
                   </a:ext>
                 </a:extLst>
               </a:tr>
@@ -8664,7 +8665,7 @@
                 </a:tc>
                 <a:extLst>
                   <a:ext uri="{0D108BD9-81ED-4DB2-BD59-A6C34878D82A}">
-                    <a16:rowId xmlns="" xmlns:a16="http://schemas.microsoft.com/office/drawing/2014/main" val="2432487341"/>
+                    <a16:rowId xmlns:a16="http://schemas.microsoft.com/office/drawing/2014/main" val="2432487341"/>
                   </a:ext>
                 </a:extLst>
               </a:tr>
@@ -8782,7 +8783,7 @@
                 </a:tc>
                 <a:extLst>
                   <a:ext uri="{0D108BD9-81ED-4DB2-BD59-A6C34878D82A}">
-                    <a16:rowId xmlns="" xmlns:a16="http://schemas.microsoft.com/office/drawing/2014/main" val="823347675"/>
+                    <a16:rowId xmlns:a16="http://schemas.microsoft.com/office/drawing/2014/main" val="823347675"/>
                   </a:ext>
                 </a:extLst>
               </a:tr>
@@ -8880,7 +8881,7 @@
                 </a:tc>
                 <a:extLst>
                   <a:ext uri="{0D108BD9-81ED-4DB2-BD59-A6C34878D82A}">
-                    <a16:rowId xmlns="" xmlns:a16="http://schemas.microsoft.com/office/drawing/2014/main" val="3888237083"/>
+                    <a16:rowId xmlns:a16="http://schemas.microsoft.com/office/drawing/2014/main" val="3888237083"/>
                   </a:ext>
                 </a:extLst>
               </a:tr>
@@ -8968,7 +8969,7 @@
                 </a:tc>
                 <a:extLst>
                   <a:ext uri="{0D108BD9-81ED-4DB2-BD59-A6C34878D82A}">
-                    <a16:rowId xmlns="" xmlns:a16="http://schemas.microsoft.com/office/drawing/2014/main" val="1186328292"/>
+                    <a16:rowId xmlns:a16="http://schemas.microsoft.com/office/drawing/2014/main" val="1186328292"/>
                   </a:ext>
                 </a:extLst>
               </a:tr>
@@ -9066,7 +9067,7 @@
                 </a:tc>
                 <a:extLst>
                   <a:ext uri="{0D108BD9-81ED-4DB2-BD59-A6C34878D82A}">
-                    <a16:rowId xmlns="" xmlns:a16="http://schemas.microsoft.com/office/drawing/2014/main" val="4173546526"/>
+                    <a16:rowId xmlns:a16="http://schemas.microsoft.com/office/drawing/2014/main" val="4173546526"/>
                   </a:ext>
                 </a:extLst>
               </a:tr>
@@ -9103,10 +9104,20 @@
                     <a:bodyPr/>
                     <a:lstStyle/>
                     <a:p>
-                      <a:pPr marL="228600" indent="-228600" algn="l" fontAlgn="b">
+                      <a:pPr marL="0" indent="0" algn="l" fontAlgn="b">
                         <a:buAutoNum type="alphaUcPeriod"/>
                       </a:pPr>
                       <a:r>
+                        <a:rPr lang="en-US" sz="1100" b="0" i="0" u="none" strike="noStrike" baseline="0" dirty="0" smtClean="0">
+                          <a:solidFill>
+                            <a:srgbClr val="000000"/>
+                          </a:solidFill>
+                          <a:effectLst/>
+                          <a:latin typeface="Calibri" panose="020F0502020204030204" pitchFamily="34" charset="0"/>
+                        </a:rPr>
+                        <a:t> </a:t>
+                      </a:r>
+                      <a:r>
                         <a:rPr lang="en-US" sz="1100" b="0" i="0" u="none" strike="noStrike" dirty="0" smtClean="0">
                           <a:solidFill>
                             <a:srgbClr val="000000"/>
@@ -9156,7 +9167,7 @@
                 </a:tc>
                 <a:extLst>
                   <a:ext uri="{0D108BD9-81ED-4DB2-BD59-A6C34878D82A}">
-                    <a16:rowId xmlns="" xmlns:a16="http://schemas.microsoft.com/office/drawing/2014/main" val="4247627454"/>
+                    <a16:rowId xmlns:a16="http://schemas.microsoft.com/office/drawing/2014/main" val="4247627454"/>
                   </a:ext>
                 </a:extLst>
               </a:tr>
@@ -9254,7 +9265,7 @@
                 </a:tc>
                 <a:extLst>
                   <a:ext uri="{0D108BD9-81ED-4DB2-BD59-A6C34878D82A}">
-                    <a16:rowId xmlns="" xmlns:a16="http://schemas.microsoft.com/office/drawing/2014/main" val="2227278853"/>
+                    <a16:rowId xmlns:a16="http://schemas.microsoft.com/office/drawing/2014/main" val="2227278853"/>
                   </a:ext>
                 </a:extLst>
               </a:tr>
@@ -9352,7 +9363,7 @@
                 </a:tc>
                 <a:extLst>
                   <a:ext uri="{0D108BD9-81ED-4DB2-BD59-A6C34878D82A}">
-                    <a16:rowId xmlns="" xmlns:a16="http://schemas.microsoft.com/office/drawing/2014/main" val="2842433311"/>
+                    <a16:rowId xmlns:a16="http://schemas.microsoft.com/office/drawing/2014/main" val="2842433311"/>
                   </a:ext>
                 </a:extLst>
               </a:tr>
@@ -9369,14 +9380,3865 @@
           <p:nvPr>
             <p:extLst>
               <p:ext uri="{D42A27DB-BD31-4B8C-83A1-F6EECF244321}">
-                <p14:modId xmlns:p14="http://schemas.microsoft.com/office/powerpoint/2010/main" val="1815369979"/>
+                <p14:modId xmlns:p14="http://schemas.microsoft.com/office/powerpoint/2010/main" val="1775553749"/>
               </p:ext>
             </p:extLst>
           </p:nvPr>
         </p:nvGraphicFramePr>
         <p:xfrm>
           <a:off x="6326335" y="1345921"/>
-          <a:ext cx="5373220" cy="5108664"/>
+          <a:ext cx="5373220" cy="5108660"/>
+        </p:xfrm>
+        <a:graphic>
+          <a:graphicData uri="http://schemas.openxmlformats.org/drawingml/2006/table">
+            <a:tbl>
+              <a:tblPr>
+                <a:tableStyleId>{5C22544A-7EE6-4342-B048-85BDC9FD1C3A}</a:tableStyleId>
+              </a:tblPr>
+              <a:tblGrid>
+                <a:gridCol w="3568779">
+                  <a:extLst>
+                    <a:ext uri="{9D8B030D-6E8A-4147-A177-3AD203B41FA5}">
+                      <a16:colId xmlns:a16="http://schemas.microsoft.com/office/drawing/2014/main" val="1356431335"/>
+                    </a:ext>
+                  </a:extLst>
+                </a:gridCol>
+                <a:gridCol w="751115">
+                  <a:extLst>
+                    <a:ext uri="{9D8B030D-6E8A-4147-A177-3AD203B41FA5}">
+                      <a16:colId xmlns:a16="http://schemas.microsoft.com/office/drawing/2014/main" val="4074852346"/>
+                    </a:ext>
+                  </a:extLst>
+                </a:gridCol>
+                <a:gridCol w="1053326">
+                  <a:extLst>
+                    <a:ext uri="{9D8B030D-6E8A-4147-A177-3AD203B41FA5}">
+                      <a16:colId xmlns:a16="http://schemas.microsoft.com/office/drawing/2014/main" val="715510892"/>
+                    </a:ext>
+                  </a:extLst>
+                </a:gridCol>
+              </a:tblGrid>
+              <a:tr h="237804">
+                <a:tc>
+                  <a:txBody>
+                    <a:bodyPr/>
+                    <a:lstStyle/>
+                    <a:p>
+                      <a:pPr algn="l" fontAlgn="b"/>
+                      <a:r>
+                        <a:rPr lang="en-US" sz="1100" b="1" u="none" strike="noStrike" dirty="0">
+                          <a:effectLst/>
+                        </a:rPr>
+                        <a:t>Short Name</a:t>
+                      </a:r>
+                      <a:endParaRPr lang="en-US" sz="1100" b="1" i="0" u="none" strike="noStrike" dirty="0">
+                        <a:solidFill>
+                          <a:srgbClr val="000000"/>
+                        </a:solidFill>
+                        <a:effectLst/>
+                        <a:latin typeface="Calibri" panose="020F0502020204030204" pitchFamily="34" charset="0"/>
+                      </a:endParaRPr>
+                    </a:p>
+                  </a:txBody>
+                  <a:tcPr marL="7620" marR="7620" marT="7620" marB="0" anchor="b"/>
+                </a:tc>
+                <a:tc>
+                  <a:txBody>
+                    <a:bodyPr/>
+                    <a:lstStyle/>
+                    <a:p>
+                      <a:pPr algn="l" fontAlgn="b"/>
+                      <a:r>
+                        <a:rPr lang="en-US" sz="1100" b="1" u="none" strike="noStrike" dirty="0">
+                          <a:effectLst/>
+                        </a:rPr>
+                        <a:t>PI</a:t>
+                      </a:r>
+                      <a:endParaRPr lang="en-US" sz="1100" b="1" i="0" u="none" strike="noStrike" dirty="0">
+                        <a:solidFill>
+                          <a:srgbClr val="000000"/>
+                        </a:solidFill>
+                        <a:effectLst/>
+                        <a:latin typeface="Calibri" panose="020F0502020204030204" pitchFamily="34" charset="0"/>
+                      </a:endParaRPr>
+                    </a:p>
+                  </a:txBody>
+                  <a:tcPr marL="7620" marR="7620" marT="7620" marB="0" anchor="b"/>
+                </a:tc>
+                <a:tc>
+                  <a:txBody>
+                    <a:bodyPr/>
+                    <a:lstStyle/>
+                    <a:p>
+                      <a:pPr algn="l" fontAlgn="b"/>
+                      <a:r>
+                        <a:rPr lang="en-US" sz="1100" b="1" u="none" strike="noStrike" dirty="0">
+                          <a:effectLst/>
+                        </a:rPr>
+                        <a:t>Department</a:t>
+                      </a:r>
+                      <a:endParaRPr lang="en-US" sz="1100" b="1" i="0" u="none" strike="noStrike" dirty="0">
+                        <a:solidFill>
+                          <a:srgbClr val="000000"/>
+                        </a:solidFill>
+                        <a:effectLst/>
+                        <a:latin typeface="Calibri" panose="020F0502020204030204" pitchFamily="34" charset="0"/>
+                      </a:endParaRPr>
+                    </a:p>
+                  </a:txBody>
+                  <a:tcPr marL="7620" marR="7620" marT="7620" marB="0" anchor="b"/>
+                </a:tc>
+                <a:extLst>
+                  <a:ext uri="{0D108BD9-81ED-4DB2-BD59-A6C34878D82A}">
+                    <a16:rowId xmlns:a16="http://schemas.microsoft.com/office/drawing/2014/main" val="1236399335"/>
+                  </a:ext>
+                </a:extLst>
+              </a:tr>
+              <a:tr h="237804">
+                <a:tc>
+                  <a:txBody>
+                    <a:bodyPr/>
+                    <a:lstStyle/>
+                    <a:p>
+                      <a:pPr algn="l" fontAlgn="b"/>
+                      <a:r>
+                        <a:rPr lang="en-US" sz="1100" b="0" i="0" u="none" strike="noStrike" dirty="0" smtClean="0">
+                          <a:solidFill>
+                            <a:srgbClr val="000000"/>
+                          </a:solidFill>
+                          <a:effectLst/>
+                          <a:latin typeface="Calibri" panose="020F0502020204030204" pitchFamily="34" charset="0"/>
+                        </a:rPr>
+                        <a:t>Radial Neck Fractures</a:t>
+                      </a:r>
+                      <a:endParaRPr lang="en-US" sz="1100" b="0" i="0" u="none" strike="noStrike" dirty="0">
+                        <a:solidFill>
+                          <a:srgbClr val="000000"/>
+                        </a:solidFill>
+                        <a:effectLst/>
+                        <a:latin typeface="Calibri" panose="020F0502020204030204" pitchFamily="34" charset="0"/>
+                      </a:endParaRPr>
+                    </a:p>
+                  </a:txBody>
+                  <a:tcPr marL="7620" marR="7620" marT="7620" marB="0" anchor="b"/>
+                </a:tc>
+                <a:tc>
+                  <a:txBody>
+                    <a:bodyPr/>
+                    <a:lstStyle/>
+                    <a:p>
+                      <a:pPr algn="l" fontAlgn="b"/>
+                      <a:r>
+                        <a:rPr lang="en-US" sz="1100" b="0" i="0" u="none" strike="noStrike" dirty="0" smtClean="0">
+                          <a:solidFill>
+                            <a:srgbClr val="000000"/>
+                          </a:solidFill>
+                          <a:effectLst/>
+                          <a:latin typeface="Calibri" panose="020F0502020204030204" pitchFamily="34" charset="0"/>
+                        </a:rPr>
+                        <a:t>TR Lewis</a:t>
+                      </a:r>
+                      <a:endParaRPr lang="en-US" sz="1100" b="0" i="0" u="none" strike="noStrike" dirty="0">
+                        <a:solidFill>
+                          <a:srgbClr val="000000"/>
+                        </a:solidFill>
+                        <a:effectLst/>
+                        <a:latin typeface="Calibri" panose="020F0502020204030204" pitchFamily="34" charset="0"/>
+                      </a:endParaRPr>
+                    </a:p>
+                  </a:txBody>
+                  <a:tcPr marL="7620" marR="7620" marT="7620" marB="0" anchor="b"/>
+                </a:tc>
+                <a:tc>
+                  <a:txBody>
+                    <a:bodyPr/>
+                    <a:lstStyle/>
+                    <a:p>
+                      <a:pPr algn="l" fontAlgn="b"/>
+                      <a:r>
+                        <a:rPr lang="en-US" sz="1100" b="0" i="0" u="none" strike="noStrike" dirty="0" smtClean="0">
+                          <a:solidFill>
+                            <a:srgbClr val="000000"/>
+                          </a:solidFill>
+                          <a:effectLst/>
+                          <a:latin typeface="Calibri" panose="020F0502020204030204" pitchFamily="34" charset="0"/>
+                        </a:rPr>
+                        <a:t>Orthopedics</a:t>
+                      </a:r>
+                      <a:endParaRPr lang="en-US" sz="1100" b="0" i="0" u="none" strike="noStrike" dirty="0">
+                        <a:solidFill>
+                          <a:srgbClr val="000000"/>
+                        </a:solidFill>
+                        <a:effectLst/>
+                        <a:latin typeface="Calibri" panose="020F0502020204030204" pitchFamily="34" charset="0"/>
+                      </a:endParaRPr>
+                    </a:p>
+                  </a:txBody>
+                  <a:tcPr marL="7620" marR="7620" marT="7620" marB="0" anchor="b"/>
+                </a:tc>
+                <a:extLst>
+                  <a:ext uri="{0D108BD9-81ED-4DB2-BD59-A6C34878D82A}">
+                    <a16:rowId xmlns:a16="http://schemas.microsoft.com/office/drawing/2014/main" val="3548785687"/>
+                  </a:ext>
+                </a:extLst>
+              </a:tr>
+              <a:tr h="237804">
+                <a:tc>
+                  <a:txBody>
+                    <a:bodyPr/>
+                    <a:lstStyle/>
+                    <a:p>
+                      <a:pPr algn="l" fontAlgn="b"/>
+                      <a:r>
+                        <a:rPr lang="en-US" sz="1100" b="0" i="0" u="none" strike="noStrike" dirty="0" smtClean="0">
+                          <a:solidFill>
+                            <a:srgbClr val="000000"/>
+                          </a:solidFill>
+                          <a:effectLst/>
+                          <a:latin typeface="Calibri" panose="020F0502020204030204" pitchFamily="34" charset="0"/>
+                        </a:rPr>
+                        <a:t>High Grade VAIN</a:t>
+                      </a:r>
+                      <a:endParaRPr lang="en-US" sz="1100" b="0" i="0" u="none" strike="noStrike" dirty="0">
+                        <a:solidFill>
+                          <a:srgbClr val="000000"/>
+                        </a:solidFill>
+                        <a:effectLst/>
+                        <a:latin typeface="Calibri" panose="020F0502020204030204" pitchFamily="34" charset="0"/>
+                      </a:endParaRPr>
+                    </a:p>
+                  </a:txBody>
+                  <a:tcPr marL="7620" marR="7620" marT="7620" marB="0" anchor="b"/>
+                </a:tc>
+                <a:tc>
+                  <a:txBody>
+                    <a:bodyPr/>
+                    <a:lstStyle/>
+                    <a:p>
+                      <a:pPr algn="l" fontAlgn="b"/>
+                      <a:r>
+                        <a:rPr lang="en-US" sz="1100" b="0" i="0" u="none" strike="noStrike" dirty="0" smtClean="0">
+                          <a:solidFill>
+                            <a:srgbClr val="000000"/>
+                          </a:solidFill>
+                          <a:effectLst/>
+                          <a:latin typeface="Calibri" panose="020F0502020204030204" pitchFamily="34" charset="0"/>
+                        </a:rPr>
+                        <a:t>K. Smith</a:t>
+                      </a:r>
+                      <a:endParaRPr lang="en-US" sz="1100" b="0" i="0" u="none" strike="noStrike" dirty="0">
+                        <a:solidFill>
+                          <a:srgbClr val="000000"/>
+                        </a:solidFill>
+                        <a:effectLst/>
+                        <a:latin typeface="Calibri" panose="020F0502020204030204" pitchFamily="34" charset="0"/>
+                      </a:endParaRPr>
+                    </a:p>
+                  </a:txBody>
+                  <a:tcPr marL="7620" marR="7620" marT="7620" marB="0" anchor="b"/>
+                </a:tc>
+                <a:tc>
+                  <a:txBody>
+                    <a:bodyPr/>
+                    <a:lstStyle/>
+                    <a:p>
+                      <a:pPr algn="l" fontAlgn="b"/>
+                      <a:r>
+                        <a:rPr lang="en-US" sz="1100" b="0" i="0" u="none" strike="noStrike" dirty="0" smtClean="0">
+                          <a:solidFill>
+                            <a:srgbClr val="000000"/>
+                          </a:solidFill>
+                          <a:effectLst/>
+                          <a:latin typeface="Calibri" panose="020F0502020204030204" pitchFamily="34" charset="0"/>
+                        </a:rPr>
+                        <a:t>Women’s Health</a:t>
+                      </a:r>
+                      <a:endParaRPr lang="en-US" sz="1100" b="0" i="0" u="none" strike="noStrike" dirty="0">
+                        <a:solidFill>
+                          <a:srgbClr val="000000"/>
+                        </a:solidFill>
+                        <a:effectLst/>
+                        <a:latin typeface="Calibri" panose="020F0502020204030204" pitchFamily="34" charset="0"/>
+                      </a:endParaRPr>
+                    </a:p>
+                  </a:txBody>
+                  <a:tcPr marL="7620" marR="7620" marT="7620" marB="0" anchor="b"/>
+                </a:tc>
+                <a:extLst>
+                  <a:ext uri="{0D108BD9-81ED-4DB2-BD59-A6C34878D82A}">
+                    <a16:rowId xmlns:a16="http://schemas.microsoft.com/office/drawing/2014/main" val="949879066"/>
+                  </a:ext>
+                </a:extLst>
+              </a:tr>
+              <a:tr h="237804">
+                <a:tc>
+                  <a:txBody>
+                    <a:bodyPr/>
+                    <a:lstStyle/>
+                    <a:p>
+                      <a:pPr algn="l" fontAlgn="b"/>
+                      <a:r>
+                        <a:rPr lang="en-US" sz="1100" b="0" i="0" u="none" strike="noStrike" dirty="0" smtClean="0">
+                          <a:solidFill>
+                            <a:srgbClr val="000000"/>
+                          </a:solidFill>
+                          <a:effectLst/>
+                          <a:latin typeface="Calibri" panose="020F0502020204030204" pitchFamily="34" charset="0"/>
+                        </a:rPr>
+                        <a:t>E-Cigarette and Tobacco</a:t>
+                      </a:r>
+                      <a:r>
+                        <a:rPr lang="en-US" sz="1100" b="0" i="0" u="none" strike="noStrike" baseline="0" dirty="0" smtClean="0">
+                          <a:solidFill>
+                            <a:srgbClr val="000000"/>
+                          </a:solidFill>
+                          <a:effectLst/>
+                          <a:latin typeface="Calibri" panose="020F0502020204030204" pitchFamily="34" charset="0"/>
+                        </a:rPr>
+                        <a:t> Use During Pregnancy</a:t>
+                      </a:r>
+                      <a:endParaRPr lang="en-US" sz="1100" b="0" i="0" u="none" strike="noStrike" dirty="0">
+                        <a:solidFill>
+                          <a:srgbClr val="000000"/>
+                        </a:solidFill>
+                        <a:effectLst/>
+                        <a:latin typeface="Calibri" panose="020F0502020204030204" pitchFamily="34" charset="0"/>
+                      </a:endParaRPr>
+                    </a:p>
+                  </a:txBody>
+                  <a:tcPr marL="7620" marR="7620" marT="7620" marB="0" anchor="b"/>
+                </a:tc>
+                <a:tc>
+                  <a:txBody>
+                    <a:bodyPr/>
+                    <a:lstStyle/>
+                    <a:p>
+                      <a:pPr marL="0" indent="0" algn="l" fontAlgn="b">
+                        <a:buAutoNum type="alphaUcPeriod"/>
+                      </a:pPr>
+                      <a:r>
+                        <a:rPr lang="en-US" sz="1100" b="0" i="0" u="none" strike="noStrike" baseline="0" dirty="0" smtClean="0">
+                          <a:solidFill>
+                            <a:srgbClr val="000000"/>
+                          </a:solidFill>
+                          <a:effectLst/>
+                          <a:latin typeface="Calibri" panose="020F0502020204030204" pitchFamily="34" charset="0"/>
+                        </a:rPr>
+                        <a:t> </a:t>
+                      </a:r>
+                      <a:r>
+                        <a:rPr lang="en-US" sz="1100" b="0" i="0" u="none" strike="noStrike" dirty="0" smtClean="0">
+                          <a:solidFill>
+                            <a:srgbClr val="000000"/>
+                          </a:solidFill>
+                          <a:effectLst/>
+                          <a:latin typeface="Calibri" panose="020F0502020204030204" pitchFamily="34" charset="0"/>
+                        </a:rPr>
+                        <a:t>Cohn</a:t>
+                      </a:r>
+                      <a:endParaRPr lang="en-US" sz="1100" b="0" i="0" u="none" strike="noStrike" dirty="0">
+                        <a:solidFill>
+                          <a:srgbClr val="000000"/>
+                        </a:solidFill>
+                        <a:effectLst/>
+                        <a:latin typeface="Calibri" panose="020F0502020204030204" pitchFamily="34" charset="0"/>
+                      </a:endParaRPr>
+                    </a:p>
+                  </a:txBody>
+                  <a:tcPr marL="7620" marR="7620" marT="7620" marB="0" anchor="b"/>
+                </a:tc>
+                <a:tc>
+                  <a:txBody>
+                    <a:bodyPr/>
+                    <a:lstStyle/>
+                    <a:p>
+                      <a:pPr algn="l" fontAlgn="b"/>
+                      <a:r>
+                        <a:rPr lang="en-US" sz="1100" b="0" i="0" u="none" strike="noStrike" dirty="0" smtClean="0">
+                          <a:solidFill>
+                            <a:srgbClr val="000000"/>
+                          </a:solidFill>
+                          <a:effectLst/>
+                          <a:latin typeface="Calibri" panose="020F0502020204030204" pitchFamily="34" charset="0"/>
+                        </a:rPr>
+                        <a:t>Cancer Center</a:t>
+                      </a:r>
+                      <a:endParaRPr lang="en-US" sz="1100" b="0" i="0" u="none" strike="noStrike" dirty="0">
+                        <a:solidFill>
+                          <a:srgbClr val="000000"/>
+                        </a:solidFill>
+                        <a:effectLst/>
+                        <a:latin typeface="Calibri" panose="020F0502020204030204" pitchFamily="34" charset="0"/>
+                      </a:endParaRPr>
+                    </a:p>
+                  </a:txBody>
+                  <a:tcPr marL="7620" marR="7620" marT="7620" marB="0" anchor="b"/>
+                </a:tc>
+                <a:extLst>
+                  <a:ext uri="{0D108BD9-81ED-4DB2-BD59-A6C34878D82A}">
+                    <a16:rowId xmlns:a16="http://schemas.microsoft.com/office/drawing/2014/main" val="3222670053"/>
+                  </a:ext>
+                </a:extLst>
+              </a:tr>
+              <a:tr h="237804">
+                <a:tc>
+                  <a:txBody>
+                    <a:bodyPr/>
+                    <a:lstStyle/>
+                    <a:p>
+                      <a:pPr algn="l" fontAlgn="b"/>
+                      <a:r>
+                        <a:rPr lang="en-US" sz="1100" b="0" i="0" u="none" strike="noStrike" dirty="0" smtClean="0">
+                          <a:solidFill>
+                            <a:srgbClr val="000000"/>
+                          </a:solidFill>
+                          <a:effectLst/>
+                          <a:latin typeface="Calibri" panose="020F0502020204030204" pitchFamily="34" charset="0"/>
+                        </a:rPr>
+                        <a:t>Analysis of C. Diff</a:t>
+                      </a:r>
+                      <a:r>
+                        <a:rPr lang="en-US" sz="1100" b="0" i="0" u="none" strike="noStrike" baseline="0" dirty="0" smtClean="0">
+                          <a:solidFill>
+                            <a:srgbClr val="000000"/>
+                          </a:solidFill>
+                          <a:effectLst/>
+                          <a:latin typeface="Calibri" panose="020F0502020204030204" pitchFamily="34" charset="0"/>
+                        </a:rPr>
+                        <a:t> Toxins</a:t>
+                      </a:r>
+                      <a:endParaRPr lang="en-US" sz="1100" b="0" i="0" u="none" strike="noStrike" dirty="0">
+                        <a:solidFill>
+                          <a:srgbClr val="000000"/>
+                        </a:solidFill>
+                        <a:effectLst/>
+                        <a:latin typeface="Calibri" panose="020F0502020204030204" pitchFamily="34" charset="0"/>
+                      </a:endParaRPr>
+                    </a:p>
+                  </a:txBody>
+                  <a:tcPr marL="7620" marR="7620" marT="7620" marB="0" anchor="b"/>
+                </a:tc>
+                <a:tc>
+                  <a:txBody>
+                    <a:bodyPr/>
+                    <a:lstStyle/>
+                    <a:p>
+                      <a:pPr algn="l" fontAlgn="b"/>
+                      <a:r>
+                        <a:rPr lang="en-US" sz="1100" b="0" i="0" u="none" strike="noStrike" dirty="0" smtClean="0">
+                          <a:solidFill>
+                            <a:srgbClr val="000000"/>
+                          </a:solidFill>
+                          <a:effectLst/>
+                          <a:latin typeface="Calibri" panose="020F0502020204030204" pitchFamily="34" charset="0"/>
+                        </a:rPr>
+                        <a:t>P.</a:t>
+                      </a:r>
+                      <a:r>
+                        <a:rPr lang="en-US" sz="1100" b="0" i="0" u="none" strike="noStrike" baseline="0" dirty="0" smtClean="0">
+                          <a:solidFill>
+                            <a:srgbClr val="000000"/>
+                          </a:solidFill>
+                          <a:effectLst/>
+                          <a:latin typeface="Calibri" panose="020F0502020204030204" pitchFamily="34" charset="0"/>
+                        </a:rPr>
+                        <a:t> Lang</a:t>
+                      </a:r>
+                      <a:endParaRPr lang="en-US" sz="1100" b="0" i="0" u="none" strike="noStrike" dirty="0">
+                        <a:solidFill>
+                          <a:srgbClr val="000000"/>
+                        </a:solidFill>
+                        <a:effectLst/>
+                        <a:latin typeface="Calibri" panose="020F0502020204030204" pitchFamily="34" charset="0"/>
+                      </a:endParaRPr>
+                    </a:p>
+                  </a:txBody>
+                  <a:tcPr marL="7620" marR="7620" marT="7620" marB="0" anchor="b"/>
+                </a:tc>
+                <a:tc>
+                  <a:txBody>
+                    <a:bodyPr/>
+                    <a:lstStyle/>
+                    <a:p>
+                      <a:pPr algn="l" fontAlgn="b"/>
+                      <a:r>
+                        <a:rPr lang="en-US" sz="1100" b="0" i="0" u="none" strike="noStrike" dirty="0" smtClean="0">
+                          <a:solidFill>
+                            <a:srgbClr val="000000"/>
+                          </a:solidFill>
+                          <a:effectLst/>
+                          <a:latin typeface="Calibri" panose="020F0502020204030204" pitchFamily="34" charset="0"/>
+                        </a:rPr>
+                        <a:t>Immunology</a:t>
+                      </a:r>
+                      <a:endParaRPr lang="en-US" sz="1100" b="0" i="0" u="none" strike="noStrike" dirty="0">
+                        <a:solidFill>
+                          <a:srgbClr val="000000"/>
+                        </a:solidFill>
+                        <a:effectLst/>
+                        <a:latin typeface="Calibri" panose="020F0502020204030204" pitchFamily="34" charset="0"/>
+                      </a:endParaRPr>
+                    </a:p>
+                  </a:txBody>
+                  <a:tcPr marL="7620" marR="7620" marT="7620" marB="0" anchor="b"/>
+                </a:tc>
+                <a:extLst>
+                  <a:ext uri="{0D108BD9-81ED-4DB2-BD59-A6C34878D82A}">
+                    <a16:rowId xmlns:a16="http://schemas.microsoft.com/office/drawing/2014/main" val="1661099666"/>
+                  </a:ext>
+                </a:extLst>
+              </a:tr>
+              <a:tr h="237804">
+                <a:tc>
+                  <a:txBody>
+                    <a:bodyPr/>
+                    <a:lstStyle/>
+                    <a:p>
+                      <a:pPr algn="l" fontAlgn="b"/>
+                      <a:r>
+                        <a:rPr lang="en-US" sz="1100" b="0" i="0" u="none" strike="noStrike" dirty="0" smtClean="0">
+                          <a:solidFill>
+                            <a:srgbClr val="000000"/>
+                          </a:solidFill>
+                          <a:effectLst/>
+                          <a:latin typeface="Calibri" panose="020F0502020204030204" pitchFamily="34" charset="0"/>
+                        </a:rPr>
+                        <a:t>Inpatient</a:t>
+                      </a:r>
+                      <a:r>
+                        <a:rPr lang="en-US" sz="1100" b="0" i="0" u="none" strike="noStrike" baseline="0" dirty="0" smtClean="0">
+                          <a:solidFill>
+                            <a:srgbClr val="000000"/>
+                          </a:solidFill>
+                          <a:effectLst/>
+                          <a:latin typeface="Calibri" panose="020F0502020204030204" pitchFamily="34" charset="0"/>
+                        </a:rPr>
+                        <a:t> Transition of Care Pharmacist</a:t>
+                      </a:r>
+                      <a:endParaRPr lang="en-US" sz="1100" b="0" i="0" u="none" strike="noStrike" dirty="0">
+                        <a:solidFill>
+                          <a:srgbClr val="000000"/>
+                        </a:solidFill>
+                        <a:effectLst/>
+                        <a:latin typeface="Calibri" panose="020F0502020204030204" pitchFamily="34" charset="0"/>
+                      </a:endParaRPr>
+                    </a:p>
+                  </a:txBody>
+                  <a:tcPr marL="7620" marR="7620" marT="7620" marB="0" anchor="b"/>
+                </a:tc>
+                <a:tc>
+                  <a:txBody>
+                    <a:bodyPr/>
+                    <a:lstStyle/>
+                    <a:p>
+                      <a:pPr algn="l" fontAlgn="b"/>
+                      <a:r>
+                        <a:rPr lang="en-US" sz="1100" b="0" i="0" u="none" strike="noStrike" dirty="0" smtClean="0">
+                          <a:solidFill>
+                            <a:srgbClr val="000000"/>
+                          </a:solidFill>
+                          <a:effectLst/>
+                          <a:latin typeface="Calibri" panose="020F0502020204030204" pitchFamily="34" charset="0"/>
+                        </a:rPr>
+                        <a:t>T. Truong</a:t>
+                      </a:r>
+                      <a:endParaRPr lang="en-US" sz="1100" b="0" i="0" u="none" strike="noStrike" dirty="0">
+                        <a:solidFill>
+                          <a:srgbClr val="000000"/>
+                        </a:solidFill>
+                        <a:effectLst/>
+                        <a:latin typeface="Calibri" panose="020F0502020204030204" pitchFamily="34" charset="0"/>
+                      </a:endParaRPr>
+                    </a:p>
+                  </a:txBody>
+                  <a:tcPr marL="7620" marR="7620" marT="7620" marB="0" anchor="b"/>
+                </a:tc>
+                <a:tc>
+                  <a:txBody>
+                    <a:bodyPr/>
+                    <a:lstStyle/>
+                    <a:p>
+                      <a:pPr algn="l" fontAlgn="b"/>
+                      <a:r>
+                        <a:rPr lang="en-US" sz="1100" b="0" i="0" u="none" strike="noStrike" dirty="0" smtClean="0">
+                          <a:solidFill>
+                            <a:srgbClr val="000000"/>
+                          </a:solidFill>
+                          <a:effectLst/>
+                          <a:latin typeface="Calibri" panose="020F0502020204030204" pitchFamily="34" charset="0"/>
+                        </a:rPr>
+                        <a:t>Pharmacy</a:t>
+                      </a:r>
+                      <a:endParaRPr lang="en-US" sz="1100" b="0" i="0" u="none" strike="noStrike" dirty="0">
+                        <a:solidFill>
+                          <a:srgbClr val="000000"/>
+                        </a:solidFill>
+                        <a:effectLst/>
+                        <a:latin typeface="Calibri" panose="020F0502020204030204" pitchFamily="34" charset="0"/>
+                      </a:endParaRPr>
+                    </a:p>
+                  </a:txBody>
+                  <a:tcPr marL="7620" marR="7620" marT="7620" marB="0" anchor="b"/>
+                </a:tc>
+                <a:extLst>
+                  <a:ext uri="{0D108BD9-81ED-4DB2-BD59-A6C34878D82A}">
+                    <a16:rowId xmlns:a16="http://schemas.microsoft.com/office/drawing/2014/main" val="4172047643"/>
+                  </a:ext>
+                </a:extLst>
+              </a:tr>
+              <a:tr h="237804">
+                <a:tc>
+                  <a:txBody>
+                    <a:bodyPr/>
+                    <a:lstStyle/>
+                    <a:p>
+                      <a:pPr algn="l" fontAlgn="b"/>
+                      <a:r>
+                        <a:rPr lang="en-US" sz="1100" b="0" i="0" u="none" strike="noStrike" dirty="0" smtClean="0">
+                          <a:solidFill>
+                            <a:srgbClr val="000000"/>
+                          </a:solidFill>
+                          <a:effectLst/>
+                          <a:latin typeface="Calibri" panose="020F0502020204030204" pitchFamily="34" charset="0"/>
+                        </a:rPr>
+                        <a:t>Children</a:t>
+                      </a:r>
+                      <a:r>
+                        <a:rPr lang="en-US" sz="1100" b="0" i="0" u="none" strike="noStrike" baseline="0" dirty="0" smtClean="0">
+                          <a:solidFill>
+                            <a:srgbClr val="000000"/>
+                          </a:solidFill>
+                          <a:effectLst/>
+                          <a:latin typeface="Calibri" panose="020F0502020204030204" pitchFamily="34" charset="0"/>
+                        </a:rPr>
+                        <a:t> with Medical Complexity</a:t>
+                      </a:r>
+                      <a:endParaRPr lang="en-US" sz="1100" b="0" i="0" u="none" strike="noStrike" dirty="0">
+                        <a:solidFill>
+                          <a:srgbClr val="000000"/>
+                        </a:solidFill>
+                        <a:effectLst/>
+                        <a:latin typeface="Calibri" panose="020F0502020204030204" pitchFamily="34" charset="0"/>
+                      </a:endParaRPr>
+                    </a:p>
+                  </a:txBody>
+                  <a:tcPr marL="7620" marR="7620" marT="7620" marB="0" anchor="b"/>
+                </a:tc>
+                <a:tc>
+                  <a:txBody>
+                    <a:bodyPr/>
+                    <a:lstStyle/>
+                    <a:p>
+                      <a:pPr algn="l" fontAlgn="b"/>
+                      <a:r>
+                        <a:rPr lang="en-US" sz="1100" b="0" i="0" u="none" strike="noStrike" dirty="0" smtClean="0">
+                          <a:solidFill>
+                            <a:srgbClr val="000000"/>
+                          </a:solidFill>
+                          <a:effectLst/>
+                          <a:latin typeface="Calibri" panose="020F0502020204030204" pitchFamily="34" charset="0"/>
+                        </a:rPr>
+                        <a:t>M. Akande</a:t>
+                      </a:r>
+                      <a:endParaRPr lang="en-US" sz="1100" b="0" i="0" u="none" strike="noStrike" dirty="0">
+                        <a:solidFill>
+                          <a:srgbClr val="000000"/>
+                        </a:solidFill>
+                        <a:effectLst/>
+                        <a:latin typeface="Calibri" panose="020F0502020204030204" pitchFamily="34" charset="0"/>
+                      </a:endParaRPr>
+                    </a:p>
+                  </a:txBody>
+                  <a:tcPr marL="7620" marR="7620" marT="7620" marB="0" anchor="b"/>
+                </a:tc>
+                <a:tc>
+                  <a:txBody>
+                    <a:bodyPr/>
+                    <a:lstStyle/>
+                    <a:p>
+                      <a:pPr algn="l" fontAlgn="b"/>
+                      <a:r>
+                        <a:rPr lang="en-US" sz="1100" b="0" i="0" u="none" strike="noStrike" dirty="0" smtClean="0">
+                          <a:solidFill>
+                            <a:srgbClr val="000000"/>
+                          </a:solidFill>
+                          <a:effectLst/>
+                          <a:latin typeface="Calibri" panose="020F0502020204030204" pitchFamily="34" charset="0"/>
+                        </a:rPr>
+                        <a:t>Pediatrics</a:t>
+                      </a:r>
+                      <a:endParaRPr lang="en-US" sz="1100" b="0" i="0" u="none" strike="noStrike" dirty="0">
+                        <a:solidFill>
+                          <a:srgbClr val="000000"/>
+                        </a:solidFill>
+                        <a:effectLst/>
+                        <a:latin typeface="Calibri" panose="020F0502020204030204" pitchFamily="34" charset="0"/>
+                      </a:endParaRPr>
+                    </a:p>
+                  </a:txBody>
+                  <a:tcPr marL="7620" marR="7620" marT="7620" marB="0" anchor="b"/>
+                </a:tc>
+                <a:extLst>
+                  <a:ext uri="{0D108BD9-81ED-4DB2-BD59-A6C34878D82A}">
+                    <a16:rowId xmlns:a16="http://schemas.microsoft.com/office/drawing/2014/main" val="1057878429"/>
+                  </a:ext>
+                </a:extLst>
+              </a:tr>
+              <a:tr h="237804">
+                <a:tc>
+                  <a:txBody>
+                    <a:bodyPr/>
+                    <a:lstStyle/>
+                    <a:p>
+                      <a:pPr algn="l" fontAlgn="b"/>
+                      <a:r>
+                        <a:rPr lang="en-US" sz="1100" b="0" i="0" u="none" strike="noStrike" dirty="0" smtClean="0">
+                          <a:solidFill>
+                            <a:srgbClr val="000000"/>
+                          </a:solidFill>
+                          <a:effectLst/>
+                          <a:latin typeface="Calibri" panose="020F0502020204030204" pitchFamily="34" charset="0"/>
+                        </a:rPr>
+                        <a:t>Outcomes</a:t>
+                      </a:r>
+                      <a:r>
+                        <a:rPr lang="en-US" sz="1100" b="0" i="0" u="none" strike="noStrike" baseline="0" dirty="0" smtClean="0">
+                          <a:solidFill>
+                            <a:srgbClr val="000000"/>
+                          </a:solidFill>
+                          <a:effectLst/>
+                          <a:latin typeface="Calibri" panose="020F0502020204030204" pitchFamily="34" charset="0"/>
+                        </a:rPr>
+                        <a:t> of Patients with Merkel Cell Carcinoma</a:t>
+                      </a:r>
+                      <a:endParaRPr lang="en-US" sz="1100" b="0" i="0" u="none" strike="noStrike" dirty="0">
+                        <a:solidFill>
+                          <a:srgbClr val="000000"/>
+                        </a:solidFill>
+                        <a:effectLst/>
+                        <a:latin typeface="Calibri" panose="020F0502020204030204" pitchFamily="34" charset="0"/>
+                      </a:endParaRPr>
+                    </a:p>
+                  </a:txBody>
+                  <a:tcPr marL="7620" marR="7620" marT="7620" marB="0" anchor="b"/>
+                </a:tc>
+                <a:tc>
+                  <a:txBody>
+                    <a:bodyPr/>
+                    <a:lstStyle/>
+                    <a:p>
+                      <a:pPr algn="l" fontAlgn="b"/>
+                      <a:r>
+                        <a:rPr lang="en-US" sz="1100" b="0" i="0" u="none" strike="noStrike" dirty="0" smtClean="0">
+                          <a:solidFill>
+                            <a:srgbClr val="000000"/>
+                          </a:solidFill>
+                          <a:effectLst/>
+                          <a:latin typeface="Calibri" panose="020F0502020204030204" pitchFamily="34" charset="0"/>
+                        </a:rPr>
+                        <a:t>C. Henson</a:t>
+                      </a:r>
+                      <a:endParaRPr lang="en-US" sz="1100" b="0" i="0" u="none" strike="noStrike" dirty="0">
+                        <a:solidFill>
+                          <a:srgbClr val="000000"/>
+                        </a:solidFill>
+                        <a:effectLst/>
+                        <a:latin typeface="Calibri" panose="020F0502020204030204" pitchFamily="34" charset="0"/>
+                      </a:endParaRPr>
+                    </a:p>
+                  </a:txBody>
+                  <a:tcPr marL="7620" marR="7620" marT="7620" marB="0" anchor="b"/>
+                </a:tc>
+                <a:tc>
+                  <a:txBody>
+                    <a:bodyPr/>
+                    <a:lstStyle/>
+                    <a:p>
+                      <a:pPr algn="l" fontAlgn="b"/>
+                      <a:r>
+                        <a:rPr lang="en-US" sz="1100" b="0" i="0" u="none" strike="noStrike" dirty="0" smtClean="0">
+                          <a:solidFill>
+                            <a:srgbClr val="000000"/>
+                          </a:solidFill>
+                          <a:effectLst/>
+                          <a:latin typeface="Calibri" panose="020F0502020204030204" pitchFamily="34" charset="0"/>
+                        </a:rPr>
+                        <a:t>Cancer Center</a:t>
+                      </a:r>
+                      <a:endParaRPr lang="en-US" sz="1100" b="0" i="0" u="none" strike="noStrike" dirty="0">
+                        <a:solidFill>
+                          <a:srgbClr val="000000"/>
+                        </a:solidFill>
+                        <a:effectLst/>
+                        <a:latin typeface="Calibri" panose="020F0502020204030204" pitchFamily="34" charset="0"/>
+                      </a:endParaRPr>
+                    </a:p>
+                  </a:txBody>
+                  <a:tcPr marL="7620" marR="7620" marT="7620" marB="0" anchor="b"/>
+                </a:tc>
+                <a:extLst>
+                  <a:ext uri="{0D108BD9-81ED-4DB2-BD59-A6C34878D82A}">
+                    <a16:rowId xmlns:a16="http://schemas.microsoft.com/office/drawing/2014/main" val="2151953881"/>
+                  </a:ext>
+                </a:extLst>
+              </a:tr>
+              <a:tr h="351158">
+                <a:tc>
+                  <a:txBody>
+                    <a:bodyPr/>
+                    <a:lstStyle/>
+                    <a:p>
+                      <a:pPr algn="l" fontAlgn="b"/>
+                      <a:r>
+                        <a:rPr lang="en-US" sz="1100" b="0" i="0" u="none" strike="noStrike" kern="1200" dirty="0" smtClean="0">
+                          <a:solidFill>
+                            <a:srgbClr val="000000"/>
+                          </a:solidFill>
+                          <a:effectLst/>
+                          <a:latin typeface="Calibri" panose="020F0502020204030204" pitchFamily="34" charset="0"/>
+                          <a:ea typeface="+mn-ea"/>
+                          <a:cs typeface="+mn-cs"/>
+                        </a:rPr>
+                        <a:t>Glucocorticoid Receptor Antagonism in the Treatment of Cushing Syndrome</a:t>
+                      </a:r>
+                      <a:endParaRPr lang="en-US" sz="1100" b="0" i="0" u="none" strike="noStrike" kern="1200" dirty="0">
+                        <a:solidFill>
+                          <a:srgbClr val="000000"/>
+                        </a:solidFill>
+                        <a:effectLst/>
+                        <a:latin typeface="Calibri" panose="020F0502020204030204" pitchFamily="34" charset="0"/>
+                        <a:ea typeface="+mn-ea"/>
+                        <a:cs typeface="+mn-cs"/>
+                      </a:endParaRPr>
+                    </a:p>
+                  </a:txBody>
+                  <a:tcPr marL="7620" marR="7620" marT="7620" marB="0" anchor="b"/>
+                </a:tc>
+                <a:tc>
+                  <a:txBody>
+                    <a:bodyPr/>
+                    <a:lstStyle/>
+                    <a:p>
+                      <a:pPr algn="l" fontAlgn="b"/>
+                      <a:r>
+                        <a:rPr lang="en-US" sz="1100" b="0" i="0" u="none" strike="noStrike" dirty="0" smtClean="0">
+                          <a:solidFill>
+                            <a:srgbClr val="000000"/>
+                          </a:solidFill>
+                          <a:effectLst/>
+                          <a:latin typeface="Calibri" panose="020F0502020204030204" pitchFamily="34" charset="0"/>
+                        </a:rPr>
+                        <a:t>J. Lim</a:t>
+                      </a:r>
+                      <a:endParaRPr lang="en-US" sz="1100" b="0" i="0" u="none" strike="noStrike" dirty="0">
+                        <a:solidFill>
+                          <a:srgbClr val="000000"/>
+                        </a:solidFill>
+                        <a:effectLst/>
+                        <a:latin typeface="Calibri" panose="020F0502020204030204" pitchFamily="34" charset="0"/>
+                      </a:endParaRPr>
+                    </a:p>
+                  </a:txBody>
+                  <a:tcPr marL="7620" marR="7620" marT="7620" marB="0" anchor="b"/>
+                </a:tc>
+                <a:tc>
+                  <a:txBody>
+                    <a:bodyPr/>
+                    <a:lstStyle/>
+                    <a:p>
+                      <a:pPr algn="l" fontAlgn="b"/>
+                      <a:r>
+                        <a:rPr lang="en-US" sz="1100" b="0" i="0" u="none" strike="noStrike" dirty="0" smtClean="0">
+                          <a:solidFill>
+                            <a:srgbClr val="000000"/>
+                          </a:solidFill>
+                          <a:effectLst/>
+                          <a:latin typeface="Calibri" panose="020F0502020204030204" pitchFamily="34" charset="0"/>
+                        </a:rPr>
+                        <a:t>Endocrinology</a:t>
+                      </a:r>
+                      <a:endParaRPr lang="en-US" sz="1100" b="0" i="0" u="none" strike="noStrike" dirty="0">
+                        <a:solidFill>
+                          <a:srgbClr val="000000"/>
+                        </a:solidFill>
+                        <a:effectLst/>
+                        <a:latin typeface="Calibri" panose="020F0502020204030204" pitchFamily="34" charset="0"/>
+                      </a:endParaRPr>
+                    </a:p>
+                  </a:txBody>
+                  <a:tcPr marL="7620" marR="7620" marT="7620" marB="0" anchor="b"/>
+                </a:tc>
+                <a:extLst>
+                  <a:ext uri="{0D108BD9-81ED-4DB2-BD59-A6C34878D82A}">
+                    <a16:rowId xmlns:a16="http://schemas.microsoft.com/office/drawing/2014/main" val="3615318075"/>
+                  </a:ext>
+                </a:extLst>
+              </a:tr>
+              <a:tr h="237804">
+                <a:tc>
+                  <a:txBody>
+                    <a:bodyPr/>
+                    <a:lstStyle/>
+                    <a:p>
+                      <a:pPr algn="l" fontAlgn="b"/>
+                      <a:r>
+                        <a:rPr lang="en-US" sz="1100" b="0" i="0" u="none" strike="noStrike" dirty="0" smtClean="0">
+                          <a:solidFill>
+                            <a:srgbClr val="000000"/>
+                          </a:solidFill>
+                          <a:effectLst/>
+                          <a:latin typeface="Calibri" panose="020F0502020204030204" pitchFamily="34" charset="0"/>
+                        </a:rPr>
+                        <a:t>Influenza A and </a:t>
+                      </a:r>
+                      <a:r>
+                        <a:rPr lang="en-US" sz="1100" b="0" i="0" u="none" strike="noStrike" dirty="0" err="1" smtClean="0">
+                          <a:solidFill>
+                            <a:srgbClr val="000000"/>
+                          </a:solidFill>
+                          <a:effectLst/>
+                          <a:latin typeface="Calibri" panose="020F0502020204030204" pitchFamily="34" charset="0"/>
+                        </a:rPr>
+                        <a:t>Sialadenitis</a:t>
+                      </a:r>
+                      <a:endParaRPr lang="en-US" sz="1100" b="0" i="0" u="none" strike="noStrike" dirty="0">
+                        <a:solidFill>
+                          <a:srgbClr val="000000"/>
+                        </a:solidFill>
+                        <a:effectLst/>
+                        <a:latin typeface="Calibri" panose="020F0502020204030204" pitchFamily="34" charset="0"/>
+                      </a:endParaRPr>
+                    </a:p>
+                  </a:txBody>
+                  <a:tcPr marL="7620" marR="7620" marT="7620" marB="0" anchor="b"/>
+                </a:tc>
+                <a:tc>
+                  <a:txBody>
+                    <a:bodyPr/>
+                    <a:lstStyle/>
+                    <a:p>
+                      <a:pPr algn="l" fontAlgn="b"/>
+                      <a:r>
+                        <a:rPr lang="en-US" sz="1100" b="0" i="0" u="none" strike="noStrike" dirty="0" smtClean="0">
+                          <a:solidFill>
+                            <a:srgbClr val="000000"/>
+                          </a:solidFill>
+                          <a:effectLst/>
+                          <a:latin typeface="Calibri" panose="020F0502020204030204" pitchFamily="34" charset="0"/>
+                        </a:rPr>
+                        <a:t>R. Johnson</a:t>
+                      </a:r>
+                      <a:endParaRPr lang="en-US" sz="1100" b="0" i="0" u="none" strike="noStrike" dirty="0">
+                        <a:solidFill>
+                          <a:srgbClr val="000000"/>
+                        </a:solidFill>
+                        <a:effectLst/>
+                        <a:latin typeface="Calibri" panose="020F0502020204030204" pitchFamily="34" charset="0"/>
+                      </a:endParaRPr>
+                    </a:p>
+                  </a:txBody>
+                  <a:tcPr marL="7620" marR="7620" marT="7620" marB="0" anchor="b"/>
+                </a:tc>
+                <a:tc>
+                  <a:txBody>
+                    <a:bodyPr/>
+                    <a:lstStyle/>
+                    <a:p>
+                      <a:pPr algn="l" fontAlgn="b"/>
+                      <a:r>
+                        <a:rPr lang="en-US" sz="1100" b="0" i="0" u="none" strike="noStrike" dirty="0" smtClean="0">
+                          <a:solidFill>
+                            <a:srgbClr val="000000"/>
+                          </a:solidFill>
+                          <a:effectLst/>
+                          <a:latin typeface="Calibri" panose="020F0502020204030204" pitchFamily="34" charset="0"/>
+                        </a:rPr>
+                        <a:t>Pediatrics</a:t>
+                      </a:r>
+                      <a:endParaRPr lang="en-US" sz="1100" b="0" i="0" u="none" strike="noStrike" dirty="0">
+                        <a:solidFill>
+                          <a:srgbClr val="000000"/>
+                        </a:solidFill>
+                        <a:effectLst/>
+                        <a:latin typeface="Calibri" panose="020F0502020204030204" pitchFamily="34" charset="0"/>
+                      </a:endParaRPr>
+                    </a:p>
+                  </a:txBody>
+                  <a:tcPr marL="7620" marR="7620" marT="7620" marB="0" anchor="b"/>
+                </a:tc>
+                <a:extLst>
+                  <a:ext uri="{0D108BD9-81ED-4DB2-BD59-A6C34878D82A}">
+                    <a16:rowId xmlns:a16="http://schemas.microsoft.com/office/drawing/2014/main" val="1810581365"/>
+                  </a:ext>
+                </a:extLst>
+              </a:tr>
+              <a:tr h="351158">
+                <a:tc>
+                  <a:txBody>
+                    <a:bodyPr/>
+                    <a:lstStyle/>
+                    <a:p>
+                      <a:pPr algn="l" fontAlgn="b"/>
+                      <a:r>
+                        <a:rPr lang="en-US" sz="1100" b="0" i="0" u="none" strike="noStrike" kern="1200" dirty="0" smtClean="0">
+                          <a:solidFill>
+                            <a:srgbClr val="000000"/>
+                          </a:solidFill>
+                          <a:effectLst/>
+                          <a:latin typeface="Calibri" panose="020F0502020204030204" pitchFamily="34" charset="0"/>
+                          <a:ea typeface="+mn-ea"/>
+                          <a:cs typeface="+mn-cs"/>
+                        </a:rPr>
+                        <a:t>Surgical Complications in Patients with Spinal Muscular Atrophy</a:t>
+                      </a:r>
+                      <a:endParaRPr lang="en-US" sz="1100" b="0" i="0" u="none" strike="noStrike" kern="1200" dirty="0">
+                        <a:solidFill>
+                          <a:srgbClr val="000000"/>
+                        </a:solidFill>
+                        <a:effectLst/>
+                        <a:latin typeface="Calibri" panose="020F0502020204030204" pitchFamily="34" charset="0"/>
+                        <a:ea typeface="+mn-ea"/>
+                        <a:cs typeface="+mn-cs"/>
+                      </a:endParaRPr>
+                    </a:p>
+                  </a:txBody>
+                  <a:tcPr marL="7620" marR="7620" marT="7620" marB="0" anchor="b"/>
+                </a:tc>
+                <a:tc>
+                  <a:txBody>
+                    <a:bodyPr/>
+                    <a:lstStyle/>
+                    <a:p>
+                      <a:pPr algn="l" fontAlgn="b"/>
+                      <a:r>
+                        <a:rPr lang="en-US" sz="1100" b="0" i="0" u="none" strike="noStrike" dirty="0" smtClean="0">
+                          <a:solidFill>
+                            <a:srgbClr val="000000"/>
+                          </a:solidFill>
+                          <a:effectLst/>
+                          <a:latin typeface="Calibri" panose="020F0502020204030204" pitchFamily="34" charset="0"/>
+                        </a:rPr>
+                        <a:t>Chong</a:t>
+                      </a:r>
+                      <a:endParaRPr lang="en-US" sz="1100" b="0" i="0" u="none" strike="noStrike" dirty="0">
+                        <a:solidFill>
+                          <a:srgbClr val="000000"/>
+                        </a:solidFill>
+                        <a:effectLst/>
+                        <a:latin typeface="Calibri" panose="020F0502020204030204" pitchFamily="34" charset="0"/>
+                      </a:endParaRPr>
+                    </a:p>
+                  </a:txBody>
+                  <a:tcPr marL="7620" marR="7620" marT="7620" marB="0" anchor="b"/>
+                </a:tc>
+                <a:tc>
+                  <a:txBody>
+                    <a:bodyPr/>
+                    <a:lstStyle/>
+                    <a:p>
+                      <a:pPr algn="l" fontAlgn="b"/>
+                      <a:r>
+                        <a:rPr lang="en-US" sz="1100" b="0" i="0" u="none" strike="noStrike" dirty="0" smtClean="0">
+                          <a:solidFill>
+                            <a:srgbClr val="000000"/>
+                          </a:solidFill>
+                          <a:effectLst/>
+                          <a:latin typeface="Calibri" panose="020F0502020204030204" pitchFamily="34" charset="0"/>
+                        </a:rPr>
+                        <a:t>Orthopedics</a:t>
+                      </a:r>
+                      <a:endParaRPr lang="en-US" sz="1100" b="0" i="0" u="none" strike="noStrike" dirty="0">
+                        <a:solidFill>
+                          <a:srgbClr val="000000"/>
+                        </a:solidFill>
+                        <a:effectLst/>
+                        <a:latin typeface="Calibri" panose="020F0502020204030204" pitchFamily="34" charset="0"/>
+                      </a:endParaRPr>
+                    </a:p>
+                  </a:txBody>
+                  <a:tcPr marL="7620" marR="7620" marT="7620" marB="0" anchor="b"/>
+                </a:tc>
+                <a:extLst>
+                  <a:ext uri="{0D108BD9-81ED-4DB2-BD59-A6C34878D82A}">
+                    <a16:rowId xmlns:a16="http://schemas.microsoft.com/office/drawing/2014/main" val="240284698"/>
+                  </a:ext>
+                </a:extLst>
+              </a:tr>
+              <a:tr h="237804">
+                <a:tc>
+                  <a:txBody>
+                    <a:bodyPr/>
+                    <a:lstStyle/>
+                    <a:p>
+                      <a:pPr algn="l" fontAlgn="b"/>
+                      <a:r>
+                        <a:rPr lang="en-US" sz="1100" b="0" i="0" u="none" strike="noStrike" dirty="0" smtClean="0">
+                          <a:solidFill>
+                            <a:srgbClr val="000000"/>
+                          </a:solidFill>
+                          <a:effectLst/>
+                          <a:latin typeface="Calibri" panose="020F0502020204030204" pitchFamily="34" charset="0"/>
+                        </a:rPr>
+                        <a:t>Tissue Eosinophil</a:t>
+                      </a:r>
+                      <a:r>
+                        <a:rPr lang="en-US" sz="1100" b="0" i="0" u="none" strike="noStrike" baseline="0" dirty="0" smtClean="0">
+                          <a:solidFill>
+                            <a:srgbClr val="000000"/>
+                          </a:solidFill>
+                          <a:effectLst/>
+                          <a:latin typeface="Calibri" panose="020F0502020204030204" pitchFamily="34" charset="0"/>
+                        </a:rPr>
+                        <a:t> Count in IBD Patients</a:t>
+                      </a:r>
+                      <a:endParaRPr lang="en-US" sz="1100" b="0" i="0" u="none" strike="noStrike" dirty="0">
+                        <a:solidFill>
+                          <a:srgbClr val="000000"/>
+                        </a:solidFill>
+                        <a:effectLst/>
+                        <a:latin typeface="Calibri" panose="020F0502020204030204" pitchFamily="34" charset="0"/>
+                      </a:endParaRPr>
+                    </a:p>
+                  </a:txBody>
+                  <a:tcPr marL="7620" marR="7620" marT="7620" marB="0" anchor="b"/>
+                </a:tc>
+                <a:tc>
+                  <a:txBody>
+                    <a:bodyPr/>
+                    <a:lstStyle/>
+                    <a:p>
+                      <a:pPr algn="l" fontAlgn="b"/>
+                      <a:r>
+                        <a:rPr lang="en-US" sz="1100" b="0" i="0" u="none" strike="noStrike" dirty="0" smtClean="0">
+                          <a:solidFill>
+                            <a:srgbClr val="000000"/>
+                          </a:solidFill>
+                          <a:effectLst/>
+                          <a:latin typeface="Calibri" panose="020F0502020204030204" pitchFamily="34" charset="0"/>
+                        </a:rPr>
+                        <a:t>J. Tung</a:t>
+                      </a:r>
+                      <a:endParaRPr lang="en-US" sz="1100" b="0" i="0" u="none" strike="noStrike" dirty="0">
+                        <a:solidFill>
+                          <a:srgbClr val="000000"/>
+                        </a:solidFill>
+                        <a:effectLst/>
+                        <a:latin typeface="Calibri" panose="020F0502020204030204" pitchFamily="34" charset="0"/>
+                      </a:endParaRPr>
+                    </a:p>
+                  </a:txBody>
+                  <a:tcPr marL="7620" marR="7620" marT="7620" marB="0" anchor="b"/>
+                </a:tc>
+                <a:tc>
+                  <a:txBody>
+                    <a:bodyPr/>
+                    <a:lstStyle/>
+                    <a:p>
+                      <a:pPr algn="l" fontAlgn="b"/>
+                      <a:r>
+                        <a:rPr lang="en-US" sz="1100" b="0" i="0" u="none" strike="noStrike" dirty="0" smtClean="0">
+                          <a:solidFill>
+                            <a:srgbClr val="000000"/>
+                          </a:solidFill>
+                          <a:effectLst/>
+                          <a:latin typeface="Calibri" panose="020F0502020204030204" pitchFamily="34" charset="0"/>
+                        </a:rPr>
+                        <a:t>Pediatrics</a:t>
+                      </a:r>
+                      <a:endParaRPr lang="en-US" sz="1100" b="0" i="0" u="none" strike="noStrike" dirty="0">
+                        <a:solidFill>
+                          <a:srgbClr val="000000"/>
+                        </a:solidFill>
+                        <a:effectLst/>
+                        <a:latin typeface="Calibri" panose="020F0502020204030204" pitchFamily="34" charset="0"/>
+                      </a:endParaRPr>
+                    </a:p>
+                  </a:txBody>
+                  <a:tcPr marL="7620" marR="7620" marT="7620" marB="0" anchor="b"/>
+                </a:tc>
+                <a:extLst>
+                  <a:ext uri="{0D108BD9-81ED-4DB2-BD59-A6C34878D82A}">
+                    <a16:rowId xmlns:a16="http://schemas.microsoft.com/office/drawing/2014/main" val="2906176452"/>
+                  </a:ext>
+                </a:extLst>
+              </a:tr>
+              <a:tr h="237804">
+                <a:tc>
+                  <a:txBody>
+                    <a:bodyPr/>
+                    <a:lstStyle/>
+                    <a:p>
+                      <a:pPr algn="l" fontAlgn="b"/>
+                      <a:r>
+                        <a:rPr lang="en-US" sz="1100" b="0" i="0" u="none" strike="noStrike" dirty="0" smtClean="0">
+                          <a:solidFill>
+                            <a:srgbClr val="000000"/>
+                          </a:solidFill>
+                          <a:effectLst/>
+                          <a:latin typeface="Calibri" panose="020F0502020204030204" pitchFamily="34" charset="0"/>
+                        </a:rPr>
+                        <a:t>Bone Health Study</a:t>
+                      </a:r>
+                      <a:endParaRPr lang="en-US" sz="1100" b="0" i="0" u="none" strike="noStrike" dirty="0">
+                        <a:solidFill>
+                          <a:srgbClr val="000000"/>
+                        </a:solidFill>
+                        <a:effectLst/>
+                        <a:latin typeface="Calibri" panose="020F0502020204030204" pitchFamily="34" charset="0"/>
+                      </a:endParaRPr>
+                    </a:p>
+                  </a:txBody>
+                  <a:tcPr marL="7620" marR="7620" marT="7620" marB="0" anchor="b"/>
+                </a:tc>
+                <a:tc>
+                  <a:txBody>
+                    <a:bodyPr/>
+                    <a:lstStyle/>
+                    <a:p>
+                      <a:pPr algn="l" fontAlgn="b"/>
+                      <a:r>
+                        <a:rPr lang="en-US" sz="1100" b="0" i="0" u="none" strike="noStrike" dirty="0" smtClean="0">
+                          <a:solidFill>
+                            <a:srgbClr val="000000"/>
+                          </a:solidFill>
+                          <a:effectLst/>
+                          <a:latin typeface="Calibri" panose="020F0502020204030204" pitchFamily="34" charset="0"/>
+                        </a:rPr>
+                        <a:t>S. Krishnan</a:t>
+                      </a:r>
+                      <a:endParaRPr lang="en-US" sz="1100" b="0" i="0" u="none" strike="noStrike" dirty="0">
+                        <a:solidFill>
+                          <a:srgbClr val="000000"/>
+                        </a:solidFill>
+                        <a:effectLst/>
+                        <a:latin typeface="Calibri" panose="020F0502020204030204" pitchFamily="34" charset="0"/>
+                      </a:endParaRPr>
+                    </a:p>
+                  </a:txBody>
+                  <a:tcPr marL="7620" marR="7620" marT="7620" marB="0" anchor="b"/>
+                </a:tc>
+                <a:tc>
+                  <a:txBody>
+                    <a:bodyPr/>
+                    <a:lstStyle/>
+                    <a:p>
+                      <a:pPr algn="l" fontAlgn="b"/>
+                      <a:r>
+                        <a:rPr lang="en-US" sz="1100" b="0" i="0" u="none" strike="noStrike" dirty="0" smtClean="0">
+                          <a:solidFill>
+                            <a:srgbClr val="000000"/>
+                          </a:solidFill>
+                          <a:effectLst/>
+                          <a:latin typeface="Calibri" panose="020F0502020204030204" pitchFamily="34" charset="0"/>
+                        </a:rPr>
+                        <a:t>Pediatrics</a:t>
+                      </a:r>
+                      <a:endParaRPr lang="en-US" sz="1100" b="0" i="0" u="none" strike="noStrike" dirty="0">
+                        <a:solidFill>
+                          <a:srgbClr val="000000"/>
+                        </a:solidFill>
+                        <a:effectLst/>
+                        <a:latin typeface="Calibri" panose="020F0502020204030204" pitchFamily="34" charset="0"/>
+                      </a:endParaRPr>
+                    </a:p>
+                  </a:txBody>
+                  <a:tcPr marL="7620" marR="7620" marT="7620" marB="0" anchor="b"/>
+                </a:tc>
+                <a:extLst>
+                  <a:ext uri="{0D108BD9-81ED-4DB2-BD59-A6C34878D82A}">
+                    <a16:rowId xmlns:a16="http://schemas.microsoft.com/office/drawing/2014/main" val="3562986470"/>
+                  </a:ext>
+                </a:extLst>
+              </a:tr>
+              <a:tr h="237804">
+                <a:tc>
+                  <a:txBody>
+                    <a:bodyPr/>
+                    <a:lstStyle/>
+                    <a:p>
+                      <a:pPr algn="l" fontAlgn="b"/>
+                      <a:r>
+                        <a:rPr lang="en-US" sz="1100" b="0" i="0" u="none" strike="noStrike" dirty="0" smtClean="0">
+                          <a:solidFill>
+                            <a:srgbClr val="000000"/>
+                          </a:solidFill>
+                          <a:effectLst/>
+                          <a:latin typeface="Calibri" panose="020F0502020204030204" pitchFamily="34" charset="0"/>
+                        </a:rPr>
+                        <a:t>Association between Urinary Parameters and Urological Issues</a:t>
+                      </a:r>
+                      <a:endParaRPr lang="en-US" sz="1100" b="0" i="0" u="none" strike="noStrike" dirty="0">
+                        <a:solidFill>
+                          <a:srgbClr val="000000"/>
+                        </a:solidFill>
+                        <a:effectLst/>
+                        <a:latin typeface="Calibri" panose="020F0502020204030204" pitchFamily="34" charset="0"/>
+                      </a:endParaRPr>
+                    </a:p>
+                  </a:txBody>
+                  <a:tcPr marL="7620" marR="7620" marT="7620" marB="0" anchor="b"/>
+                </a:tc>
+                <a:tc>
+                  <a:txBody>
+                    <a:bodyPr/>
+                    <a:lstStyle/>
+                    <a:p>
+                      <a:pPr marL="0" indent="0" algn="l" fontAlgn="b">
+                        <a:buAutoNum type="alphaUcPeriod"/>
+                      </a:pPr>
+                      <a:r>
+                        <a:rPr lang="en-US" sz="1100" b="0" i="0" u="none" strike="noStrike" baseline="0" dirty="0" smtClean="0">
+                          <a:solidFill>
+                            <a:srgbClr val="000000"/>
+                          </a:solidFill>
+                          <a:effectLst/>
+                          <a:latin typeface="Calibri" panose="020F0502020204030204" pitchFamily="34" charset="0"/>
+                        </a:rPr>
+                        <a:t> </a:t>
+                      </a:r>
+                      <a:r>
+                        <a:rPr lang="en-US" sz="1100" b="0" i="0" u="none" strike="noStrike" dirty="0" smtClean="0">
+                          <a:solidFill>
+                            <a:srgbClr val="000000"/>
+                          </a:solidFill>
+                          <a:effectLst/>
+                          <a:latin typeface="Calibri" panose="020F0502020204030204" pitchFamily="34" charset="0"/>
+                        </a:rPr>
+                        <a:t>Pal</a:t>
+                      </a:r>
+                      <a:endParaRPr lang="en-US" sz="1100" b="0" i="0" u="none" strike="noStrike" dirty="0">
+                        <a:solidFill>
+                          <a:srgbClr val="000000"/>
+                        </a:solidFill>
+                        <a:effectLst/>
+                        <a:latin typeface="Calibri" panose="020F0502020204030204" pitchFamily="34" charset="0"/>
+                      </a:endParaRPr>
+                    </a:p>
+                  </a:txBody>
+                  <a:tcPr marL="7620" marR="7620" marT="7620" marB="0" anchor="b"/>
+                </a:tc>
+                <a:tc>
+                  <a:txBody>
+                    <a:bodyPr/>
+                    <a:lstStyle/>
+                    <a:p>
+                      <a:pPr algn="l" fontAlgn="b"/>
+                      <a:r>
+                        <a:rPr lang="en-US" sz="1100" b="0" i="0" u="none" strike="noStrike" dirty="0" smtClean="0">
+                          <a:solidFill>
+                            <a:srgbClr val="000000"/>
+                          </a:solidFill>
+                          <a:effectLst/>
+                          <a:latin typeface="Calibri" panose="020F0502020204030204" pitchFamily="34" charset="0"/>
+                        </a:rPr>
+                        <a:t>Pediatrics</a:t>
+                      </a:r>
+                      <a:endParaRPr lang="en-US" sz="1100" b="0" i="0" u="none" strike="noStrike" dirty="0">
+                        <a:solidFill>
+                          <a:srgbClr val="000000"/>
+                        </a:solidFill>
+                        <a:effectLst/>
+                        <a:latin typeface="Calibri" panose="020F0502020204030204" pitchFamily="34" charset="0"/>
+                      </a:endParaRPr>
+                    </a:p>
+                  </a:txBody>
+                  <a:tcPr marL="7620" marR="7620" marT="7620" marB="0" anchor="b"/>
+                </a:tc>
+                <a:extLst>
+                  <a:ext uri="{0D108BD9-81ED-4DB2-BD59-A6C34878D82A}">
+                    <a16:rowId xmlns:a16="http://schemas.microsoft.com/office/drawing/2014/main" val="1671168545"/>
+                  </a:ext>
+                </a:extLst>
+              </a:tr>
+              <a:tr h="351158">
+                <a:tc>
+                  <a:txBody>
+                    <a:bodyPr/>
+                    <a:lstStyle/>
+                    <a:p>
+                      <a:pPr algn="l" fontAlgn="b"/>
+                      <a:r>
+                        <a:rPr lang="en-US" sz="1100" b="0" i="0" u="none" strike="noStrike" dirty="0" smtClean="0">
+                          <a:solidFill>
+                            <a:srgbClr val="000000"/>
+                          </a:solidFill>
+                          <a:effectLst/>
+                          <a:latin typeface="Calibri" panose="020F0502020204030204" pitchFamily="34" charset="0"/>
+                        </a:rPr>
+                        <a:t>Synthetic Cartilage Implant vs </a:t>
+                      </a:r>
+                      <a:r>
+                        <a:rPr lang="en-US" sz="1100" b="0" i="0" u="none" strike="noStrike" dirty="0" err="1" smtClean="0">
+                          <a:solidFill>
+                            <a:srgbClr val="000000"/>
+                          </a:solidFill>
+                          <a:effectLst/>
+                          <a:latin typeface="Calibri" panose="020F0502020204030204" pitchFamily="34" charset="0"/>
+                        </a:rPr>
+                        <a:t>Osteochondral</a:t>
+                      </a:r>
+                      <a:r>
+                        <a:rPr lang="en-US" sz="1100" b="0" i="0" u="none" strike="noStrike" dirty="0" smtClean="0">
+                          <a:solidFill>
+                            <a:srgbClr val="000000"/>
+                          </a:solidFill>
+                          <a:effectLst/>
+                          <a:latin typeface="Calibri" panose="020F0502020204030204" pitchFamily="34" charset="0"/>
+                        </a:rPr>
+                        <a:t> Autologous</a:t>
+                      </a:r>
+                      <a:r>
+                        <a:rPr lang="en-US" sz="1100" b="0" i="0" u="none" strike="noStrike" baseline="0" dirty="0" smtClean="0">
+                          <a:solidFill>
+                            <a:srgbClr val="000000"/>
+                          </a:solidFill>
+                          <a:effectLst/>
+                          <a:latin typeface="Calibri" panose="020F0502020204030204" pitchFamily="34" charset="0"/>
+                        </a:rPr>
+                        <a:t> Transfer for Advanced Hallux </a:t>
+                      </a:r>
+                      <a:r>
+                        <a:rPr lang="en-US" sz="1100" b="0" i="0" u="none" strike="noStrike" baseline="0" dirty="0" err="1" smtClean="0">
+                          <a:solidFill>
+                            <a:srgbClr val="000000"/>
+                          </a:solidFill>
+                          <a:effectLst/>
+                          <a:latin typeface="Calibri" panose="020F0502020204030204" pitchFamily="34" charset="0"/>
+                        </a:rPr>
+                        <a:t>Rigidus</a:t>
+                      </a:r>
+                      <a:endParaRPr lang="en-US" sz="1100" b="0" i="0" u="none" strike="noStrike" dirty="0">
+                        <a:solidFill>
+                          <a:srgbClr val="000000"/>
+                        </a:solidFill>
+                        <a:effectLst/>
+                        <a:latin typeface="Calibri" panose="020F0502020204030204" pitchFamily="34" charset="0"/>
+                      </a:endParaRPr>
+                    </a:p>
+                  </a:txBody>
+                  <a:tcPr marL="7620" marR="7620" marT="7620" marB="0" anchor="b"/>
+                </a:tc>
+                <a:tc>
+                  <a:txBody>
+                    <a:bodyPr/>
+                    <a:lstStyle/>
+                    <a:p>
+                      <a:pPr marL="0" indent="0" algn="l" fontAlgn="b">
+                        <a:buAutoNum type="alphaUcPeriod"/>
+                      </a:pPr>
+                      <a:r>
+                        <a:rPr lang="en-US" sz="1100" b="0" i="0" u="none" strike="noStrike" dirty="0" smtClean="0">
+                          <a:solidFill>
+                            <a:srgbClr val="000000"/>
+                          </a:solidFill>
+                          <a:effectLst/>
+                          <a:latin typeface="Calibri" panose="020F0502020204030204" pitchFamily="34" charset="0"/>
+                        </a:rPr>
+                        <a:t>Haleem</a:t>
+                      </a:r>
+                      <a:endParaRPr lang="en-US" sz="1100" b="0" i="0" u="none" strike="noStrike" dirty="0">
+                        <a:solidFill>
+                          <a:srgbClr val="000000"/>
+                        </a:solidFill>
+                        <a:effectLst/>
+                        <a:latin typeface="Calibri" panose="020F0502020204030204" pitchFamily="34" charset="0"/>
+                      </a:endParaRPr>
+                    </a:p>
+                  </a:txBody>
+                  <a:tcPr marL="7620" marR="7620" marT="7620" marB="0" anchor="b"/>
+                </a:tc>
+                <a:tc>
+                  <a:txBody>
+                    <a:bodyPr/>
+                    <a:lstStyle/>
+                    <a:p>
+                      <a:pPr algn="l" fontAlgn="b"/>
+                      <a:r>
+                        <a:rPr lang="en-US" sz="1100" b="0" i="0" u="none" strike="noStrike" dirty="0" smtClean="0">
+                          <a:solidFill>
+                            <a:srgbClr val="000000"/>
+                          </a:solidFill>
+                          <a:effectLst/>
+                          <a:latin typeface="Calibri" panose="020F0502020204030204" pitchFamily="34" charset="0"/>
+                        </a:rPr>
+                        <a:t>Orthopedics</a:t>
+                      </a:r>
+                      <a:endParaRPr lang="en-US" sz="1100" b="0" i="0" u="none" strike="noStrike" dirty="0">
+                        <a:solidFill>
+                          <a:srgbClr val="000000"/>
+                        </a:solidFill>
+                        <a:effectLst/>
+                        <a:latin typeface="Calibri" panose="020F0502020204030204" pitchFamily="34" charset="0"/>
+                      </a:endParaRPr>
+                    </a:p>
+                  </a:txBody>
+                  <a:tcPr marL="7620" marR="7620" marT="7620" marB="0" anchor="b"/>
+                </a:tc>
+                <a:extLst>
+                  <a:ext uri="{0D108BD9-81ED-4DB2-BD59-A6C34878D82A}">
+                    <a16:rowId xmlns:a16="http://schemas.microsoft.com/office/drawing/2014/main" val="2432487341"/>
+                  </a:ext>
+                </a:extLst>
+              </a:tr>
+              <a:tr h="351158">
+                <a:tc>
+                  <a:txBody>
+                    <a:bodyPr/>
+                    <a:lstStyle/>
+                    <a:p>
+                      <a:pPr algn="l" fontAlgn="b"/>
+                      <a:r>
+                        <a:rPr lang="en-US" sz="1100" b="0" i="0" u="none" strike="noStrike" kern="1200" dirty="0" smtClean="0">
+                          <a:solidFill>
+                            <a:srgbClr val="000000"/>
+                          </a:solidFill>
+                          <a:effectLst/>
+                          <a:latin typeface="Calibri" panose="020F0502020204030204" pitchFamily="34" charset="0"/>
+                          <a:ea typeface="+mn-ea"/>
+                          <a:cs typeface="+mn-cs"/>
+                        </a:rPr>
+                        <a:t>Outcomes of External Fixation with the </a:t>
+                      </a:r>
+                      <a:r>
+                        <a:rPr lang="en-US" sz="1100" b="0" i="0" u="none" strike="noStrike" kern="1200" dirty="0" err="1" smtClean="0">
+                          <a:solidFill>
+                            <a:srgbClr val="000000"/>
+                          </a:solidFill>
+                          <a:effectLst/>
+                          <a:latin typeface="Calibri" panose="020F0502020204030204" pitchFamily="34" charset="0"/>
+                          <a:ea typeface="+mn-ea"/>
+                          <a:cs typeface="+mn-cs"/>
+                        </a:rPr>
+                        <a:t>Ilizarov</a:t>
+                      </a:r>
+                      <a:r>
+                        <a:rPr lang="en-US" sz="1100" b="0" i="0" u="none" strike="noStrike" kern="1200" dirty="0" smtClean="0">
+                          <a:solidFill>
+                            <a:srgbClr val="000000"/>
+                          </a:solidFill>
+                          <a:effectLst/>
+                          <a:latin typeface="Calibri" panose="020F0502020204030204" pitchFamily="34" charset="0"/>
+                          <a:ea typeface="+mn-ea"/>
+                          <a:cs typeface="+mn-cs"/>
+                        </a:rPr>
+                        <a:t> Frame in Complex Ankle and </a:t>
+                      </a:r>
+                      <a:r>
+                        <a:rPr lang="en-US" sz="1100" b="0" i="0" u="none" strike="noStrike" kern="1200" dirty="0" err="1" smtClean="0">
+                          <a:solidFill>
+                            <a:srgbClr val="000000"/>
+                          </a:solidFill>
+                          <a:effectLst/>
+                          <a:latin typeface="Calibri" panose="020F0502020204030204" pitchFamily="34" charset="0"/>
+                          <a:ea typeface="+mn-ea"/>
+                          <a:cs typeface="+mn-cs"/>
+                        </a:rPr>
+                        <a:t>Hindfoot</a:t>
+                      </a:r>
+                      <a:r>
+                        <a:rPr lang="en-US" sz="1100" b="0" i="0" u="none" strike="noStrike" kern="1200" dirty="0" smtClean="0">
+                          <a:solidFill>
+                            <a:srgbClr val="000000"/>
+                          </a:solidFill>
+                          <a:effectLst/>
+                          <a:latin typeface="Calibri" panose="020F0502020204030204" pitchFamily="34" charset="0"/>
+                          <a:ea typeface="+mn-ea"/>
+                          <a:cs typeface="+mn-cs"/>
+                        </a:rPr>
+                        <a:t> Fusions</a:t>
+                      </a:r>
+                      <a:endParaRPr lang="en-US" sz="1100" b="0" i="0" u="none" strike="noStrike" kern="1200" dirty="0">
+                        <a:solidFill>
+                          <a:srgbClr val="000000"/>
+                        </a:solidFill>
+                        <a:effectLst/>
+                        <a:latin typeface="Calibri" panose="020F0502020204030204" pitchFamily="34" charset="0"/>
+                        <a:ea typeface="+mn-ea"/>
+                        <a:cs typeface="+mn-cs"/>
+                      </a:endParaRPr>
+                    </a:p>
+                  </a:txBody>
+                  <a:tcPr marL="7620" marR="7620" marT="7620" marB="0" anchor="b"/>
+                </a:tc>
+                <a:tc>
+                  <a:txBody>
+                    <a:bodyPr/>
+                    <a:lstStyle/>
+                    <a:p>
+                      <a:pPr algn="l" fontAlgn="b">
+                        <a:buAutoNum type="alphaUcPeriod"/>
+                      </a:pPr>
+                      <a:r>
+                        <a:rPr lang="en-US" sz="1100" b="0" i="0" u="none" strike="noStrike" dirty="0" smtClean="0">
+                          <a:solidFill>
+                            <a:srgbClr val="000000"/>
+                          </a:solidFill>
+                          <a:effectLst/>
+                          <a:latin typeface="Calibri" panose="020F0502020204030204" pitchFamily="34" charset="0"/>
+                        </a:rPr>
+                        <a:t> Haleem</a:t>
+                      </a:r>
+                      <a:endParaRPr lang="en-US" sz="1100" b="0" i="0" u="none" strike="noStrike" dirty="0">
+                        <a:solidFill>
+                          <a:srgbClr val="000000"/>
+                        </a:solidFill>
+                        <a:effectLst/>
+                        <a:latin typeface="Calibri" panose="020F0502020204030204" pitchFamily="34" charset="0"/>
+                      </a:endParaRPr>
+                    </a:p>
+                  </a:txBody>
+                  <a:tcPr marL="7620" marR="7620" marT="7620" marB="0" anchor="b"/>
+                </a:tc>
+                <a:tc>
+                  <a:txBody>
+                    <a:bodyPr/>
+                    <a:lstStyle/>
+                    <a:p>
+                      <a:pPr algn="l" fontAlgn="b"/>
+                      <a:r>
+                        <a:rPr lang="en-US" sz="1100" b="0" i="0" u="none" strike="noStrike" dirty="0" smtClean="0">
+                          <a:solidFill>
+                            <a:srgbClr val="000000"/>
+                          </a:solidFill>
+                          <a:effectLst/>
+                          <a:latin typeface="Calibri" panose="020F0502020204030204" pitchFamily="34" charset="0"/>
+                        </a:rPr>
+                        <a:t>Orthopedics</a:t>
+                      </a:r>
+                      <a:endParaRPr lang="en-US" sz="1100" b="0" i="0" u="none" strike="noStrike" dirty="0">
+                        <a:solidFill>
+                          <a:srgbClr val="000000"/>
+                        </a:solidFill>
+                        <a:effectLst/>
+                        <a:latin typeface="Calibri" panose="020F0502020204030204" pitchFamily="34" charset="0"/>
+                      </a:endParaRPr>
+                    </a:p>
+                  </a:txBody>
+                  <a:tcPr marL="7620" marR="7620" marT="7620" marB="0" anchor="b"/>
+                </a:tc>
+                <a:extLst>
+                  <a:ext uri="{0D108BD9-81ED-4DB2-BD59-A6C34878D82A}">
+                    <a16:rowId xmlns:a16="http://schemas.microsoft.com/office/drawing/2014/main" val="823347675"/>
+                  </a:ext>
+                </a:extLst>
+              </a:tr>
+              <a:tr h="612576">
+                <a:tc>
+                  <a:txBody>
+                    <a:bodyPr/>
+                    <a:lstStyle/>
+                    <a:p>
+                      <a:r>
+                        <a:rPr lang="en-US" sz="1100" b="0" i="0" u="none" strike="noStrike" kern="1200" dirty="0" smtClean="0">
+                          <a:solidFill>
+                            <a:srgbClr val="000000"/>
+                          </a:solidFill>
+                          <a:effectLst/>
+                          <a:latin typeface="Calibri" panose="020F0502020204030204" pitchFamily="34" charset="0"/>
+                          <a:ea typeface="+mn-ea"/>
+                          <a:cs typeface="+mn-cs"/>
+                        </a:rPr>
+                        <a:t>Effect </a:t>
+                      </a:r>
+                      <a:r>
+                        <a:rPr lang="en-US" sz="1100" b="0" i="0" u="none" strike="noStrike" kern="1200" dirty="0">
+                          <a:solidFill>
+                            <a:srgbClr val="000000"/>
+                          </a:solidFill>
+                          <a:effectLst/>
+                          <a:latin typeface="Calibri" panose="020F0502020204030204" pitchFamily="34" charset="0"/>
+                          <a:ea typeface="+mn-ea"/>
+                          <a:cs typeface="+mn-cs"/>
+                        </a:rPr>
+                        <a:t>of Surgical Treatment of Vesicoureteral Reflux on Stone Passage Rates</a:t>
+                      </a:r>
+                    </a:p>
+                  </a:txBody>
+                  <a:tcPr marL="47625" marR="47625" marT="47625" marB="47625" anchor="ctr"/>
+                </a:tc>
+                <a:tc>
+                  <a:txBody>
+                    <a:bodyPr/>
+                    <a:lstStyle/>
+                    <a:p>
+                      <a:pPr algn="l" fontAlgn="b">
+                        <a:buAutoNum type="alphaUcPeriod"/>
+                      </a:pPr>
+                      <a:r>
+                        <a:rPr lang="en-US" sz="1100" b="0" i="0" u="none" strike="noStrike" baseline="0" dirty="0" smtClean="0">
+                          <a:solidFill>
+                            <a:srgbClr val="000000"/>
+                          </a:solidFill>
+                          <a:effectLst/>
+                          <a:latin typeface="Calibri" panose="020F0502020204030204" pitchFamily="34" charset="0"/>
+                        </a:rPr>
+                        <a:t> </a:t>
+                      </a:r>
+                      <a:r>
+                        <a:rPr lang="en-US" sz="1100" b="0" i="0" u="none" strike="noStrike" dirty="0" smtClean="0">
+                          <a:solidFill>
+                            <a:srgbClr val="000000"/>
+                          </a:solidFill>
+                          <a:effectLst/>
+                          <a:latin typeface="Calibri" panose="020F0502020204030204" pitchFamily="34" charset="0"/>
+                        </a:rPr>
+                        <a:t>Rensing</a:t>
+                      </a:r>
+                      <a:endParaRPr lang="en-US" sz="1100" b="0" i="0" u="none" strike="noStrike" dirty="0">
+                        <a:solidFill>
+                          <a:srgbClr val="000000"/>
+                        </a:solidFill>
+                        <a:effectLst/>
+                        <a:latin typeface="Calibri" panose="020F0502020204030204" pitchFamily="34" charset="0"/>
+                      </a:endParaRPr>
+                    </a:p>
+                  </a:txBody>
+                  <a:tcPr marL="7620" marR="7620" marT="7620" marB="0" anchor="b"/>
+                </a:tc>
+                <a:tc>
+                  <a:txBody>
+                    <a:bodyPr/>
+                    <a:lstStyle/>
+                    <a:p>
+                      <a:pPr algn="l" fontAlgn="b"/>
+                      <a:r>
+                        <a:rPr lang="en-US" sz="1100" b="0" i="0" u="none" strike="noStrike" dirty="0" smtClean="0">
+                          <a:solidFill>
+                            <a:srgbClr val="000000"/>
+                          </a:solidFill>
+                          <a:effectLst/>
+                          <a:latin typeface="Calibri" panose="020F0502020204030204" pitchFamily="34" charset="0"/>
+                        </a:rPr>
+                        <a:t>Urology</a:t>
+                      </a:r>
+                      <a:endParaRPr lang="en-US" sz="1100" b="0" i="0" u="none" strike="noStrike" dirty="0">
+                        <a:solidFill>
+                          <a:srgbClr val="000000"/>
+                        </a:solidFill>
+                        <a:effectLst/>
+                        <a:latin typeface="Calibri" panose="020F0502020204030204" pitchFamily="34" charset="0"/>
+                      </a:endParaRPr>
+                    </a:p>
+                  </a:txBody>
+                  <a:tcPr marL="7620" marR="7620" marT="7620" marB="0" anchor="b"/>
+                </a:tc>
+                <a:extLst>
+                  <a:ext uri="{0D108BD9-81ED-4DB2-BD59-A6C34878D82A}">
+                    <a16:rowId xmlns:a16="http://schemas.microsoft.com/office/drawing/2014/main" val="3888237083"/>
+                  </a:ext>
+                </a:extLst>
+              </a:tr>
+              <a:tr h="237804">
+                <a:tc>
+                  <a:txBody>
+                    <a:bodyPr/>
+                    <a:lstStyle/>
+                    <a:p>
+                      <a:pPr algn="l" fontAlgn="b"/>
+                      <a:r>
+                        <a:rPr lang="en-US" sz="1100" b="0" i="0" u="none" strike="noStrike" dirty="0" smtClean="0">
+                          <a:solidFill>
+                            <a:srgbClr val="000000"/>
+                          </a:solidFill>
+                          <a:effectLst/>
+                          <a:latin typeface="Calibri" panose="020F0502020204030204" pitchFamily="34" charset="0"/>
+                        </a:rPr>
+                        <a:t>Tobacco and Marijuana Exposure</a:t>
+                      </a:r>
+                      <a:r>
+                        <a:rPr lang="en-US" sz="1100" b="0" i="0" u="none" strike="noStrike" baseline="0" dirty="0" smtClean="0">
+                          <a:solidFill>
+                            <a:srgbClr val="000000"/>
+                          </a:solidFill>
+                          <a:effectLst/>
+                          <a:latin typeface="Calibri" panose="020F0502020204030204" pitchFamily="34" charset="0"/>
+                        </a:rPr>
+                        <a:t> Among Youth</a:t>
+                      </a:r>
+                      <a:endParaRPr lang="en-US" sz="1100" b="0" i="0" u="none" strike="noStrike" dirty="0">
+                        <a:solidFill>
+                          <a:srgbClr val="000000"/>
+                        </a:solidFill>
+                        <a:effectLst/>
+                        <a:latin typeface="Calibri" panose="020F0502020204030204" pitchFamily="34" charset="0"/>
+                      </a:endParaRPr>
+                    </a:p>
+                  </a:txBody>
+                  <a:tcPr marL="7620" marR="7620" marT="7620" marB="0" anchor="b"/>
+                </a:tc>
+                <a:tc>
+                  <a:txBody>
+                    <a:bodyPr/>
+                    <a:lstStyle/>
+                    <a:p>
+                      <a:pPr algn="l" fontAlgn="b"/>
+                      <a:r>
+                        <a:rPr lang="en-US" sz="1100" b="0" i="0" u="none" strike="noStrike" dirty="0" smtClean="0">
+                          <a:solidFill>
+                            <a:srgbClr val="000000"/>
+                          </a:solidFill>
+                          <a:effectLst/>
+                          <a:latin typeface="Calibri" panose="020F0502020204030204" pitchFamily="34" charset="0"/>
+                        </a:rPr>
+                        <a:t>M. Naifeh</a:t>
+                      </a:r>
+                      <a:endParaRPr lang="en-US" sz="1100" b="0" i="0" u="none" strike="noStrike" dirty="0">
+                        <a:solidFill>
+                          <a:srgbClr val="000000"/>
+                        </a:solidFill>
+                        <a:effectLst/>
+                        <a:latin typeface="Calibri" panose="020F0502020204030204" pitchFamily="34" charset="0"/>
+                      </a:endParaRPr>
+                    </a:p>
+                  </a:txBody>
+                  <a:tcPr marL="7620" marR="7620" marT="7620" marB="0" anchor="b"/>
+                </a:tc>
+                <a:tc>
+                  <a:txBody>
+                    <a:bodyPr/>
+                    <a:lstStyle/>
+                    <a:p>
+                      <a:pPr algn="l" fontAlgn="b"/>
+                      <a:r>
+                        <a:rPr lang="en-US" sz="1100" b="0" i="0" u="none" strike="noStrike" dirty="0" smtClean="0">
+                          <a:solidFill>
+                            <a:srgbClr val="000000"/>
+                          </a:solidFill>
+                          <a:effectLst/>
+                          <a:latin typeface="Calibri" panose="020F0502020204030204" pitchFamily="34" charset="0"/>
+                        </a:rPr>
+                        <a:t>Pediatrics</a:t>
+                      </a:r>
+                      <a:endParaRPr lang="en-US" sz="1100" b="0" i="0" u="none" strike="noStrike" dirty="0">
+                        <a:solidFill>
+                          <a:srgbClr val="000000"/>
+                        </a:solidFill>
+                        <a:effectLst/>
+                        <a:latin typeface="Calibri" panose="020F0502020204030204" pitchFamily="34" charset="0"/>
+                      </a:endParaRPr>
+                    </a:p>
+                  </a:txBody>
+                  <a:tcPr marL="7620" marR="7620" marT="7620" marB="0" anchor="b"/>
+                </a:tc>
+                <a:extLst>
+                  <a:ext uri="{0D108BD9-81ED-4DB2-BD59-A6C34878D82A}">
+                    <a16:rowId xmlns:a16="http://schemas.microsoft.com/office/drawing/2014/main" val="1186328292"/>
+                  </a:ext>
+                </a:extLst>
+              </a:tr>
+            </a:tbl>
+          </a:graphicData>
+        </a:graphic>
+      </p:graphicFrame>
+    </p:spTree>
+    <p:extLst>
+      <p:ext uri="{BB962C8B-B14F-4D97-AF65-F5344CB8AC3E}">
+        <p14:creationId xmlns:p14="http://schemas.microsoft.com/office/powerpoint/2010/main" val="3281114731"/>
+      </p:ext>
+    </p:extLst>
+  </p:cSld>
+  <p:clrMapOvr>
+    <a:masterClrMapping/>
+  </p:clrMapOvr>
+</p:sld>
+</file>
+
+<file path=ppt/slides/slide3.xml><?xml version="1.0" encoding="utf-8"?>
+<p:sld xmlns:a="http://schemas.openxmlformats.org/drawingml/2006/main" xmlns:r="http://schemas.openxmlformats.org/officeDocument/2006/relationships" xmlns:p="http://schemas.openxmlformats.org/presentationml/2006/main">
+  <p:cSld>
+    <p:spTree>
+      <p:nvGrpSpPr>
+        <p:cNvPr id="1" name=""/>
+        <p:cNvGrpSpPr/>
+        <p:nvPr/>
+      </p:nvGrpSpPr>
+      <p:grpSpPr>
+        <a:xfrm>
+          <a:off x="0" y="0"/>
+          <a:ext cx="0" cy="0"/>
+          <a:chOff x="0" y="0"/>
+          <a:chExt cx="0" cy="0"/>
+        </a:xfrm>
+      </p:grpSpPr>
+      <p:sp>
+        <p:nvSpPr>
+          <p:cNvPr id="2" name="Title 1"/>
+          <p:cNvSpPr>
+            <a:spLocks noGrp="1"/>
+          </p:cNvSpPr>
+          <p:nvPr>
+            <p:ph type="title" idx="4294967295"/>
+          </p:nvPr>
+        </p:nvSpPr>
+        <p:spPr>
+          <a:xfrm>
+            <a:off x="699247" y="141007"/>
+            <a:ext cx="10515600" cy="804863"/>
+          </a:xfrm>
+        </p:spPr>
+        <p:txBody>
+          <a:bodyPr>
+            <a:normAutofit fontScale="90000"/>
+          </a:bodyPr>
+          <a:lstStyle/>
+          <a:p>
+            <a:pPr algn="ctr"/>
+            <a:r>
+              <a:rPr lang="en-US" sz="3200" b="1" i="1" dirty="0">
+                <a:solidFill>
+                  <a:srgbClr val="0070C0"/>
+                </a:solidFill>
+              </a:rPr>
+              <a:t>Clinical Trials &amp; Other Research Studies Supported by the </a:t>
+            </a:r>
+            <a:r>
+              <a:rPr lang="en-US" sz="3200" b="1" i="1" dirty="0" smtClean="0">
+                <a:solidFill>
+                  <a:srgbClr val="0070C0"/>
+                </a:solidFill>
+              </a:rPr>
+              <a:t>CDW</a:t>
+            </a:r>
+            <a:br>
+              <a:rPr lang="en-US" sz="3200" b="1" i="1" dirty="0" smtClean="0">
+                <a:solidFill>
+                  <a:srgbClr val="0070C0"/>
+                </a:solidFill>
+              </a:rPr>
+            </a:br>
+            <a:r>
+              <a:rPr lang="en-US" sz="3200" dirty="0">
+                <a:solidFill>
+                  <a:schemeClr val="bg1">
+                    <a:lumMod val="50000"/>
+                  </a:schemeClr>
+                </a:solidFill>
+              </a:rPr>
+              <a:t>s</a:t>
+            </a:r>
+            <a:r>
+              <a:rPr lang="en-US" sz="3200" dirty="0" smtClean="0">
+                <a:solidFill>
+                  <a:schemeClr val="bg1">
+                    <a:lumMod val="50000"/>
+                  </a:schemeClr>
+                </a:solidFill>
+              </a:rPr>
+              <a:t>ince 2017; page </a:t>
+            </a:r>
+            <a:r>
+              <a:rPr lang="en-US" sz="3200" dirty="0" smtClean="0">
+                <a:solidFill>
+                  <a:schemeClr val="bg1">
+                    <a:lumMod val="50000"/>
+                  </a:schemeClr>
+                </a:solidFill>
+              </a:rPr>
+              <a:t>3</a:t>
+            </a:r>
+            <a:endParaRPr lang="en-US" sz="3200" dirty="0">
+              <a:solidFill>
+                <a:schemeClr val="bg1">
+                  <a:lumMod val="50000"/>
+                </a:schemeClr>
+              </a:solidFill>
+            </a:endParaRPr>
+          </a:p>
+        </p:txBody>
+      </p:sp>
+      <p:graphicFrame>
+        <p:nvGraphicFramePr>
+          <p:cNvPr id="4" name="Table 3"/>
+          <p:cNvGraphicFramePr>
+            <a:graphicFrameLocks noGrp="1"/>
+          </p:cNvGraphicFramePr>
+          <p:nvPr>
+            <p:extLst>
+              <p:ext uri="{D42A27DB-BD31-4B8C-83A1-F6EECF244321}">
+                <p14:modId xmlns:p14="http://schemas.microsoft.com/office/powerpoint/2010/main" val="3216447522"/>
+              </p:ext>
+            </p:extLst>
+          </p:nvPr>
+        </p:nvGraphicFramePr>
+        <p:xfrm>
+          <a:off x="462810" y="1345919"/>
+          <a:ext cx="5373220" cy="4752316"/>
+        </p:xfrm>
+        <a:graphic>
+          <a:graphicData uri="http://schemas.openxmlformats.org/drawingml/2006/table">
+            <a:tbl>
+              <a:tblPr>
+                <a:tableStyleId>{5C22544A-7EE6-4342-B048-85BDC9FD1C3A}</a:tableStyleId>
+              </a:tblPr>
+              <a:tblGrid>
+                <a:gridCol w="3333583">
+                  <a:extLst>
+                    <a:ext uri="{9D8B030D-6E8A-4147-A177-3AD203B41FA5}">
+                      <a16:colId xmlns:a16="http://schemas.microsoft.com/office/drawing/2014/main" val="1356431335"/>
+                    </a:ext>
+                  </a:extLst>
+                </a:gridCol>
+                <a:gridCol w="869736">
+                  <a:extLst>
+                    <a:ext uri="{9D8B030D-6E8A-4147-A177-3AD203B41FA5}">
+                      <a16:colId xmlns:a16="http://schemas.microsoft.com/office/drawing/2014/main" val="4074852346"/>
+                    </a:ext>
+                  </a:extLst>
+                </a:gridCol>
+                <a:gridCol w="1169901">
+                  <a:extLst>
+                    <a:ext uri="{9D8B030D-6E8A-4147-A177-3AD203B41FA5}">
+                      <a16:colId xmlns:a16="http://schemas.microsoft.com/office/drawing/2014/main" val="715510892"/>
+                    </a:ext>
+                  </a:extLst>
+                </a:gridCol>
+              </a:tblGrid>
+              <a:tr h="239252">
+                <a:tc>
+                  <a:txBody>
+                    <a:bodyPr/>
+                    <a:lstStyle/>
+                    <a:p>
+                      <a:pPr algn="l" fontAlgn="b"/>
+                      <a:r>
+                        <a:rPr lang="en-US" sz="1100" b="1" u="none" strike="noStrike" dirty="0">
+                          <a:effectLst/>
+                        </a:rPr>
+                        <a:t>Short Name</a:t>
+                      </a:r>
+                      <a:endParaRPr lang="en-US" sz="1100" b="1" i="0" u="none" strike="noStrike" dirty="0">
+                        <a:solidFill>
+                          <a:srgbClr val="000000"/>
+                        </a:solidFill>
+                        <a:effectLst/>
+                        <a:latin typeface="Calibri" panose="020F0502020204030204" pitchFamily="34" charset="0"/>
+                      </a:endParaRPr>
+                    </a:p>
+                  </a:txBody>
+                  <a:tcPr marL="7620" marR="7620" marT="7620" marB="0" anchor="b"/>
+                </a:tc>
+                <a:tc>
+                  <a:txBody>
+                    <a:bodyPr/>
+                    <a:lstStyle/>
+                    <a:p>
+                      <a:pPr algn="l" fontAlgn="b"/>
+                      <a:r>
+                        <a:rPr lang="en-US" sz="1100" b="1" u="none" strike="noStrike" dirty="0">
+                          <a:effectLst/>
+                        </a:rPr>
+                        <a:t>PI</a:t>
+                      </a:r>
+                      <a:endParaRPr lang="en-US" sz="1100" b="1" i="0" u="none" strike="noStrike" dirty="0">
+                        <a:solidFill>
+                          <a:srgbClr val="000000"/>
+                        </a:solidFill>
+                        <a:effectLst/>
+                        <a:latin typeface="Calibri" panose="020F0502020204030204" pitchFamily="34" charset="0"/>
+                      </a:endParaRPr>
+                    </a:p>
+                  </a:txBody>
+                  <a:tcPr marL="7620" marR="7620" marT="7620" marB="0" anchor="b"/>
+                </a:tc>
+                <a:tc>
+                  <a:txBody>
+                    <a:bodyPr/>
+                    <a:lstStyle/>
+                    <a:p>
+                      <a:pPr algn="l" fontAlgn="b"/>
+                      <a:r>
+                        <a:rPr lang="en-US" sz="1100" b="1" u="none" strike="noStrike" dirty="0">
+                          <a:effectLst/>
+                        </a:rPr>
+                        <a:t>Department</a:t>
+                      </a:r>
+                      <a:endParaRPr lang="en-US" sz="1100" b="1" i="0" u="none" strike="noStrike" dirty="0">
+                        <a:solidFill>
+                          <a:srgbClr val="000000"/>
+                        </a:solidFill>
+                        <a:effectLst/>
+                        <a:latin typeface="Calibri" panose="020F0502020204030204" pitchFamily="34" charset="0"/>
+                      </a:endParaRPr>
+                    </a:p>
+                  </a:txBody>
+                  <a:tcPr marL="7620" marR="7620" marT="7620" marB="0" anchor="b"/>
+                </a:tc>
+                <a:extLst>
+                  <a:ext uri="{0D108BD9-81ED-4DB2-BD59-A6C34878D82A}">
+                    <a16:rowId xmlns:a16="http://schemas.microsoft.com/office/drawing/2014/main" val="1236399335"/>
+                  </a:ext>
+                </a:extLst>
+              </a:tr>
+              <a:tr h="239252">
+                <a:tc>
+                  <a:txBody>
+                    <a:bodyPr/>
+                    <a:lstStyle/>
+                    <a:p>
+                      <a:pPr algn="l" fontAlgn="b"/>
+                      <a:r>
+                        <a:rPr lang="en-US" sz="1100" b="0" i="0" u="none" strike="noStrike" kern="1200" dirty="0" smtClean="0">
+                          <a:solidFill>
+                            <a:srgbClr val="000000"/>
+                          </a:solidFill>
+                          <a:effectLst/>
+                          <a:latin typeface="Calibri" panose="020F0502020204030204" pitchFamily="34" charset="0"/>
+                          <a:ea typeface="+mn-ea"/>
+                          <a:cs typeface="+mn-cs"/>
+                        </a:rPr>
+                        <a:t>Hereditary thrombotic thrombocytopenic purpura (HTTP)</a:t>
+                      </a:r>
+                      <a:endParaRPr lang="en-US" sz="1100" b="0" i="0" u="none" strike="noStrike" kern="1200" dirty="0">
+                        <a:solidFill>
+                          <a:srgbClr val="000000"/>
+                        </a:solidFill>
+                        <a:effectLst/>
+                        <a:latin typeface="Calibri" panose="020F0502020204030204" pitchFamily="34" charset="0"/>
+                        <a:ea typeface="+mn-ea"/>
+                        <a:cs typeface="+mn-cs"/>
+                      </a:endParaRPr>
+                    </a:p>
+                  </a:txBody>
+                  <a:tcPr marL="7620" marR="7620" marT="7620" marB="0" anchor="b"/>
+                </a:tc>
+                <a:tc>
+                  <a:txBody>
+                    <a:bodyPr/>
+                    <a:lstStyle/>
+                    <a:p>
+                      <a:pPr algn="l" fontAlgn="b"/>
+                      <a:r>
+                        <a:rPr lang="en-US" sz="1100" b="0" i="0" u="none" strike="noStrike" dirty="0" smtClean="0">
+                          <a:solidFill>
+                            <a:srgbClr val="000000"/>
+                          </a:solidFill>
+                          <a:effectLst/>
+                          <a:latin typeface="Calibri" panose="020F0502020204030204" pitchFamily="34" charset="0"/>
+                        </a:rPr>
+                        <a:t>J. Journeycake</a:t>
+                      </a:r>
+                      <a:endParaRPr lang="en-US" sz="1100" b="0" i="0" u="none" strike="noStrike" dirty="0">
+                        <a:solidFill>
+                          <a:srgbClr val="000000"/>
+                        </a:solidFill>
+                        <a:effectLst/>
+                        <a:latin typeface="Calibri" panose="020F0502020204030204" pitchFamily="34" charset="0"/>
+                      </a:endParaRPr>
+                    </a:p>
+                  </a:txBody>
+                  <a:tcPr marL="7620" marR="7620" marT="7620" marB="0" anchor="b"/>
+                </a:tc>
+                <a:tc>
+                  <a:txBody>
+                    <a:bodyPr/>
+                    <a:lstStyle/>
+                    <a:p>
+                      <a:pPr algn="l" fontAlgn="b"/>
+                      <a:r>
+                        <a:rPr lang="en-US" sz="1100" b="0" i="0" u="none" strike="noStrike" dirty="0" smtClean="0">
+                          <a:solidFill>
+                            <a:srgbClr val="000000"/>
+                          </a:solidFill>
+                          <a:effectLst/>
+                          <a:latin typeface="Calibri" panose="020F0502020204030204" pitchFamily="34" charset="0"/>
+                        </a:rPr>
+                        <a:t>Pediatrics</a:t>
+                      </a:r>
+                      <a:endParaRPr lang="en-US" sz="1100" b="0" i="0" u="none" strike="noStrike" dirty="0">
+                        <a:solidFill>
+                          <a:srgbClr val="000000"/>
+                        </a:solidFill>
+                        <a:effectLst/>
+                        <a:latin typeface="Calibri" panose="020F0502020204030204" pitchFamily="34" charset="0"/>
+                      </a:endParaRPr>
+                    </a:p>
+                  </a:txBody>
+                  <a:tcPr marL="7620" marR="7620" marT="7620" marB="0" anchor="b"/>
+                </a:tc>
+                <a:extLst>
+                  <a:ext uri="{0D108BD9-81ED-4DB2-BD59-A6C34878D82A}">
+                    <a16:rowId xmlns:a16="http://schemas.microsoft.com/office/drawing/2014/main" val="3548785687"/>
+                  </a:ext>
+                </a:extLst>
+              </a:tr>
+              <a:tr h="239252">
+                <a:tc>
+                  <a:txBody>
+                    <a:bodyPr/>
+                    <a:lstStyle/>
+                    <a:p>
+                      <a:pPr algn="l" fontAlgn="b"/>
+                      <a:r>
+                        <a:rPr lang="en-US" sz="1100" b="0" i="0" u="none" strike="noStrike" kern="1200" dirty="0" smtClean="0">
+                          <a:solidFill>
+                            <a:srgbClr val="000000"/>
+                          </a:solidFill>
+                          <a:effectLst/>
+                          <a:latin typeface="Calibri" panose="020F0502020204030204" pitchFamily="34" charset="0"/>
+                          <a:ea typeface="+mn-ea"/>
+                          <a:cs typeface="+mn-cs"/>
+                        </a:rPr>
+                        <a:t>Neonatal Venous Thromboembolism</a:t>
+                      </a:r>
+                      <a:endParaRPr lang="en-US" sz="1100" b="0" i="0" u="none" strike="noStrike" kern="1200" dirty="0">
+                        <a:solidFill>
+                          <a:srgbClr val="000000"/>
+                        </a:solidFill>
+                        <a:effectLst/>
+                        <a:latin typeface="Calibri" panose="020F0502020204030204" pitchFamily="34" charset="0"/>
+                        <a:ea typeface="+mn-ea"/>
+                        <a:cs typeface="+mn-cs"/>
+                      </a:endParaRPr>
+                    </a:p>
+                  </a:txBody>
+                  <a:tcPr marL="7620" marR="7620" marT="7620" marB="0" anchor="b"/>
+                </a:tc>
+                <a:tc>
+                  <a:txBody>
+                    <a:bodyPr/>
+                    <a:lstStyle/>
+                    <a:p>
+                      <a:pPr algn="l" fontAlgn="b"/>
+                      <a:r>
+                        <a:rPr lang="en-US" sz="1100" b="0" i="0" u="none" strike="noStrike" dirty="0" smtClean="0">
+                          <a:solidFill>
+                            <a:srgbClr val="000000"/>
+                          </a:solidFill>
+                          <a:effectLst/>
+                          <a:latin typeface="Calibri" panose="020F0502020204030204" pitchFamily="34" charset="0"/>
+                        </a:rPr>
+                        <a:t>J. Journeycake</a:t>
+                      </a:r>
+                      <a:endParaRPr lang="en-US" sz="1100" b="0" i="0" u="none" strike="noStrike" dirty="0">
+                        <a:solidFill>
+                          <a:srgbClr val="000000"/>
+                        </a:solidFill>
+                        <a:effectLst/>
+                        <a:latin typeface="Calibri" panose="020F0502020204030204" pitchFamily="34" charset="0"/>
+                      </a:endParaRPr>
+                    </a:p>
+                  </a:txBody>
+                  <a:tcPr marL="7620" marR="7620" marT="7620" marB="0" anchor="b"/>
+                </a:tc>
+                <a:tc>
+                  <a:txBody>
+                    <a:bodyPr/>
+                    <a:lstStyle/>
+                    <a:p>
+                      <a:pPr algn="l" fontAlgn="b"/>
+                      <a:r>
+                        <a:rPr lang="en-US" sz="1100" b="0" i="0" u="none" strike="noStrike" dirty="0" smtClean="0">
+                          <a:solidFill>
+                            <a:srgbClr val="000000"/>
+                          </a:solidFill>
+                          <a:effectLst/>
+                          <a:latin typeface="Calibri" panose="020F0502020204030204" pitchFamily="34" charset="0"/>
+                        </a:rPr>
+                        <a:t>Pediatrics</a:t>
+                      </a:r>
+                      <a:endParaRPr lang="en-US" sz="1100" b="0" i="0" u="none" strike="noStrike" dirty="0">
+                        <a:solidFill>
+                          <a:srgbClr val="000000"/>
+                        </a:solidFill>
+                        <a:effectLst/>
+                        <a:latin typeface="Calibri" panose="020F0502020204030204" pitchFamily="34" charset="0"/>
+                      </a:endParaRPr>
+                    </a:p>
+                  </a:txBody>
+                  <a:tcPr marL="7620" marR="7620" marT="7620" marB="0" anchor="b"/>
+                </a:tc>
+                <a:extLst>
+                  <a:ext uri="{0D108BD9-81ED-4DB2-BD59-A6C34878D82A}">
+                    <a16:rowId xmlns:a16="http://schemas.microsoft.com/office/drawing/2014/main" val="949879066"/>
+                  </a:ext>
+                </a:extLst>
+              </a:tr>
+              <a:tr h="353296">
+                <a:tc>
+                  <a:txBody>
+                    <a:bodyPr/>
+                    <a:lstStyle/>
+                    <a:p>
+                      <a:pPr algn="l" fontAlgn="b"/>
+                      <a:r>
+                        <a:rPr lang="en-US" sz="1100" b="0" i="0" u="none" strike="noStrike" kern="1200" dirty="0" smtClean="0">
+                          <a:solidFill>
+                            <a:srgbClr val="000000"/>
+                          </a:solidFill>
+                          <a:effectLst/>
+                          <a:latin typeface="Calibri" panose="020F0502020204030204" pitchFamily="34" charset="0"/>
+                          <a:ea typeface="+mn-ea"/>
+                          <a:cs typeface="+mn-cs"/>
+                        </a:rPr>
+                        <a:t>Evaluation of Hematologic Parameters in Patients on </a:t>
+                      </a:r>
+                      <a:r>
+                        <a:rPr lang="en-US" sz="1100" b="0" i="0" u="none" strike="noStrike" kern="1200" dirty="0" err="1" smtClean="0">
+                          <a:solidFill>
+                            <a:srgbClr val="000000"/>
+                          </a:solidFill>
+                          <a:effectLst/>
+                          <a:latin typeface="Calibri" panose="020F0502020204030204" pitchFamily="34" charset="0"/>
+                          <a:ea typeface="+mn-ea"/>
+                          <a:cs typeface="+mn-cs"/>
+                        </a:rPr>
+                        <a:t>PARPi</a:t>
+                      </a:r>
+                      <a:r>
+                        <a:rPr lang="en-US" sz="1100" b="0" i="0" u="none" strike="noStrike" kern="1200" dirty="0" smtClean="0">
+                          <a:solidFill>
+                            <a:srgbClr val="000000"/>
+                          </a:solidFill>
+                          <a:effectLst/>
+                          <a:latin typeface="Calibri" panose="020F0502020204030204" pitchFamily="34" charset="0"/>
+                          <a:ea typeface="+mn-ea"/>
+                          <a:cs typeface="+mn-cs"/>
+                        </a:rPr>
+                        <a:t> Therapy</a:t>
+                      </a:r>
+                      <a:endParaRPr lang="en-US" sz="1100" b="0" i="0" u="none" strike="noStrike" kern="1200" dirty="0">
+                        <a:solidFill>
+                          <a:srgbClr val="000000"/>
+                        </a:solidFill>
+                        <a:effectLst/>
+                        <a:latin typeface="Calibri" panose="020F0502020204030204" pitchFamily="34" charset="0"/>
+                        <a:ea typeface="+mn-ea"/>
+                        <a:cs typeface="+mn-cs"/>
+                      </a:endParaRPr>
+                    </a:p>
+                  </a:txBody>
+                  <a:tcPr marL="7620" marR="7620" marT="7620" marB="0" anchor="b"/>
+                </a:tc>
+                <a:tc>
+                  <a:txBody>
+                    <a:bodyPr/>
+                    <a:lstStyle/>
+                    <a:p>
+                      <a:pPr algn="l" fontAlgn="b"/>
+                      <a:r>
+                        <a:rPr lang="en-US" sz="1100" b="0" i="0" u="none" strike="noStrike" dirty="0" smtClean="0">
+                          <a:solidFill>
+                            <a:srgbClr val="000000"/>
+                          </a:solidFill>
+                          <a:effectLst/>
+                          <a:latin typeface="Calibri" panose="020F0502020204030204" pitchFamily="34" charset="0"/>
+                        </a:rPr>
+                        <a:t>K. Moore</a:t>
+                      </a:r>
+                      <a:endParaRPr lang="en-US" sz="1100" b="0" i="0" u="none" strike="noStrike" dirty="0">
+                        <a:solidFill>
+                          <a:srgbClr val="000000"/>
+                        </a:solidFill>
+                        <a:effectLst/>
+                        <a:latin typeface="Calibri" panose="020F0502020204030204" pitchFamily="34" charset="0"/>
+                      </a:endParaRPr>
+                    </a:p>
+                  </a:txBody>
+                  <a:tcPr marL="7620" marR="7620" marT="7620" marB="0" anchor="b"/>
+                </a:tc>
+                <a:tc>
+                  <a:txBody>
+                    <a:bodyPr/>
+                    <a:lstStyle/>
+                    <a:p>
+                      <a:pPr algn="l" fontAlgn="b"/>
+                      <a:r>
+                        <a:rPr lang="en-US" sz="1100" b="0" i="0" u="none" strike="noStrike" dirty="0" err="1" smtClean="0">
+                          <a:solidFill>
+                            <a:srgbClr val="000000"/>
+                          </a:solidFill>
+                          <a:effectLst/>
+                          <a:latin typeface="Calibri" panose="020F0502020204030204" pitchFamily="34" charset="0"/>
+                        </a:rPr>
+                        <a:t>Gyn</a:t>
+                      </a:r>
+                      <a:r>
+                        <a:rPr lang="en-US" sz="1100" b="0" i="0" u="none" strike="noStrike" dirty="0" smtClean="0">
+                          <a:solidFill>
+                            <a:srgbClr val="000000"/>
+                          </a:solidFill>
+                          <a:effectLst/>
+                          <a:latin typeface="Calibri" panose="020F0502020204030204" pitchFamily="34" charset="0"/>
+                        </a:rPr>
+                        <a:t> </a:t>
+                      </a:r>
+                      <a:r>
+                        <a:rPr lang="en-US" sz="1100" b="0" i="0" u="none" strike="noStrike" dirty="0" err="1" smtClean="0">
+                          <a:solidFill>
+                            <a:srgbClr val="000000"/>
+                          </a:solidFill>
+                          <a:effectLst/>
+                          <a:latin typeface="Calibri" panose="020F0502020204030204" pitchFamily="34" charset="0"/>
+                        </a:rPr>
+                        <a:t>Onc</a:t>
+                      </a:r>
+                      <a:endParaRPr lang="en-US" sz="1100" b="0" i="0" u="none" strike="noStrike" dirty="0">
+                        <a:solidFill>
+                          <a:srgbClr val="000000"/>
+                        </a:solidFill>
+                        <a:effectLst/>
+                        <a:latin typeface="Calibri" panose="020F0502020204030204" pitchFamily="34" charset="0"/>
+                      </a:endParaRPr>
+                    </a:p>
+                  </a:txBody>
+                  <a:tcPr marL="7620" marR="7620" marT="7620" marB="0" anchor="b"/>
+                </a:tc>
+                <a:extLst>
+                  <a:ext uri="{0D108BD9-81ED-4DB2-BD59-A6C34878D82A}">
+                    <a16:rowId xmlns:a16="http://schemas.microsoft.com/office/drawing/2014/main" val="3222670053"/>
+                  </a:ext>
+                </a:extLst>
+              </a:tr>
+              <a:tr h="239252">
+                <a:tc>
+                  <a:txBody>
+                    <a:bodyPr/>
+                    <a:lstStyle/>
+                    <a:p>
+                      <a:pPr algn="l" fontAlgn="b"/>
+                      <a:r>
+                        <a:rPr lang="en-US" sz="1100" b="0" i="0" u="none" strike="noStrike" kern="1200" dirty="0" smtClean="0">
+                          <a:solidFill>
+                            <a:srgbClr val="000000"/>
+                          </a:solidFill>
+                          <a:effectLst/>
+                          <a:latin typeface="Calibri" panose="020F0502020204030204" pitchFamily="34" charset="0"/>
+                          <a:ea typeface="+mn-ea"/>
+                          <a:cs typeface="+mn-cs"/>
+                        </a:rPr>
+                        <a:t>Hip Fracture Repair</a:t>
+                      </a:r>
+                      <a:endParaRPr lang="en-US" sz="1100" b="0" i="0" u="none" strike="noStrike" kern="1200" dirty="0">
+                        <a:solidFill>
+                          <a:srgbClr val="000000"/>
+                        </a:solidFill>
+                        <a:effectLst/>
+                        <a:latin typeface="Calibri" panose="020F0502020204030204" pitchFamily="34" charset="0"/>
+                        <a:ea typeface="+mn-ea"/>
+                        <a:cs typeface="+mn-cs"/>
+                      </a:endParaRPr>
+                    </a:p>
+                  </a:txBody>
+                  <a:tcPr marL="7620" marR="7620" marT="7620" marB="0" anchor="b"/>
+                </a:tc>
+                <a:tc>
+                  <a:txBody>
+                    <a:bodyPr/>
+                    <a:lstStyle/>
+                    <a:p>
+                      <a:pPr algn="l" fontAlgn="b"/>
+                      <a:r>
+                        <a:rPr lang="en-US" sz="1100" b="0" i="0" u="none" strike="noStrike" dirty="0" smtClean="0">
+                          <a:solidFill>
+                            <a:srgbClr val="000000"/>
+                          </a:solidFill>
+                          <a:effectLst/>
+                          <a:latin typeface="Calibri" panose="020F0502020204030204" pitchFamily="34" charset="0"/>
+                        </a:rPr>
+                        <a:t>D. Teague</a:t>
+                      </a:r>
+                      <a:endParaRPr lang="en-US" sz="1100" b="0" i="0" u="none" strike="noStrike" dirty="0">
+                        <a:solidFill>
+                          <a:srgbClr val="000000"/>
+                        </a:solidFill>
+                        <a:effectLst/>
+                        <a:latin typeface="Calibri" panose="020F0502020204030204" pitchFamily="34" charset="0"/>
+                      </a:endParaRPr>
+                    </a:p>
+                  </a:txBody>
+                  <a:tcPr marL="7620" marR="7620" marT="7620" marB="0" anchor="b"/>
+                </a:tc>
+                <a:tc>
+                  <a:txBody>
+                    <a:bodyPr/>
+                    <a:lstStyle/>
+                    <a:p>
+                      <a:pPr algn="l" fontAlgn="b"/>
+                      <a:r>
+                        <a:rPr lang="en-US" sz="1100" b="0" i="0" u="none" strike="noStrike" dirty="0" smtClean="0">
+                          <a:solidFill>
+                            <a:srgbClr val="000000"/>
+                          </a:solidFill>
+                          <a:effectLst/>
+                          <a:latin typeface="Calibri" panose="020F0502020204030204" pitchFamily="34" charset="0"/>
+                        </a:rPr>
+                        <a:t>Orthopedics</a:t>
+                      </a:r>
+                      <a:endParaRPr lang="en-US" sz="1100" b="0" i="0" u="none" strike="noStrike" dirty="0">
+                        <a:solidFill>
+                          <a:srgbClr val="000000"/>
+                        </a:solidFill>
+                        <a:effectLst/>
+                        <a:latin typeface="Calibri" panose="020F0502020204030204" pitchFamily="34" charset="0"/>
+                      </a:endParaRPr>
+                    </a:p>
+                  </a:txBody>
+                  <a:tcPr marL="7620" marR="7620" marT="7620" marB="0" anchor="b"/>
+                </a:tc>
+                <a:extLst>
+                  <a:ext uri="{0D108BD9-81ED-4DB2-BD59-A6C34878D82A}">
+                    <a16:rowId xmlns:a16="http://schemas.microsoft.com/office/drawing/2014/main" val="1661099666"/>
+                  </a:ext>
+                </a:extLst>
+              </a:tr>
+              <a:tr h="239252">
+                <a:tc>
+                  <a:txBody>
+                    <a:bodyPr/>
+                    <a:lstStyle/>
+                    <a:p>
+                      <a:pPr algn="l" fontAlgn="b"/>
+                      <a:r>
+                        <a:rPr lang="en-US" sz="1100" b="0" i="0" u="none" strike="noStrike" kern="1200" dirty="0" smtClean="0">
+                          <a:solidFill>
+                            <a:srgbClr val="000000"/>
+                          </a:solidFill>
+                          <a:effectLst/>
+                          <a:latin typeface="Calibri" panose="020F0502020204030204" pitchFamily="34" charset="0"/>
+                          <a:ea typeface="+mn-ea"/>
+                          <a:cs typeface="+mn-cs"/>
+                        </a:rPr>
+                        <a:t>Anterior Cruciate Ligament Reconstruction</a:t>
+                      </a:r>
+                      <a:endParaRPr lang="en-US" sz="1100" b="0" i="0" u="none" strike="noStrike" kern="1200" dirty="0">
+                        <a:solidFill>
+                          <a:srgbClr val="000000"/>
+                        </a:solidFill>
+                        <a:effectLst/>
+                        <a:latin typeface="Calibri" panose="020F0502020204030204" pitchFamily="34" charset="0"/>
+                        <a:ea typeface="+mn-ea"/>
+                        <a:cs typeface="+mn-cs"/>
+                      </a:endParaRPr>
+                    </a:p>
+                  </a:txBody>
+                  <a:tcPr marL="7620" marR="7620" marT="7620" marB="0" anchor="b"/>
+                </a:tc>
+                <a:tc>
+                  <a:txBody>
+                    <a:bodyPr/>
+                    <a:lstStyle/>
+                    <a:p>
+                      <a:pPr algn="l" fontAlgn="b"/>
+                      <a:r>
+                        <a:rPr lang="en-US" sz="1100" b="0" i="0" u="none" strike="noStrike" dirty="0" smtClean="0">
+                          <a:solidFill>
+                            <a:srgbClr val="000000"/>
+                          </a:solidFill>
+                          <a:effectLst/>
+                          <a:latin typeface="Calibri" panose="020F0502020204030204" pitchFamily="34" charset="0"/>
+                        </a:rPr>
+                        <a:t>S. Algan</a:t>
+                      </a:r>
+                      <a:endParaRPr lang="en-US" sz="1100" b="0" i="0" u="none" strike="noStrike" dirty="0">
+                        <a:solidFill>
+                          <a:srgbClr val="000000"/>
+                        </a:solidFill>
+                        <a:effectLst/>
+                        <a:latin typeface="Calibri" panose="020F0502020204030204" pitchFamily="34" charset="0"/>
+                      </a:endParaRPr>
+                    </a:p>
+                  </a:txBody>
+                  <a:tcPr marL="7620" marR="7620" marT="7620" marB="0" anchor="b"/>
+                </a:tc>
+                <a:tc>
+                  <a:txBody>
+                    <a:bodyPr/>
+                    <a:lstStyle/>
+                    <a:p>
+                      <a:pPr algn="l" fontAlgn="b"/>
+                      <a:r>
+                        <a:rPr lang="en-US" sz="1100" b="0" i="0" u="none" strike="noStrike" dirty="0" smtClean="0">
+                          <a:solidFill>
+                            <a:srgbClr val="000000"/>
+                          </a:solidFill>
+                          <a:effectLst/>
+                          <a:latin typeface="Calibri" panose="020F0502020204030204" pitchFamily="34" charset="0"/>
+                        </a:rPr>
+                        <a:t>Orthopedics</a:t>
+                      </a:r>
+                      <a:endParaRPr lang="en-US" sz="1100" b="0" i="0" u="none" strike="noStrike" dirty="0">
+                        <a:solidFill>
+                          <a:srgbClr val="000000"/>
+                        </a:solidFill>
+                        <a:effectLst/>
+                        <a:latin typeface="Calibri" panose="020F0502020204030204" pitchFamily="34" charset="0"/>
+                      </a:endParaRPr>
+                    </a:p>
+                  </a:txBody>
+                  <a:tcPr marL="7620" marR="7620" marT="7620" marB="0" anchor="b"/>
+                </a:tc>
+                <a:extLst>
+                  <a:ext uri="{0D108BD9-81ED-4DB2-BD59-A6C34878D82A}">
+                    <a16:rowId xmlns:a16="http://schemas.microsoft.com/office/drawing/2014/main" val="4172047643"/>
+                  </a:ext>
+                </a:extLst>
+              </a:tr>
+              <a:tr h="239252">
+                <a:tc>
+                  <a:txBody>
+                    <a:bodyPr/>
+                    <a:lstStyle/>
+                    <a:p>
+                      <a:pPr algn="l" fontAlgn="b"/>
+                      <a:r>
+                        <a:rPr lang="en-US" sz="1100" b="0" i="0" u="none" strike="noStrike" kern="1200" dirty="0" smtClean="0">
+                          <a:solidFill>
+                            <a:srgbClr val="000000"/>
+                          </a:solidFill>
+                          <a:effectLst/>
+                          <a:latin typeface="Calibri" panose="020F0502020204030204" pitchFamily="34" charset="0"/>
+                          <a:ea typeface="+mn-ea"/>
+                          <a:cs typeface="+mn-cs"/>
+                        </a:rPr>
+                        <a:t>Bone-Grafting for Glenoid Deficiency</a:t>
+                      </a:r>
+                      <a:endParaRPr lang="en-US" sz="1100" b="0" i="0" u="none" strike="noStrike" kern="1200" dirty="0">
+                        <a:solidFill>
+                          <a:srgbClr val="000000"/>
+                        </a:solidFill>
+                        <a:effectLst/>
+                        <a:latin typeface="Calibri" panose="020F0502020204030204" pitchFamily="34" charset="0"/>
+                        <a:ea typeface="+mn-ea"/>
+                        <a:cs typeface="+mn-cs"/>
+                      </a:endParaRPr>
+                    </a:p>
+                  </a:txBody>
+                  <a:tcPr marL="7620" marR="7620" marT="7620" marB="0" anchor="b"/>
+                </a:tc>
+                <a:tc>
+                  <a:txBody>
+                    <a:bodyPr/>
+                    <a:lstStyle/>
+                    <a:p>
+                      <a:pPr algn="l" fontAlgn="b"/>
+                      <a:r>
+                        <a:rPr lang="en-US" sz="1100" b="0" i="0" u="none" strike="noStrike" dirty="0" smtClean="0">
+                          <a:solidFill>
+                            <a:srgbClr val="000000"/>
+                          </a:solidFill>
+                          <a:effectLst/>
+                          <a:latin typeface="Calibri" panose="020F0502020204030204" pitchFamily="34" charset="0"/>
+                        </a:rPr>
+                        <a:t>C. White</a:t>
+                      </a:r>
+                      <a:endParaRPr lang="en-US" sz="1100" b="0" i="0" u="none" strike="noStrike" dirty="0">
+                        <a:solidFill>
+                          <a:srgbClr val="000000"/>
+                        </a:solidFill>
+                        <a:effectLst/>
+                        <a:latin typeface="Calibri" panose="020F0502020204030204" pitchFamily="34" charset="0"/>
+                      </a:endParaRPr>
+                    </a:p>
+                  </a:txBody>
+                  <a:tcPr marL="7620" marR="7620" marT="7620" marB="0" anchor="b"/>
+                </a:tc>
+                <a:tc>
+                  <a:txBody>
+                    <a:bodyPr/>
+                    <a:lstStyle/>
+                    <a:p>
+                      <a:pPr algn="l" fontAlgn="b"/>
+                      <a:r>
+                        <a:rPr lang="en-US" sz="1100" b="0" i="0" u="none" strike="noStrike" dirty="0" smtClean="0">
+                          <a:solidFill>
+                            <a:srgbClr val="000000"/>
+                          </a:solidFill>
+                          <a:effectLst/>
+                          <a:latin typeface="Calibri" panose="020F0502020204030204" pitchFamily="34" charset="0"/>
+                        </a:rPr>
+                        <a:t>Orthopedics</a:t>
+                      </a:r>
+                      <a:endParaRPr lang="en-US" sz="1100" b="0" i="0" u="none" strike="noStrike" dirty="0">
+                        <a:solidFill>
+                          <a:srgbClr val="000000"/>
+                        </a:solidFill>
+                        <a:effectLst/>
+                        <a:latin typeface="Calibri" panose="020F0502020204030204" pitchFamily="34" charset="0"/>
+                      </a:endParaRPr>
+                    </a:p>
+                  </a:txBody>
+                  <a:tcPr marL="7620" marR="7620" marT="7620" marB="0" anchor="b"/>
+                </a:tc>
+                <a:extLst>
+                  <a:ext uri="{0D108BD9-81ED-4DB2-BD59-A6C34878D82A}">
+                    <a16:rowId xmlns:a16="http://schemas.microsoft.com/office/drawing/2014/main" val="1057878429"/>
+                  </a:ext>
+                </a:extLst>
+              </a:tr>
+              <a:tr h="239252">
+                <a:tc>
+                  <a:txBody>
+                    <a:bodyPr/>
+                    <a:lstStyle/>
+                    <a:p>
+                      <a:pPr algn="l" fontAlgn="b"/>
+                      <a:r>
+                        <a:rPr lang="en-US" sz="1100" b="0" i="0" u="none" strike="noStrike" kern="1200" dirty="0" smtClean="0">
+                          <a:solidFill>
+                            <a:srgbClr val="000000"/>
+                          </a:solidFill>
+                          <a:effectLst/>
+                          <a:latin typeface="Calibri" panose="020F0502020204030204" pitchFamily="34" charset="0"/>
+                          <a:ea typeface="+mn-ea"/>
+                          <a:cs typeface="+mn-cs"/>
+                        </a:rPr>
+                        <a:t>Hospital Admission Rates for Children Living with Asthma</a:t>
+                      </a:r>
+                      <a:endParaRPr lang="en-US" sz="1100" b="0" i="0" u="none" strike="noStrike" kern="1200" dirty="0">
+                        <a:solidFill>
+                          <a:srgbClr val="000000"/>
+                        </a:solidFill>
+                        <a:effectLst/>
+                        <a:latin typeface="Calibri" panose="020F0502020204030204" pitchFamily="34" charset="0"/>
+                        <a:ea typeface="+mn-ea"/>
+                        <a:cs typeface="+mn-cs"/>
+                      </a:endParaRPr>
+                    </a:p>
+                  </a:txBody>
+                  <a:tcPr marL="7620" marR="7620" marT="7620" marB="0" anchor="b"/>
+                </a:tc>
+                <a:tc>
+                  <a:txBody>
+                    <a:bodyPr/>
+                    <a:lstStyle/>
+                    <a:p>
+                      <a:pPr algn="l" fontAlgn="b"/>
+                      <a:r>
+                        <a:rPr lang="en-US" sz="1100" b="0" i="0" u="none" strike="noStrike" dirty="0" smtClean="0">
+                          <a:solidFill>
+                            <a:srgbClr val="000000"/>
+                          </a:solidFill>
+                          <a:effectLst/>
+                          <a:latin typeface="Calibri" panose="020F0502020204030204" pitchFamily="34" charset="0"/>
+                        </a:rPr>
+                        <a:t>M. Akande</a:t>
+                      </a:r>
+                      <a:endParaRPr lang="en-US" sz="1100" b="0" i="0" u="none" strike="noStrike" dirty="0">
+                        <a:solidFill>
+                          <a:srgbClr val="000000"/>
+                        </a:solidFill>
+                        <a:effectLst/>
+                        <a:latin typeface="Calibri" panose="020F0502020204030204" pitchFamily="34" charset="0"/>
+                      </a:endParaRPr>
+                    </a:p>
+                  </a:txBody>
+                  <a:tcPr marL="7620" marR="7620" marT="7620" marB="0" anchor="b"/>
+                </a:tc>
+                <a:tc>
+                  <a:txBody>
+                    <a:bodyPr/>
+                    <a:lstStyle/>
+                    <a:p>
+                      <a:pPr algn="l" fontAlgn="b"/>
+                      <a:r>
+                        <a:rPr lang="en-US" sz="1100" b="0" i="0" u="none" strike="noStrike" dirty="0" smtClean="0">
+                          <a:solidFill>
+                            <a:srgbClr val="000000"/>
+                          </a:solidFill>
+                          <a:effectLst/>
+                          <a:latin typeface="Calibri" panose="020F0502020204030204" pitchFamily="34" charset="0"/>
+                        </a:rPr>
+                        <a:t>Pediatrics</a:t>
+                      </a:r>
+                      <a:endParaRPr lang="en-US" sz="1100" b="0" i="0" u="none" strike="noStrike" dirty="0">
+                        <a:solidFill>
+                          <a:srgbClr val="000000"/>
+                        </a:solidFill>
+                        <a:effectLst/>
+                        <a:latin typeface="Calibri" panose="020F0502020204030204" pitchFamily="34" charset="0"/>
+                      </a:endParaRPr>
+                    </a:p>
+                  </a:txBody>
+                  <a:tcPr marL="7620" marR="7620" marT="7620" marB="0" anchor="b"/>
+                </a:tc>
+                <a:extLst>
+                  <a:ext uri="{0D108BD9-81ED-4DB2-BD59-A6C34878D82A}">
+                    <a16:rowId xmlns:a16="http://schemas.microsoft.com/office/drawing/2014/main" val="2151953881"/>
+                  </a:ext>
+                </a:extLst>
+              </a:tr>
+              <a:tr h="239252">
+                <a:tc>
+                  <a:txBody>
+                    <a:bodyPr/>
+                    <a:lstStyle/>
+                    <a:p>
+                      <a:pPr algn="l" fontAlgn="b"/>
+                      <a:r>
+                        <a:rPr lang="en-US" sz="1100" b="0" i="0" u="none" strike="noStrike" kern="1200" dirty="0" smtClean="0">
+                          <a:solidFill>
+                            <a:srgbClr val="000000"/>
+                          </a:solidFill>
+                          <a:effectLst/>
+                          <a:latin typeface="Calibri" panose="020F0502020204030204" pitchFamily="34" charset="0"/>
+                          <a:ea typeface="+mn-ea"/>
+                          <a:cs typeface="+mn-cs"/>
+                        </a:rPr>
+                        <a:t>Hearing Screens</a:t>
+                      </a:r>
+                      <a:endParaRPr lang="en-US" sz="1100" b="0" i="0" u="none" strike="noStrike" kern="1200" dirty="0">
+                        <a:solidFill>
+                          <a:srgbClr val="000000"/>
+                        </a:solidFill>
+                        <a:effectLst/>
+                        <a:latin typeface="Calibri" panose="020F0502020204030204" pitchFamily="34" charset="0"/>
+                        <a:ea typeface="+mn-ea"/>
+                        <a:cs typeface="+mn-cs"/>
+                      </a:endParaRPr>
+                    </a:p>
+                  </a:txBody>
+                  <a:tcPr marL="7620" marR="7620" marT="7620" marB="0" anchor="b"/>
+                </a:tc>
+                <a:tc>
+                  <a:txBody>
+                    <a:bodyPr/>
+                    <a:lstStyle/>
+                    <a:p>
+                      <a:pPr algn="l" fontAlgn="b"/>
+                      <a:r>
+                        <a:rPr lang="en-US" sz="1100" b="0" i="0" u="none" strike="noStrike" dirty="0" smtClean="0">
+                          <a:solidFill>
+                            <a:srgbClr val="000000"/>
+                          </a:solidFill>
+                          <a:effectLst/>
+                          <a:latin typeface="Calibri" panose="020F0502020204030204" pitchFamily="34" charset="0"/>
+                        </a:rPr>
+                        <a:t>J. Butcher</a:t>
+                      </a:r>
+                      <a:endParaRPr lang="en-US" sz="1100" b="0" i="0" u="none" strike="noStrike" dirty="0">
+                        <a:solidFill>
+                          <a:srgbClr val="000000"/>
+                        </a:solidFill>
+                        <a:effectLst/>
+                        <a:latin typeface="Calibri" panose="020F0502020204030204" pitchFamily="34" charset="0"/>
+                      </a:endParaRPr>
+                    </a:p>
+                  </a:txBody>
+                  <a:tcPr marL="7620" marR="7620" marT="7620" marB="0" anchor="b"/>
+                </a:tc>
+                <a:tc>
+                  <a:txBody>
+                    <a:bodyPr/>
+                    <a:lstStyle/>
+                    <a:p>
+                      <a:pPr algn="l" fontAlgn="b"/>
+                      <a:r>
+                        <a:rPr lang="en-US" sz="1100" b="0" i="0" u="none" strike="noStrike" dirty="0" smtClean="0">
+                          <a:solidFill>
+                            <a:srgbClr val="000000"/>
+                          </a:solidFill>
+                          <a:effectLst/>
+                          <a:latin typeface="Calibri" panose="020F0502020204030204" pitchFamily="34" charset="0"/>
+                        </a:rPr>
+                        <a:t>Pediatrics</a:t>
+                      </a:r>
+                      <a:endParaRPr lang="en-US" sz="1100" b="0" i="0" u="none" strike="noStrike" dirty="0">
+                        <a:solidFill>
+                          <a:srgbClr val="000000"/>
+                        </a:solidFill>
+                        <a:effectLst/>
+                        <a:latin typeface="Calibri" panose="020F0502020204030204" pitchFamily="34" charset="0"/>
+                      </a:endParaRPr>
+                    </a:p>
+                  </a:txBody>
+                  <a:tcPr marL="7620" marR="7620" marT="7620" marB="0" anchor="b"/>
+                </a:tc>
+                <a:extLst>
+                  <a:ext uri="{0D108BD9-81ED-4DB2-BD59-A6C34878D82A}">
+                    <a16:rowId xmlns:a16="http://schemas.microsoft.com/office/drawing/2014/main" val="3615318075"/>
+                  </a:ext>
+                </a:extLst>
+              </a:tr>
+              <a:tr h="239252">
+                <a:tc>
+                  <a:txBody>
+                    <a:bodyPr/>
+                    <a:lstStyle/>
+                    <a:p>
+                      <a:pPr algn="l" fontAlgn="b"/>
+                      <a:r>
+                        <a:rPr lang="en-US" sz="1100" b="0" i="0" u="none" strike="noStrike" kern="1200" dirty="0" smtClean="0">
+                          <a:solidFill>
+                            <a:srgbClr val="000000"/>
+                          </a:solidFill>
+                          <a:effectLst/>
+                          <a:latin typeface="Calibri" panose="020F0502020204030204" pitchFamily="34" charset="0"/>
+                          <a:ea typeface="+mn-ea"/>
+                          <a:cs typeface="+mn-cs"/>
+                        </a:rPr>
+                        <a:t>Cesarean Scar Ectopic Pregnancy</a:t>
+                      </a:r>
+                      <a:endParaRPr lang="en-US" sz="1100" b="0" i="0" u="none" strike="noStrike" kern="1200" dirty="0">
+                        <a:solidFill>
+                          <a:srgbClr val="000000"/>
+                        </a:solidFill>
+                        <a:effectLst/>
+                        <a:latin typeface="Calibri" panose="020F0502020204030204" pitchFamily="34" charset="0"/>
+                        <a:ea typeface="+mn-ea"/>
+                        <a:cs typeface="+mn-cs"/>
+                      </a:endParaRPr>
+                    </a:p>
+                  </a:txBody>
+                  <a:tcPr marL="7620" marR="7620" marT="7620" marB="0" anchor="b"/>
+                </a:tc>
+                <a:tc>
+                  <a:txBody>
+                    <a:bodyPr/>
+                    <a:lstStyle/>
+                    <a:p>
+                      <a:pPr algn="l" fontAlgn="b"/>
+                      <a:r>
+                        <a:rPr lang="en-US" sz="1100" b="0" i="0" u="none" strike="noStrike" dirty="0" smtClean="0">
+                          <a:solidFill>
+                            <a:srgbClr val="000000"/>
+                          </a:solidFill>
+                          <a:effectLst/>
+                          <a:latin typeface="Calibri" panose="020F0502020204030204" pitchFamily="34" charset="0"/>
+                        </a:rPr>
+                        <a:t>H. Burks</a:t>
+                      </a:r>
+                      <a:endParaRPr lang="en-US" sz="1100" b="0" i="0" u="none" strike="noStrike" dirty="0">
+                        <a:solidFill>
+                          <a:srgbClr val="000000"/>
+                        </a:solidFill>
+                        <a:effectLst/>
+                        <a:latin typeface="Calibri" panose="020F0502020204030204" pitchFamily="34" charset="0"/>
+                      </a:endParaRPr>
+                    </a:p>
+                  </a:txBody>
+                  <a:tcPr marL="7620" marR="7620" marT="7620" marB="0" anchor="b"/>
+                </a:tc>
+                <a:tc>
+                  <a:txBody>
+                    <a:bodyPr/>
+                    <a:lstStyle/>
+                    <a:p>
+                      <a:pPr algn="l" fontAlgn="b"/>
+                      <a:r>
+                        <a:rPr lang="en-US" sz="1100" b="0" i="0" u="none" strike="noStrike" dirty="0" smtClean="0">
+                          <a:solidFill>
+                            <a:srgbClr val="000000"/>
+                          </a:solidFill>
+                          <a:effectLst/>
+                          <a:latin typeface="Calibri" panose="020F0502020204030204" pitchFamily="34" charset="0"/>
+                        </a:rPr>
+                        <a:t>Reproductive Medicine</a:t>
+                      </a:r>
+                      <a:endParaRPr lang="en-US" sz="1100" b="0" i="0" u="none" strike="noStrike" dirty="0">
+                        <a:solidFill>
+                          <a:srgbClr val="000000"/>
+                        </a:solidFill>
+                        <a:effectLst/>
+                        <a:latin typeface="Calibri" panose="020F0502020204030204" pitchFamily="34" charset="0"/>
+                      </a:endParaRPr>
+                    </a:p>
+                  </a:txBody>
+                  <a:tcPr marL="7620" marR="7620" marT="7620" marB="0" anchor="b"/>
+                </a:tc>
+                <a:extLst>
+                  <a:ext uri="{0D108BD9-81ED-4DB2-BD59-A6C34878D82A}">
+                    <a16:rowId xmlns:a16="http://schemas.microsoft.com/office/drawing/2014/main" val="1810581365"/>
+                  </a:ext>
+                </a:extLst>
+              </a:tr>
+              <a:tr h="239252">
+                <a:tc>
+                  <a:txBody>
+                    <a:bodyPr/>
+                    <a:lstStyle/>
+                    <a:p>
+                      <a:pPr algn="l" fontAlgn="b"/>
+                      <a:r>
+                        <a:rPr lang="en-US" sz="1100" b="0" i="0" u="none" strike="noStrike" kern="1200" dirty="0" smtClean="0">
+                          <a:solidFill>
+                            <a:srgbClr val="000000"/>
+                          </a:solidFill>
+                          <a:effectLst/>
+                          <a:latin typeface="Calibri" panose="020F0502020204030204" pitchFamily="34" charset="0"/>
+                          <a:ea typeface="+mn-ea"/>
+                          <a:cs typeface="+mn-cs"/>
+                        </a:rPr>
+                        <a:t>Urologic Trauma Study</a:t>
+                      </a:r>
+                      <a:endParaRPr lang="en-US" sz="1100" b="0" i="0" u="none" strike="noStrike" kern="1200" dirty="0">
+                        <a:solidFill>
+                          <a:srgbClr val="000000"/>
+                        </a:solidFill>
+                        <a:effectLst/>
+                        <a:latin typeface="Calibri" panose="020F0502020204030204" pitchFamily="34" charset="0"/>
+                        <a:ea typeface="+mn-ea"/>
+                        <a:cs typeface="+mn-cs"/>
+                      </a:endParaRPr>
+                    </a:p>
+                  </a:txBody>
+                  <a:tcPr marL="7620" marR="7620" marT="7620" marB="0" anchor="b"/>
+                </a:tc>
+                <a:tc>
+                  <a:txBody>
+                    <a:bodyPr/>
+                    <a:lstStyle/>
+                    <a:p>
+                      <a:pPr algn="l" fontAlgn="b"/>
+                      <a:r>
+                        <a:rPr lang="en-US" sz="1100" b="0" i="0" u="none" strike="noStrike" dirty="0" smtClean="0">
+                          <a:solidFill>
+                            <a:srgbClr val="000000"/>
+                          </a:solidFill>
+                          <a:effectLst/>
+                          <a:latin typeface="Calibri" panose="020F0502020204030204" pitchFamily="34" charset="0"/>
+                        </a:rPr>
+                        <a:t>J. </a:t>
+                      </a:r>
+                      <a:r>
+                        <a:rPr lang="en-US" sz="1100" b="0" i="0" u="none" strike="noStrike" dirty="0" err="1" smtClean="0">
+                          <a:solidFill>
+                            <a:srgbClr val="000000"/>
+                          </a:solidFill>
+                          <a:effectLst/>
+                          <a:latin typeface="Calibri" panose="020F0502020204030204" pitchFamily="34" charset="0"/>
+                        </a:rPr>
+                        <a:t>Furr</a:t>
+                      </a:r>
+                      <a:endParaRPr lang="en-US" sz="1100" b="0" i="0" u="none" strike="noStrike" dirty="0">
+                        <a:solidFill>
+                          <a:srgbClr val="000000"/>
+                        </a:solidFill>
+                        <a:effectLst/>
+                        <a:latin typeface="Calibri" panose="020F0502020204030204" pitchFamily="34" charset="0"/>
+                      </a:endParaRPr>
+                    </a:p>
+                  </a:txBody>
+                  <a:tcPr marL="7620" marR="7620" marT="7620" marB="0" anchor="b"/>
+                </a:tc>
+                <a:tc>
+                  <a:txBody>
+                    <a:bodyPr/>
+                    <a:lstStyle/>
+                    <a:p>
+                      <a:pPr algn="l" fontAlgn="b"/>
+                      <a:r>
+                        <a:rPr lang="en-US" sz="1100" b="0" i="0" u="none" strike="noStrike" dirty="0" smtClean="0">
+                          <a:solidFill>
+                            <a:srgbClr val="000000"/>
+                          </a:solidFill>
+                          <a:effectLst/>
+                          <a:latin typeface="Calibri" panose="020F0502020204030204" pitchFamily="34" charset="0"/>
+                        </a:rPr>
+                        <a:t>Urology</a:t>
+                      </a:r>
+                      <a:endParaRPr lang="en-US" sz="1100" b="0" i="0" u="none" strike="noStrike" dirty="0">
+                        <a:solidFill>
+                          <a:srgbClr val="000000"/>
+                        </a:solidFill>
+                        <a:effectLst/>
+                        <a:latin typeface="Calibri" panose="020F0502020204030204" pitchFamily="34" charset="0"/>
+                      </a:endParaRPr>
+                    </a:p>
+                  </a:txBody>
+                  <a:tcPr marL="7620" marR="7620" marT="7620" marB="0" anchor="b"/>
+                </a:tc>
+                <a:extLst>
+                  <a:ext uri="{0D108BD9-81ED-4DB2-BD59-A6C34878D82A}">
+                    <a16:rowId xmlns:a16="http://schemas.microsoft.com/office/drawing/2014/main" val="240284698"/>
+                  </a:ext>
+                </a:extLst>
+              </a:tr>
+              <a:tr h="239252">
+                <a:tc>
+                  <a:txBody>
+                    <a:bodyPr/>
+                    <a:lstStyle/>
+                    <a:p>
+                      <a:pPr algn="l" fontAlgn="b"/>
+                      <a:r>
+                        <a:rPr lang="en-US" sz="1100" b="0" i="0" u="none" strike="noStrike" kern="1200" dirty="0" smtClean="0">
+                          <a:solidFill>
+                            <a:srgbClr val="000000"/>
+                          </a:solidFill>
+                          <a:effectLst/>
+                          <a:latin typeface="Calibri" panose="020F0502020204030204" pitchFamily="34" charset="0"/>
+                          <a:ea typeface="+mn-ea"/>
+                          <a:cs typeface="+mn-cs"/>
+                        </a:rPr>
+                        <a:t>Oral Cavity Cancer</a:t>
+                      </a:r>
+                      <a:endParaRPr lang="en-US" sz="1100" b="0" i="0" u="none" strike="noStrike" kern="1200" dirty="0">
+                        <a:solidFill>
+                          <a:srgbClr val="000000"/>
+                        </a:solidFill>
+                        <a:effectLst/>
+                        <a:latin typeface="Calibri" panose="020F0502020204030204" pitchFamily="34" charset="0"/>
+                        <a:ea typeface="+mn-ea"/>
+                        <a:cs typeface="+mn-cs"/>
+                      </a:endParaRPr>
+                    </a:p>
+                  </a:txBody>
+                  <a:tcPr marL="7620" marR="7620" marT="7620" marB="0" anchor="b"/>
+                </a:tc>
+                <a:tc>
+                  <a:txBody>
+                    <a:bodyPr/>
+                    <a:lstStyle/>
+                    <a:p>
+                      <a:pPr algn="l" fontAlgn="b"/>
+                      <a:r>
+                        <a:rPr lang="en-US" sz="1100" b="0" i="0" u="none" strike="noStrike" dirty="0" smtClean="0">
+                          <a:solidFill>
+                            <a:srgbClr val="000000"/>
+                          </a:solidFill>
+                          <a:effectLst/>
+                          <a:latin typeface="Calibri" panose="020F0502020204030204" pitchFamily="34" charset="0"/>
+                        </a:rPr>
+                        <a:t>C. Henson</a:t>
+                      </a:r>
+                      <a:endParaRPr lang="en-US" sz="1100" b="0" i="0" u="none" strike="noStrike" dirty="0">
+                        <a:solidFill>
+                          <a:srgbClr val="000000"/>
+                        </a:solidFill>
+                        <a:effectLst/>
+                        <a:latin typeface="Calibri" panose="020F0502020204030204" pitchFamily="34" charset="0"/>
+                      </a:endParaRPr>
+                    </a:p>
+                  </a:txBody>
+                  <a:tcPr marL="7620" marR="7620" marT="7620" marB="0" anchor="b"/>
+                </a:tc>
+                <a:tc>
+                  <a:txBody>
+                    <a:bodyPr/>
+                    <a:lstStyle/>
+                    <a:p>
+                      <a:pPr algn="l" fontAlgn="b"/>
+                      <a:r>
+                        <a:rPr lang="en-US" sz="1100" b="0" i="0" u="none" strike="noStrike" dirty="0" smtClean="0">
+                          <a:solidFill>
+                            <a:srgbClr val="000000"/>
+                          </a:solidFill>
+                          <a:effectLst/>
+                          <a:latin typeface="Calibri" panose="020F0502020204030204" pitchFamily="34" charset="0"/>
+                        </a:rPr>
+                        <a:t>Cancer</a:t>
+                      </a:r>
+                      <a:r>
+                        <a:rPr lang="en-US" sz="1100" b="0" i="0" u="none" strike="noStrike" baseline="0" dirty="0" smtClean="0">
+                          <a:solidFill>
+                            <a:srgbClr val="000000"/>
+                          </a:solidFill>
+                          <a:effectLst/>
+                          <a:latin typeface="Calibri" panose="020F0502020204030204" pitchFamily="34" charset="0"/>
+                        </a:rPr>
+                        <a:t> Center</a:t>
+                      </a:r>
+                      <a:endParaRPr lang="en-US" sz="1100" b="0" i="0" u="none" strike="noStrike" dirty="0">
+                        <a:solidFill>
+                          <a:srgbClr val="000000"/>
+                        </a:solidFill>
+                        <a:effectLst/>
+                        <a:latin typeface="Calibri" panose="020F0502020204030204" pitchFamily="34" charset="0"/>
+                      </a:endParaRPr>
+                    </a:p>
+                  </a:txBody>
+                  <a:tcPr marL="7620" marR="7620" marT="7620" marB="0" anchor="b"/>
+                </a:tc>
+                <a:extLst>
+                  <a:ext uri="{0D108BD9-81ED-4DB2-BD59-A6C34878D82A}">
+                    <a16:rowId xmlns:a16="http://schemas.microsoft.com/office/drawing/2014/main" val="2906176452"/>
+                  </a:ext>
+                </a:extLst>
+              </a:tr>
+              <a:tr h="353296">
+                <a:tc>
+                  <a:txBody>
+                    <a:bodyPr/>
+                    <a:lstStyle/>
+                    <a:p>
+                      <a:pPr algn="l" fontAlgn="b"/>
+                      <a:r>
+                        <a:rPr lang="en-US" sz="1100" b="0" i="0" u="none" strike="noStrike" kern="1200" dirty="0" err="1" smtClean="0">
+                          <a:solidFill>
+                            <a:srgbClr val="000000"/>
+                          </a:solidFill>
+                          <a:effectLst/>
+                          <a:latin typeface="Calibri" panose="020F0502020204030204" pitchFamily="34" charset="0"/>
+                          <a:ea typeface="+mn-ea"/>
+                          <a:cs typeface="+mn-cs"/>
+                        </a:rPr>
+                        <a:t>Moberg</a:t>
+                      </a:r>
+                      <a:r>
+                        <a:rPr lang="en-US" sz="1100" b="0" i="0" u="none" strike="noStrike" kern="1200" dirty="0" smtClean="0">
+                          <a:solidFill>
+                            <a:srgbClr val="000000"/>
+                          </a:solidFill>
+                          <a:effectLst/>
+                          <a:latin typeface="Calibri" panose="020F0502020204030204" pitchFamily="34" charset="0"/>
+                          <a:ea typeface="+mn-ea"/>
+                          <a:cs typeface="+mn-cs"/>
+                        </a:rPr>
+                        <a:t> Advancement Flap for Soft-Tissue Loss of the Thumb</a:t>
+                      </a:r>
+                      <a:endParaRPr lang="en-US" sz="1100" b="0" i="0" u="none" strike="noStrike" kern="1200" dirty="0">
+                        <a:solidFill>
+                          <a:srgbClr val="000000"/>
+                        </a:solidFill>
+                        <a:effectLst/>
+                        <a:latin typeface="Calibri" panose="020F0502020204030204" pitchFamily="34" charset="0"/>
+                        <a:ea typeface="+mn-ea"/>
+                        <a:cs typeface="+mn-cs"/>
+                      </a:endParaRPr>
+                    </a:p>
+                  </a:txBody>
+                  <a:tcPr marL="7620" marR="7620" marT="7620" marB="0" anchor="b"/>
+                </a:tc>
+                <a:tc>
+                  <a:txBody>
+                    <a:bodyPr/>
+                    <a:lstStyle/>
+                    <a:p>
+                      <a:pPr algn="l" fontAlgn="b"/>
+                      <a:r>
+                        <a:rPr lang="en-US" sz="1100" b="0" i="0" u="none" strike="noStrike" dirty="0" smtClean="0">
+                          <a:solidFill>
+                            <a:srgbClr val="000000"/>
+                          </a:solidFill>
+                          <a:effectLst/>
+                          <a:latin typeface="Calibri" panose="020F0502020204030204" pitchFamily="34" charset="0"/>
+                        </a:rPr>
+                        <a:t>T. Lehman</a:t>
+                      </a:r>
+                      <a:endParaRPr lang="en-US" sz="1100" b="0" i="0" u="none" strike="noStrike" dirty="0">
+                        <a:solidFill>
+                          <a:srgbClr val="000000"/>
+                        </a:solidFill>
+                        <a:effectLst/>
+                        <a:latin typeface="Calibri" panose="020F0502020204030204" pitchFamily="34" charset="0"/>
+                      </a:endParaRPr>
+                    </a:p>
+                  </a:txBody>
+                  <a:tcPr marL="7620" marR="7620" marT="7620" marB="0" anchor="b"/>
+                </a:tc>
+                <a:tc>
+                  <a:txBody>
+                    <a:bodyPr/>
+                    <a:lstStyle/>
+                    <a:p>
+                      <a:pPr algn="l" fontAlgn="b"/>
+                      <a:r>
+                        <a:rPr lang="en-US" sz="1100" b="0" i="0" u="none" strike="noStrike" dirty="0" smtClean="0">
+                          <a:solidFill>
+                            <a:srgbClr val="000000"/>
+                          </a:solidFill>
+                          <a:effectLst/>
+                          <a:latin typeface="Calibri" panose="020F0502020204030204" pitchFamily="34" charset="0"/>
+                        </a:rPr>
+                        <a:t>Orthopedics</a:t>
+                      </a:r>
+                      <a:endParaRPr lang="en-US" sz="1100" b="0" i="0" u="none" strike="noStrike" dirty="0">
+                        <a:solidFill>
+                          <a:srgbClr val="000000"/>
+                        </a:solidFill>
+                        <a:effectLst/>
+                        <a:latin typeface="Calibri" panose="020F0502020204030204" pitchFamily="34" charset="0"/>
+                      </a:endParaRPr>
+                    </a:p>
+                  </a:txBody>
+                  <a:tcPr marL="7620" marR="7620" marT="7620" marB="0" anchor="b"/>
+                </a:tc>
+                <a:extLst>
+                  <a:ext uri="{0D108BD9-81ED-4DB2-BD59-A6C34878D82A}">
+                    <a16:rowId xmlns:a16="http://schemas.microsoft.com/office/drawing/2014/main" val="3562986470"/>
+                  </a:ext>
+                </a:extLst>
+              </a:tr>
+              <a:tr h="239252">
+                <a:tc>
+                  <a:txBody>
+                    <a:bodyPr/>
+                    <a:lstStyle/>
+                    <a:p>
+                      <a:pPr algn="l" fontAlgn="b"/>
+                      <a:r>
+                        <a:rPr lang="en-US" sz="1100" b="0" i="0" u="none" strike="noStrike" kern="1200" dirty="0" smtClean="0">
+                          <a:solidFill>
+                            <a:srgbClr val="000000"/>
+                          </a:solidFill>
+                          <a:effectLst/>
+                          <a:latin typeface="Calibri" panose="020F0502020204030204" pitchFamily="34" charset="0"/>
+                          <a:ea typeface="+mn-ea"/>
+                          <a:cs typeface="+mn-cs"/>
+                        </a:rPr>
+                        <a:t>Reduce Postoperative Hemorrhage</a:t>
+                      </a:r>
+                      <a:endParaRPr lang="en-US" sz="1100" b="0" i="0" u="none" strike="noStrike" kern="1200" dirty="0">
+                        <a:solidFill>
+                          <a:srgbClr val="000000"/>
+                        </a:solidFill>
+                        <a:effectLst/>
+                        <a:latin typeface="Calibri" panose="020F0502020204030204" pitchFamily="34" charset="0"/>
+                        <a:ea typeface="+mn-ea"/>
+                        <a:cs typeface="+mn-cs"/>
+                      </a:endParaRPr>
+                    </a:p>
+                  </a:txBody>
+                  <a:tcPr marL="7620" marR="7620" marT="7620" marB="0" anchor="b"/>
+                </a:tc>
+                <a:tc>
+                  <a:txBody>
+                    <a:bodyPr/>
+                    <a:lstStyle/>
+                    <a:p>
+                      <a:pPr algn="l" fontAlgn="b"/>
+                      <a:r>
+                        <a:rPr lang="en-US" sz="1100" b="0" i="0" u="none" strike="noStrike" dirty="0" smtClean="0">
+                          <a:solidFill>
+                            <a:srgbClr val="000000"/>
+                          </a:solidFill>
+                          <a:effectLst/>
+                          <a:latin typeface="Calibri" panose="020F0502020204030204" pitchFamily="34" charset="0"/>
+                        </a:rPr>
+                        <a:t>J. </a:t>
+                      </a:r>
+                      <a:r>
+                        <a:rPr lang="en-US" sz="1100" b="0" i="0" u="none" strike="noStrike" dirty="0" err="1" smtClean="0">
+                          <a:solidFill>
+                            <a:srgbClr val="000000"/>
+                          </a:solidFill>
+                          <a:effectLst/>
+                          <a:latin typeface="Calibri" panose="020F0502020204030204" pitchFamily="34" charset="0"/>
+                        </a:rPr>
+                        <a:t>Sanclement</a:t>
+                      </a:r>
+                      <a:endParaRPr lang="en-US" sz="1100" b="0" i="0" u="none" strike="noStrike" dirty="0">
+                        <a:solidFill>
+                          <a:srgbClr val="000000"/>
+                        </a:solidFill>
+                        <a:effectLst/>
+                        <a:latin typeface="Calibri" panose="020F0502020204030204" pitchFamily="34" charset="0"/>
+                      </a:endParaRPr>
+                    </a:p>
+                  </a:txBody>
+                  <a:tcPr marL="7620" marR="7620" marT="7620" marB="0" anchor="b"/>
+                </a:tc>
+                <a:tc>
+                  <a:txBody>
+                    <a:bodyPr/>
+                    <a:lstStyle/>
+                    <a:p>
+                      <a:pPr algn="l" fontAlgn="b"/>
+                      <a:r>
+                        <a:rPr lang="en-US" sz="1100" b="0" i="0" u="none" strike="noStrike" dirty="0" smtClean="0">
+                          <a:solidFill>
+                            <a:srgbClr val="000000"/>
+                          </a:solidFill>
+                          <a:effectLst/>
+                          <a:latin typeface="Calibri" panose="020F0502020204030204" pitchFamily="34" charset="0"/>
+                        </a:rPr>
+                        <a:t>ORL</a:t>
+                      </a:r>
+                      <a:endParaRPr lang="en-US" sz="1100" b="0" i="0" u="none" strike="noStrike" dirty="0">
+                        <a:solidFill>
+                          <a:srgbClr val="000000"/>
+                        </a:solidFill>
+                        <a:effectLst/>
+                        <a:latin typeface="Calibri" panose="020F0502020204030204" pitchFamily="34" charset="0"/>
+                      </a:endParaRPr>
+                    </a:p>
+                  </a:txBody>
+                  <a:tcPr marL="7620" marR="7620" marT="7620" marB="0" anchor="b"/>
+                </a:tc>
+                <a:extLst>
+                  <a:ext uri="{0D108BD9-81ED-4DB2-BD59-A6C34878D82A}">
+                    <a16:rowId xmlns:a16="http://schemas.microsoft.com/office/drawing/2014/main" val="1671168545"/>
+                  </a:ext>
+                </a:extLst>
+              </a:tr>
+              <a:tr h="239252">
+                <a:tc>
+                  <a:txBody>
+                    <a:bodyPr/>
+                    <a:lstStyle/>
+                    <a:p>
+                      <a:pPr algn="l" fontAlgn="b"/>
+                      <a:r>
+                        <a:rPr lang="en-US" sz="1100" b="0" i="0" u="none" strike="noStrike" kern="1200" dirty="0" smtClean="0">
+                          <a:solidFill>
+                            <a:srgbClr val="000000"/>
+                          </a:solidFill>
+                          <a:effectLst/>
+                          <a:latin typeface="Calibri" panose="020F0502020204030204" pitchFamily="34" charset="0"/>
+                          <a:ea typeface="+mn-ea"/>
+                          <a:cs typeface="+mn-cs"/>
+                        </a:rPr>
+                        <a:t>Anti-Incontinence Procedures</a:t>
+                      </a:r>
+                      <a:endParaRPr lang="en-US" sz="1100" b="0" i="0" u="none" strike="noStrike" kern="1200" dirty="0">
+                        <a:solidFill>
+                          <a:srgbClr val="000000"/>
+                        </a:solidFill>
+                        <a:effectLst/>
+                        <a:latin typeface="Calibri" panose="020F0502020204030204" pitchFamily="34" charset="0"/>
+                        <a:ea typeface="+mn-ea"/>
+                        <a:cs typeface="+mn-cs"/>
+                      </a:endParaRPr>
+                    </a:p>
+                  </a:txBody>
+                  <a:tcPr marL="7620" marR="7620" marT="7620" marB="0" anchor="b"/>
+                </a:tc>
+                <a:tc>
+                  <a:txBody>
+                    <a:bodyPr/>
+                    <a:lstStyle/>
+                    <a:p>
+                      <a:pPr algn="l" fontAlgn="b"/>
+                      <a:r>
+                        <a:rPr lang="en-US" sz="1100" b="0" i="0" u="none" strike="noStrike" dirty="0" smtClean="0">
+                          <a:solidFill>
+                            <a:srgbClr val="000000"/>
+                          </a:solidFill>
+                          <a:effectLst/>
+                          <a:latin typeface="Calibri" panose="020F0502020204030204" pitchFamily="34" charset="0"/>
+                        </a:rPr>
+                        <a:t>J. </a:t>
+                      </a:r>
+                      <a:r>
+                        <a:rPr lang="en-US" sz="1100" b="0" i="0" u="none" strike="noStrike" dirty="0" err="1" smtClean="0">
+                          <a:solidFill>
+                            <a:srgbClr val="000000"/>
+                          </a:solidFill>
+                          <a:effectLst/>
+                          <a:latin typeface="Calibri" panose="020F0502020204030204" pitchFamily="34" charset="0"/>
+                        </a:rPr>
+                        <a:t>Furr</a:t>
+                      </a:r>
+                      <a:endParaRPr lang="en-US" sz="1100" b="0" i="0" u="none" strike="noStrike" dirty="0">
+                        <a:solidFill>
+                          <a:srgbClr val="000000"/>
+                        </a:solidFill>
+                        <a:effectLst/>
+                        <a:latin typeface="Calibri" panose="020F0502020204030204" pitchFamily="34" charset="0"/>
+                      </a:endParaRPr>
+                    </a:p>
+                  </a:txBody>
+                  <a:tcPr marL="7620" marR="7620" marT="7620" marB="0" anchor="b"/>
+                </a:tc>
+                <a:tc>
+                  <a:txBody>
+                    <a:bodyPr/>
+                    <a:lstStyle/>
+                    <a:p>
+                      <a:pPr algn="l" fontAlgn="b"/>
+                      <a:r>
+                        <a:rPr lang="en-US" sz="1100" b="0" i="0" u="none" strike="noStrike" dirty="0" smtClean="0">
+                          <a:solidFill>
+                            <a:srgbClr val="000000"/>
+                          </a:solidFill>
+                          <a:effectLst/>
+                          <a:latin typeface="Calibri" panose="020F0502020204030204" pitchFamily="34" charset="0"/>
+                        </a:rPr>
+                        <a:t>Urology</a:t>
+                      </a:r>
+                      <a:endParaRPr lang="en-US" sz="1100" b="0" i="0" u="none" strike="noStrike" dirty="0">
+                        <a:solidFill>
+                          <a:srgbClr val="000000"/>
+                        </a:solidFill>
+                        <a:effectLst/>
+                        <a:latin typeface="Calibri" panose="020F0502020204030204" pitchFamily="34" charset="0"/>
+                      </a:endParaRPr>
+                    </a:p>
+                  </a:txBody>
+                  <a:tcPr marL="7620" marR="7620" marT="7620" marB="0" anchor="b"/>
+                </a:tc>
+                <a:extLst>
+                  <a:ext uri="{0D108BD9-81ED-4DB2-BD59-A6C34878D82A}">
+                    <a16:rowId xmlns:a16="http://schemas.microsoft.com/office/drawing/2014/main" val="2432487341"/>
+                  </a:ext>
+                </a:extLst>
+              </a:tr>
+              <a:tr h="239252">
+                <a:tc>
+                  <a:txBody>
+                    <a:bodyPr/>
+                    <a:lstStyle/>
+                    <a:p>
+                      <a:pPr algn="l" fontAlgn="b"/>
+                      <a:r>
+                        <a:rPr lang="en-US" sz="1100" b="0" i="0" u="none" strike="noStrike" kern="1200" dirty="0" smtClean="0">
+                          <a:solidFill>
+                            <a:srgbClr val="000000"/>
+                          </a:solidFill>
+                          <a:effectLst/>
+                          <a:latin typeface="Calibri" panose="020F0502020204030204" pitchFamily="34" charset="0"/>
+                          <a:ea typeface="+mn-ea"/>
+                          <a:cs typeface="+mn-cs"/>
+                        </a:rPr>
+                        <a:t>Acute Anosmia in Patients with COVID-19</a:t>
+                      </a:r>
+                      <a:endParaRPr lang="en-US" sz="1100" b="0" i="0" u="none" strike="noStrike" kern="1200" dirty="0">
+                        <a:solidFill>
+                          <a:srgbClr val="000000"/>
+                        </a:solidFill>
+                        <a:effectLst/>
+                        <a:latin typeface="Calibri" panose="020F0502020204030204" pitchFamily="34" charset="0"/>
+                        <a:ea typeface="+mn-ea"/>
+                        <a:cs typeface="+mn-cs"/>
+                      </a:endParaRPr>
+                    </a:p>
+                  </a:txBody>
+                  <a:tcPr marL="7620" marR="7620" marT="7620" marB="0" anchor="b"/>
+                </a:tc>
+                <a:tc>
+                  <a:txBody>
+                    <a:bodyPr/>
+                    <a:lstStyle/>
+                    <a:p>
+                      <a:pPr algn="l" fontAlgn="b"/>
+                      <a:r>
+                        <a:rPr lang="en-US" sz="1100" b="0" i="0" u="none" strike="noStrike" dirty="0" smtClean="0">
+                          <a:solidFill>
+                            <a:srgbClr val="000000"/>
+                          </a:solidFill>
+                          <a:effectLst/>
+                          <a:latin typeface="Calibri" panose="020F0502020204030204" pitchFamily="34" charset="0"/>
+                        </a:rPr>
+                        <a:t>G. </a:t>
+                      </a:r>
+                      <a:r>
+                        <a:rPr lang="en-US" sz="1100" b="0" i="0" u="none" strike="noStrike" dirty="0" err="1" smtClean="0">
+                          <a:solidFill>
+                            <a:srgbClr val="000000"/>
+                          </a:solidFill>
+                          <a:effectLst/>
+                          <a:latin typeface="Calibri" panose="020F0502020204030204" pitchFamily="34" charset="0"/>
+                        </a:rPr>
+                        <a:t>Krempl</a:t>
+                      </a:r>
+                      <a:endParaRPr lang="en-US" sz="1100" b="0" i="0" u="none" strike="noStrike" dirty="0">
+                        <a:solidFill>
+                          <a:srgbClr val="000000"/>
+                        </a:solidFill>
+                        <a:effectLst/>
+                        <a:latin typeface="Calibri" panose="020F0502020204030204" pitchFamily="34" charset="0"/>
+                      </a:endParaRPr>
+                    </a:p>
+                  </a:txBody>
+                  <a:tcPr marL="7620" marR="7620" marT="7620" marB="0" anchor="b"/>
+                </a:tc>
+                <a:tc>
+                  <a:txBody>
+                    <a:bodyPr/>
+                    <a:lstStyle/>
+                    <a:p>
+                      <a:pPr algn="l" fontAlgn="b"/>
+                      <a:r>
+                        <a:rPr lang="en-US" sz="1100" b="0" i="0" u="none" strike="noStrike" dirty="0" smtClean="0">
+                          <a:solidFill>
+                            <a:srgbClr val="000000"/>
+                          </a:solidFill>
+                          <a:effectLst/>
+                          <a:latin typeface="Calibri" panose="020F0502020204030204" pitchFamily="34" charset="0"/>
+                        </a:rPr>
+                        <a:t>ORL</a:t>
+                      </a:r>
+                      <a:endParaRPr lang="en-US" sz="1100" b="0" i="0" u="none" strike="noStrike" dirty="0">
+                        <a:solidFill>
+                          <a:srgbClr val="000000"/>
+                        </a:solidFill>
+                        <a:effectLst/>
+                        <a:latin typeface="Calibri" panose="020F0502020204030204" pitchFamily="34" charset="0"/>
+                      </a:endParaRPr>
+                    </a:p>
+                  </a:txBody>
+                  <a:tcPr marL="7620" marR="7620" marT="7620" marB="0" anchor="b"/>
+                </a:tc>
+                <a:extLst>
+                  <a:ext uri="{0D108BD9-81ED-4DB2-BD59-A6C34878D82A}">
+                    <a16:rowId xmlns:a16="http://schemas.microsoft.com/office/drawing/2014/main" val="823347675"/>
+                  </a:ext>
+                </a:extLst>
+              </a:tr>
+              <a:tr h="239252">
+                <a:tc>
+                  <a:txBody>
+                    <a:bodyPr/>
+                    <a:lstStyle/>
+                    <a:p>
+                      <a:pPr algn="l" fontAlgn="b"/>
+                      <a:r>
+                        <a:rPr lang="en-US" sz="1100" b="0" i="0" u="none" strike="noStrike" kern="1200" dirty="0" smtClean="0">
+                          <a:solidFill>
+                            <a:srgbClr val="000000"/>
+                          </a:solidFill>
+                          <a:effectLst/>
+                          <a:latin typeface="Calibri" panose="020F0502020204030204" pitchFamily="34" charset="0"/>
+                          <a:ea typeface="+mn-ea"/>
+                          <a:cs typeface="+mn-cs"/>
+                        </a:rPr>
+                        <a:t>Cervical </a:t>
+                      </a:r>
+                      <a:r>
+                        <a:rPr lang="en-US" sz="1100" b="0" i="0" u="none" strike="noStrike" kern="1200" dirty="0" err="1" smtClean="0">
+                          <a:solidFill>
+                            <a:srgbClr val="000000"/>
+                          </a:solidFill>
+                          <a:effectLst/>
+                          <a:latin typeface="Calibri" panose="020F0502020204030204" pitchFamily="34" charset="0"/>
+                          <a:ea typeface="+mn-ea"/>
+                          <a:cs typeface="+mn-cs"/>
+                        </a:rPr>
+                        <a:t>Spondylotic</a:t>
+                      </a:r>
+                      <a:r>
+                        <a:rPr lang="en-US" sz="1100" b="0" i="0" u="none" strike="noStrike" kern="1200" dirty="0" smtClean="0">
+                          <a:solidFill>
+                            <a:srgbClr val="000000"/>
+                          </a:solidFill>
+                          <a:effectLst/>
+                          <a:latin typeface="Calibri" panose="020F0502020204030204" pitchFamily="34" charset="0"/>
+                          <a:ea typeface="+mn-ea"/>
+                          <a:cs typeface="+mn-cs"/>
+                        </a:rPr>
+                        <a:t> Myelopathy (CSM)</a:t>
+                      </a:r>
+                      <a:endParaRPr lang="en-US" sz="1100" b="0" i="0" u="none" strike="noStrike" kern="1200" dirty="0">
+                        <a:solidFill>
+                          <a:srgbClr val="000000"/>
+                        </a:solidFill>
+                        <a:effectLst/>
+                        <a:latin typeface="Calibri" panose="020F0502020204030204" pitchFamily="34" charset="0"/>
+                        <a:ea typeface="+mn-ea"/>
+                        <a:cs typeface="+mn-cs"/>
+                      </a:endParaRPr>
+                    </a:p>
+                  </a:txBody>
+                  <a:tcPr marL="7620" marR="7620" marT="7620" marB="0" anchor="b"/>
+                </a:tc>
+                <a:tc>
+                  <a:txBody>
+                    <a:bodyPr/>
+                    <a:lstStyle/>
+                    <a:p>
+                      <a:pPr algn="l" fontAlgn="b"/>
+                      <a:r>
+                        <a:rPr lang="en-US" sz="1100" b="0" i="0" u="none" strike="noStrike" dirty="0" smtClean="0">
+                          <a:solidFill>
+                            <a:srgbClr val="000000"/>
+                          </a:solidFill>
+                          <a:effectLst/>
+                          <a:latin typeface="Calibri" panose="020F0502020204030204" pitchFamily="34" charset="0"/>
+                        </a:rPr>
+                        <a:t>Z. Smith</a:t>
+                      </a:r>
+                      <a:endParaRPr lang="en-US" sz="1100" b="0" i="0" u="none" strike="noStrike" dirty="0">
+                        <a:solidFill>
+                          <a:srgbClr val="000000"/>
+                        </a:solidFill>
+                        <a:effectLst/>
+                        <a:latin typeface="Calibri" panose="020F0502020204030204" pitchFamily="34" charset="0"/>
+                      </a:endParaRPr>
+                    </a:p>
+                  </a:txBody>
+                  <a:tcPr marL="7620" marR="7620" marT="7620" marB="0" anchor="b"/>
+                </a:tc>
+                <a:tc>
+                  <a:txBody>
+                    <a:bodyPr/>
+                    <a:lstStyle/>
+                    <a:p>
+                      <a:pPr algn="l" fontAlgn="b"/>
+                      <a:r>
+                        <a:rPr lang="en-US" sz="1100" b="0" i="0" u="none" strike="noStrike" dirty="0" smtClean="0">
+                          <a:solidFill>
+                            <a:srgbClr val="000000"/>
+                          </a:solidFill>
+                          <a:effectLst/>
+                          <a:latin typeface="Calibri" panose="020F0502020204030204" pitchFamily="34" charset="0"/>
+                        </a:rPr>
+                        <a:t>Neurosurgery</a:t>
+                      </a:r>
+                      <a:endParaRPr lang="en-US" sz="1100" b="0" i="0" u="none" strike="noStrike" dirty="0">
+                        <a:solidFill>
+                          <a:srgbClr val="000000"/>
+                        </a:solidFill>
+                        <a:effectLst/>
+                        <a:latin typeface="Calibri" panose="020F0502020204030204" pitchFamily="34" charset="0"/>
+                      </a:endParaRPr>
+                    </a:p>
+                  </a:txBody>
+                  <a:tcPr marL="7620" marR="7620" marT="7620" marB="0" anchor="b"/>
+                </a:tc>
+                <a:extLst>
+                  <a:ext uri="{0D108BD9-81ED-4DB2-BD59-A6C34878D82A}">
+                    <a16:rowId xmlns:a16="http://schemas.microsoft.com/office/drawing/2014/main" val="3888237083"/>
+                  </a:ext>
+                </a:extLst>
+              </a:tr>
+              <a:tr h="353296">
+                <a:tc>
+                  <a:txBody>
+                    <a:bodyPr/>
+                    <a:lstStyle/>
+                    <a:p>
+                      <a:pPr algn="l" fontAlgn="b"/>
+                      <a:r>
+                        <a:rPr lang="en-US" sz="1100" b="0" i="0" u="none" strike="noStrike" kern="1200" dirty="0" err="1" smtClean="0">
+                          <a:solidFill>
+                            <a:srgbClr val="000000"/>
+                          </a:solidFill>
+                          <a:effectLst/>
+                          <a:latin typeface="Calibri" panose="020F0502020204030204" pitchFamily="34" charset="0"/>
+                          <a:ea typeface="+mn-ea"/>
+                          <a:cs typeface="+mn-cs"/>
+                        </a:rPr>
+                        <a:t>Sellar</a:t>
+                      </a:r>
+                      <a:r>
+                        <a:rPr lang="en-US" sz="1100" b="0" i="0" u="none" strike="noStrike" kern="1200" dirty="0" smtClean="0">
+                          <a:solidFill>
+                            <a:srgbClr val="000000"/>
+                          </a:solidFill>
+                          <a:effectLst/>
+                          <a:latin typeface="Calibri" panose="020F0502020204030204" pitchFamily="34" charset="0"/>
+                          <a:ea typeface="+mn-ea"/>
+                          <a:cs typeface="+mn-cs"/>
+                        </a:rPr>
+                        <a:t> and </a:t>
+                      </a:r>
+                      <a:r>
+                        <a:rPr lang="en-US" sz="1100" b="0" i="0" u="none" strike="noStrike" kern="1200" dirty="0" err="1" smtClean="0">
+                          <a:solidFill>
+                            <a:srgbClr val="000000"/>
+                          </a:solidFill>
+                          <a:effectLst/>
+                          <a:latin typeface="Calibri" panose="020F0502020204030204" pitchFamily="34" charset="0"/>
+                          <a:ea typeface="+mn-ea"/>
+                          <a:cs typeface="+mn-cs"/>
+                        </a:rPr>
+                        <a:t>Parasellar</a:t>
+                      </a:r>
+                      <a:r>
+                        <a:rPr lang="en-US" sz="1100" b="0" i="0" u="none" strike="noStrike" kern="1200" dirty="0" smtClean="0">
+                          <a:solidFill>
+                            <a:srgbClr val="000000"/>
+                          </a:solidFill>
+                          <a:effectLst/>
+                          <a:latin typeface="Calibri" panose="020F0502020204030204" pitchFamily="34" charset="0"/>
+                          <a:ea typeface="+mn-ea"/>
+                          <a:cs typeface="+mn-cs"/>
+                        </a:rPr>
+                        <a:t> Tumors</a:t>
+                      </a:r>
+                      <a:endParaRPr lang="en-US" sz="1100" b="0" i="0" u="none" strike="noStrike" kern="1200" dirty="0">
+                        <a:solidFill>
+                          <a:srgbClr val="000000"/>
+                        </a:solidFill>
+                        <a:effectLst/>
+                        <a:latin typeface="Calibri" panose="020F0502020204030204" pitchFamily="34" charset="0"/>
+                        <a:ea typeface="+mn-ea"/>
+                        <a:cs typeface="+mn-cs"/>
+                      </a:endParaRPr>
+                    </a:p>
+                  </a:txBody>
+                  <a:tcPr marL="7620" marR="7620" marT="7620" marB="0" anchor="b"/>
+                </a:tc>
+                <a:tc>
+                  <a:txBody>
+                    <a:bodyPr/>
+                    <a:lstStyle/>
+                    <a:p>
+                      <a:pPr algn="l" fontAlgn="b"/>
+                      <a:r>
+                        <a:rPr lang="en-US" sz="1100" b="0" i="0" u="none" strike="noStrike" dirty="0" smtClean="0">
+                          <a:solidFill>
+                            <a:srgbClr val="000000"/>
+                          </a:solidFill>
+                          <a:effectLst/>
+                          <a:latin typeface="Calibri" panose="020F0502020204030204" pitchFamily="34" charset="0"/>
+                        </a:rPr>
+                        <a:t>I. Dunn</a:t>
+                      </a:r>
+                      <a:endParaRPr lang="en-US" sz="1100" b="0" i="0" u="none" strike="noStrike" dirty="0">
+                        <a:solidFill>
+                          <a:srgbClr val="000000"/>
+                        </a:solidFill>
+                        <a:effectLst/>
+                        <a:latin typeface="Calibri" panose="020F0502020204030204" pitchFamily="34" charset="0"/>
+                      </a:endParaRPr>
+                    </a:p>
+                  </a:txBody>
+                  <a:tcPr marL="7620" marR="7620" marT="7620" marB="0" anchor="b"/>
+                </a:tc>
+                <a:tc>
+                  <a:txBody>
+                    <a:bodyPr/>
+                    <a:lstStyle/>
+                    <a:p>
+                      <a:pPr marL="0" marR="0" lvl="0" indent="0" algn="l" defTabSz="914400" rtl="0" eaLnBrk="1" fontAlgn="b" latinLnBrk="0" hangingPunct="1">
+                        <a:lnSpc>
+                          <a:spcPct val="100000"/>
+                        </a:lnSpc>
+                        <a:spcBef>
+                          <a:spcPts val="0"/>
+                        </a:spcBef>
+                        <a:spcAft>
+                          <a:spcPts val="0"/>
+                        </a:spcAft>
+                        <a:buClrTx/>
+                        <a:buSzTx/>
+                        <a:buFontTx/>
+                        <a:buNone/>
+                        <a:tabLst/>
+                        <a:defRPr/>
+                      </a:pPr>
+                      <a:r>
+                        <a:rPr lang="en-US" sz="1100" b="0" i="0" u="none" strike="noStrike" dirty="0" smtClean="0">
+                          <a:solidFill>
+                            <a:srgbClr val="000000"/>
+                          </a:solidFill>
+                          <a:effectLst/>
+                          <a:latin typeface="Calibri" panose="020F0502020204030204" pitchFamily="34" charset="0"/>
+                        </a:rPr>
+                        <a:t>Neurosurgery</a:t>
+                      </a:r>
+                    </a:p>
+                    <a:p>
+                      <a:pPr algn="l" fontAlgn="b"/>
+                      <a:endParaRPr lang="en-US" sz="1100" b="0" i="0" u="none" strike="noStrike" dirty="0">
+                        <a:solidFill>
+                          <a:srgbClr val="000000"/>
+                        </a:solidFill>
+                        <a:effectLst/>
+                        <a:latin typeface="Calibri" panose="020F0502020204030204" pitchFamily="34" charset="0"/>
+                      </a:endParaRPr>
+                    </a:p>
+                  </a:txBody>
+                  <a:tcPr marL="7620" marR="7620" marT="7620" marB="0" anchor="b"/>
+                </a:tc>
+                <a:extLst>
+                  <a:ext uri="{0D108BD9-81ED-4DB2-BD59-A6C34878D82A}">
+                    <a16:rowId xmlns:a16="http://schemas.microsoft.com/office/drawing/2014/main" val="1186328292"/>
+                  </a:ext>
+                </a:extLst>
+              </a:tr>
+            </a:tbl>
+          </a:graphicData>
+        </a:graphic>
+      </p:graphicFrame>
+      <p:graphicFrame>
+        <p:nvGraphicFramePr>
+          <p:cNvPr id="6" name="Table 5"/>
+          <p:cNvGraphicFramePr>
+            <a:graphicFrameLocks noGrp="1"/>
+          </p:cNvGraphicFramePr>
+          <p:nvPr>
+            <p:extLst>
+              <p:ext uri="{D42A27DB-BD31-4B8C-83A1-F6EECF244321}">
+                <p14:modId xmlns:p14="http://schemas.microsoft.com/office/powerpoint/2010/main" val="2429969660"/>
+              </p:ext>
+            </p:extLst>
+          </p:nvPr>
+        </p:nvGraphicFramePr>
+        <p:xfrm>
+          <a:off x="6326335" y="1345921"/>
+          <a:ext cx="5373220" cy="4842741"/>
         </p:xfrm>
         <a:graphic>
           <a:graphicData uri="http://schemas.openxmlformats.org/drawingml/2006/table">
@@ -9388,26 +13250,26 @@
                 <a:gridCol w="3021582">
                   <a:extLst>
                     <a:ext uri="{9D8B030D-6E8A-4147-A177-3AD203B41FA5}">
-                      <a16:colId xmlns="" xmlns:a16="http://schemas.microsoft.com/office/drawing/2014/main" val="1356431335"/>
+                      <a16:colId xmlns:a16="http://schemas.microsoft.com/office/drawing/2014/main" val="1356431335"/>
                     </a:ext>
                   </a:extLst>
                 </a:gridCol>
                 <a:gridCol w="1175819">
                   <a:extLst>
                     <a:ext uri="{9D8B030D-6E8A-4147-A177-3AD203B41FA5}">
-                      <a16:colId xmlns="" xmlns:a16="http://schemas.microsoft.com/office/drawing/2014/main" val="4074852346"/>
+                      <a16:colId xmlns:a16="http://schemas.microsoft.com/office/drawing/2014/main" val="4074852346"/>
                     </a:ext>
                   </a:extLst>
                 </a:gridCol>
                 <a:gridCol w="1175819">
                   <a:extLst>
                     <a:ext uri="{9D8B030D-6E8A-4147-A177-3AD203B41FA5}">
-                      <a16:colId xmlns="" xmlns:a16="http://schemas.microsoft.com/office/drawing/2014/main" val="715510892"/>
+                      <a16:colId xmlns:a16="http://schemas.microsoft.com/office/drawing/2014/main" val="715510892"/>
                     </a:ext>
                   </a:extLst>
                 </a:gridCol>
               </a:tblGrid>
-              <a:tr h="232212">
+              <a:tr h="252469">
                 <a:tc>
                   <a:txBody>
                     <a:bodyPr/>
@@ -9479,80 +13341,84 @@
                 </a:tc>
                 <a:extLst>
                   <a:ext uri="{0D108BD9-81ED-4DB2-BD59-A6C34878D82A}">
-                    <a16:rowId xmlns="" xmlns:a16="http://schemas.microsoft.com/office/drawing/2014/main" val="1236399335"/>
+                    <a16:rowId xmlns:a16="http://schemas.microsoft.com/office/drawing/2014/main" val="1236399335"/>
                   </a:ext>
                 </a:extLst>
               </a:tr>
-              <a:tr h="232212">
-                <a:tc>
-                  <a:txBody>
-                    <a:bodyPr/>
-                    <a:lstStyle/>
-                    <a:p>
-                      <a:pPr algn="l" fontAlgn="b"/>
-                      <a:r>
-                        <a:rPr lang="en-US" sz="1100" b="0" i="0" u="none" strike="noStrike" dirty="0" smtClean="0">
-                          <a:solidFill>
-                            <a:srgbClr val="000000"/>
-                          </a:solidFill>
-                          <a:effectLst/>
-                          <a:latin typeface="Calibri" panose="020F0502020204030204" pitchFamily="34" charset="0"/>
-                        </a:rPr>
-                        <a:t>Radial Neck Fractures</a:t>
-                      </a:r>
-                      <a:endParaRPr lang="en-US" sz="1100" b="0" i="0" u="none" strike="noStrike" dirty="0">
-                        <a:solidFill>
-                          <a:srgbClr val="000000"/>
-                        </a:solidFill>
-                        <a:effectLst/>
-                        <a:latin typeface="Calibri" panose="020F0502020204030204" pitchFamily="34" charset="0"/>
-                      </a:endParaRPr>
-                    </a:p>
-                  </a:txBody>
-                  <a:tcPr marL="7620" marR="7620" marT="7620" marB="0" anchor="b"/>
-                </a:tc>
-                <a:tc>
-                  <a:txBody>
-                    <a:bodyPr/>
-                    <a:lstStyle/>
-                    <a:p>
-                      <a:pPr algn="l" fontAlgn="b"/>
-                      <a:r>
-                        <a:rPr lang="en-US" sz="1100" b="0" i="0" u="none" strike="noStrike" dirty="0" smtClean="0">
-                          <a:solidFill>
-                            <a:srgbClr val="000000"/>
-                          </a:solidFill>
-                          <a:effectLst/>
-                          <a:latin typeface="Calibri" panose="020F0502020204030204" pitchFamily="34" charset="0"/>
-                        </a:rPr>
-                        <a:t>TR Lewis</a:t>
-                      </a:r>
-                      <a:endParaRPr lang="en-US" sz="1100" b="0" i="0" u="none" strike="noStrike" dirty="0">
-                        <a:solidFill>
-                          <a:srgbClr val="000000"/>
-                        </a:solidFill>
-                        <a:effectLst/>
-                        <a:latin typeface="Calibri" panose="020F0502020204030204" pitchFamily="34" charset="0"/>
-                      </a:endParaRPr>
-                    </a:p>
-                  </a:txBody>
-                  <a:tcPr marL="7620" marR="7620" marT="7620" marB="0" anchor="b"/>
-                </a:tc>
-                <a:tc>
-                  <a:txBody>
-                    <a:bodyPr/>
-                    <a:lstStyle/>
-                    <a:p>
-                      <a:pPr algn="l" fontAlgn="b"/>
-                      <a:r>
-                        <a:rPr lang="en-US" sz="1100" b="0" i="0" u="none" strike="noStrike" dirty="0" smtClean="0">
-                          <a:solidFill>
-                            <a:srgbClr val="000000"/>
-                          </a:solidFill>
-                          <a:effectLst/>
-                          <a:latin typeface="Calibri" panose="020F0502020204030204" pitchFamily="34" charset="0"/>
-                        </a:rPr>
-                        <a:t>Orthopedics</a:t>
+              <a:tr h="252469">
+                <a:tc>
+                  <a:txBody>
+                    <a:bodyPr/>
+                    <a:lstStyle/>
+                    <a:p>
+                      <a:pPr algn="l" fontAlgn="b"/>
+                      <a:r>
+                        <a:rPr lang="en-US" sz="1100" b="0" i="0" u="none" strike="noStrike" kern="1200" dirty="0" smtClean="0">
+                          <a:solidFill>
+                            <a:srgbClr val="000000"/>
+                          </a:solidFill>
+                          <a:effectLst/>
+                          <a:latin typeface="Calibri" panose="020F0502020204030204" pitchFamily="34" charset="0"/>
+                          <a:ea typeface="+mn-ea"/>
+                          <a:cs typeface="+mn-cs"/>
+                        </a:rPr>
+                        <a:t>Detection and Management of Bladder Cancer</a:t>
+                      </a:r>
+                      <a:endParaRPr lang="en-US" sz="1100" b="0" i="0" u="none" strike="noStrike" kern="1200" dirty="0">
+                        <a:solidFill>
+                          <a:srgbClr val="000000"/>
+                        </a:solidFill>
+                        <a:effectLst/>
+                        <a:latin typeface="Calibri" panose="020F0502020204030204" pitchFamily="34" charset="0"/>
+                        <a:ea typeface="+mn-ea"/>
+                        <a:cs typeface="+mn-cs"/>
+                      </a:endParaRPr>
+                    </a:p>
+                  </a:txBody>
+                  <a:tcPr marL="7620" marR="7620" marT="7620" marB="0" anchor="b"/>
+                </a:tc>
+                <a:tc>
+                  <a:txBody>
+                    <a:bodyPr/>
+                    <a:lstStyle/>
+                    <a:p>
+                      <a:pPr algn="l" fontAlgn="b"/>
+                      <a:r>
+                        <a:rPr lang="en-US" sz="1100" b="0" i="0" u="none" strike="noStrike" dirty="0" smtClean="0">
+                          <a:solidFill>
+                            <a:srgbClr val="000000"/>
+                          </a:solidFill>
+                          <a:effectLst/>
+                          <a:latin typeface="Calibri" panose="020F0502020204030204" pitchFamily="34" charset="0"/>
+                        </a:rPr>
+                        <a:t>S. Patel</a:t>
+                      </a:r>
+                      <a:endParaRPr lang="en-US" sz="1100" b="0" i="0" u="none" strike="noStrike" dirty="0">
+                        <a:solidFill>
+                          <a:srgbClr val="000000"/>
+                        </a:solidFill>
+                        <a:effectLst/>
+                        <a:latin typeface="Calibri" panose="020F0502020204030204" pitchFamily="34" charset="0"/>
+                      </a:endParaRPr>
+                    </a:p>
+                  </a:txBody>
+                  <a:tcPr marL="7620" marR="7620" marT="7620" marB="0" anchor="b"/>
+                </a:tc>
+                <a:tc>
+                  <a:txBody>
+                    <a:bodyPr/>
+                    <a:lstStyle/>
+                    <a:p>
+                      <a:pPr algn="l" fontAlgn="b"/>
+                      <a:r>
+                        <a:rPr lang="en-US" sz="1100" b="0" i="0" u="none" strike="noStrike" dirty="0" smtClean="0">
+                          <a:solidFill>
+                            <a:srgbClr val="000000"/>
+                          </a:solidFill>
+                          <a:effectLst/>
+                          <a:latin typeface="Calibri" panose="020F0502020204030204" pitchFamily="34" charset="0"/>
+                        </a:rPr>
+                        <a:t>Urology</a:t>
                       </a:r>
                       <a:endParaRPr lang="en-US" sz="1100" b="0" i="0" u="none" strike="noStrike" dirty="0">
                         <a:solidFill>
@@ -9567,80 +13433,90 @@
                 </a:tc>
                 <a:extLst>
                   <a:ext uri="{0D108BD9-81ED-4DB2-BD59-A6C34878D82A}">
-                    <a16:rowId xmlns="" xmlns:a16="http://schemas.microsoft.com/office/drawing/2014/main" val="3548785687"/>
+                    <a16:rowId xmlns:a16="http://schemas.microsoft.com/office/drawing/2014/main" val="3548785687"/>
                   </a:ext>
                 </a:extLst>
               </a:tr>
-              <a:tr h="232212">
-                <a:tc>
-                  <a:txBody>
-                    <a:bodyPr/>
-                    <a:lstStyle/>
-                    <a:p>
-                      <a:pPr algn="l" fontAlgn="b"/>
-                      <a:r>
-                        <a:rPr lang="en-US" sz="1100" b="0" i="0" u="none" strike="noStrike" dirty="0" smtClean="0">
-                          <a:solidFill>
-                            <a:srgbClr val="000000"/>
-                          </a:solidFill>
-                          <a:effectLst/>
-                          <a:latin typeface="Calibri" panose="020F0502020204030204" pitchFamily="34" charset="0"/>
-                        </a:rPr>
-                        <a:t>High Grade VAIN</a:t>
-                      </a:r>
-                      <a:endParaRPr lang="en-US" sz="1100" b="0" i="0" u="none" strike="noStrike" dirty="0">
-                        <a:solidFill>
-                          <a:srgbClr val="000000"/>
-                        </a:solidFill>
-                        <a:effectLst/>
-                        <a:latin typeface="Calibri" panose="020F0502020204030204" pitchFamily="34" charset="0"/>
-                      </a:endParaRPr>
-                    </a:p>
-                  </a:txBody>
-                  <a:tcPr marL="7620" marR="7620" marT="7620" marB="0" anchor="b"/>
-                </a:tc>
-                <a:tc>
-                  <a:txBody>
-                    <a:bodyPr/>
-                    <a:lstStyle/>
-                    <a:p>
-                      <a:pPr algn="l" fontAlgn="b"/>
-                      <a:r>
-                        <a:rPr lang="en-US" sz="1100" b="0" i="0" u="none" strike="noStrike" dirty="0" smtClean="0">
-                          <a:solidFill>
-                            <a:srgbClr val="000000"/>
-                          </a:solidFill>
-                          <a:effectLst/>
-                          <a:latin typeface="Calibri" panose="020F0502020204030204" pitchFamily="34" charset="0"/>
-                        </a:rPr>
-                        <a:t>K. Smith</a:t>
-                      </a:r>
-                      <a:endParaRPr lang="en-US" sz="1100" b="0" i="0" u="none" strike="noStrike" dirty="0">
-                        <a:solidFill>
-                          <a:srgbClr val="000000"/>
-                        </a:solidFill>
-                        <a:effectLst/>
-                        <a:latin typeface="Calibri" panose="020F0502020204030204" pitchFamily="34" charset="0"/>
-                      </a:endParaRPr>
-                    </a:p>
-                  </a:txBody>
-                  <a:tcPr marL="7620" marR="7620" marT="7620" marB="0" anchor="b"/>
-                </a:tc>
-                <a:tc>
-                  <a:txBody>
-                    <a:bodyPr/>
-                    <a:lstStyle/>
-                    <a:p>
-                      <a:pPr algn="l" fontAlgn="b"/>
-                      <a:r>
-                        <a:rPr lang="en-US" sz="1100" b="0" i="0" u="none" strike="noStrike" dirty="0" smtClean="0">
-                          <a:solidFill>
-                            <a:srgbClr val="000000"/>
-                          </a:solidFill>
-                          <a:effectLst/>
-                          <a:latin typeface="Calibri" panose="020F0502020204030204" pitchFamily="34" charset="0"/>
-                        </a:rPr>
-                        <a:t>Women’s Health</a:t>
+              <a:tr h="350545">
+                <a:tc>
+                  <a:txBody>
+                    <a:bodyPr/>
+                    <a:lstStyle/>
+                    <a:p>
+                      <a:pPr algn="l" fontAlgn="b"/>
+                      <a:r>
+                        <a:rPr lang="en-US" sz="1100" b="0" i="0" u="none" strike="noStrike" dirty="0" smtClean="0">
+                          <a:solidFill>
+                            <a:srgbClr val="000000"/>
+                          </a:solidFill>
+                          <a:effectLst/>
+                          <a:latin typeface="Calibri" panose="020F0502020204030204" pitchFamily="34" charset="0"/>
+                        </a:rPr>
+                        <a:t>Survey of Patients</a:t>
+                      </a:r>
+                      <a:r>
+                        <a:rPr lang="en-US" sz="1100" b="0" i="0" u="none" strike="noStrike" baseline="0" dirty="0" smtClean="0">
+                          <a:solidFill>
+                            <a:srgbClr val="000000"/>
+                          </a:solidFill>
+                          <a:effectLst/>
+                          <a:latin typeface="Calibri" panose="020F0502020204030204" pitchFamily="34" charset="0"/>
+                        </a:rPr>
+                        <a:t> Regarding Care Utilization During COVID-19</a:t>
+                      </a:r>
+                      <a:endParaRPr lang="en-US" sz="1100" b="0" i="0" u="none" strike="noStrike" dirty="0">
+                        <a:solidFill>
+                          <a:srgbClr val="000000"/>
+                        </a:solidFill>
+                        <a:effectLst/>
+                        <a:latin typeface="Calibri" panose="020F0502020204030204" pitchFamily="34" charset="0"/>
+                      </a:endParaRPr>
+                    </a:p>
+                  </a:txBody>
+                  <a:tcPr marL="7620" marR="7620" marT="7620" marB="0" anchor="b"/>
+                </a:tc>
+                <a:tc>
+                  <a:txBody>
+                    <a:bodyPr/>
+                    <a:lstStyle/>
+                    <a:p>
+                      <a:pPr algn="l" fontAlgn="b"/>
+                      <a:r>
+                        <a:rPr lang="en-US" sz="1100" b="0" i="0" u="none" strike="noStrike" dirty="0" smtClean="0">
+                          <a:solidFill>
+                            <a:srgbClr val="000000"/>
+                          </a:solidFill>
+                          <a:effectLst/>
+                          <a:latin typeface="Calibri" panose="020F0502020204030204" pitchFamily="34" charset="0"/>
+                        </a:rPr>
+                        <a:t>D. Hahn</a:t>
+                      </a:r>
+                      <a:endParaRPr lang="en-US" sz="1100" b="0" i="0" u="none" strike="noStrike" dirty="0">
+                        <a:solidFill>
+                          <a:srgbClr val="000000"/>
+                        </a:solidFill>
+                        <a:effectLst/>
+                        <a:latin typeface="Calibri" panose="020F0502020204030204" pitchFamily="34" charset="0"/>
+                      </a:endParaRPr>
+                    </a:p>
+                  </a:txBody>
+                  <a:tcPr marL="7620" marR="7620" marT="7620" marB="0" anchor="b"/>
+                </a:tc>
+                <a:tc>
+                  <a:txBody>
+                    <a:bodyPr/>
+                    <a:lstStyle/>
+                    <a:p>
+                      <a:pPr algn="l" fontAlgn="b"/>
+                      <a:r>
+                        <a:rPr lang="en-US" sz="1100" b="0" i="0" u="none" strike="noStrike" dirty="0" smtClean="0">
+                          <a:solidFill>
+                            <a:srgbClr val="000000"/>
+                          </a:solidFill>
+                          <a:effectLst/>
+                          <a:latin typeface="Calibri" panose="020F0502020204030204" pitchFamily="34" charset="0"/>
+                        </a:rPr>
+                        <a:t>Pediatrics</a:t>
                       </a:r>
                       <a:endParaRPr lang="en-US" sz="1100" b="0" i="0" u="none" strike="noStrike" dirty="0">
                         <a:solidFill>
@@ -9655,37 +13531,989 @@
                 </a:tc>
                 <a:extLst>
                   <a:ext uri="{0D108BD9-81ED-4DB2-BD59-A6C34878D82A}">
-                    <a16:rowId xmlns="" xmlns:a16="http://schemas.microsoft.com/office/drawing/2014/main" val="949879066"/>
+                    <a16:rowId xmlns:a16="http://schemas.microsoft.com/office/drawing/2014/main" val="949879066"/>
                   </a:ext>
                 </a:extLst>
               </a:tr>
-              <a:tr h="232212">
-                <a:tc>
-                  <a:txBody>
-                    <a:bodyPr/>
-                    <a:lstStyle/>
-                    <a:p>
-                      <a:pPr algn="l" fontAlgn="b"/>
-                      <a:r>
-                        <a:rPr lang="en-US" sz="1100" b="0" i="0" u="none" strike="noStrike" dirty="0" smtClean="0">
-                          <a:solidFill>
-                            <a:srgbClr val="000000"/>
-                          </a:solidFill>
-                          <a:effectLst/>
-                          <a:latin typeface="Calibri" panose="020F0502020204030204" pitchFamily="34" charset="0"/>
-                        </a:rPr>
-                        <a:t>E-Cigarette and Tobacco</a:t>
-                      </a:r>
-                      <a:r>
-                        <a:rPr lang="en-US" sz="1100" b="0" i="0" u="none" strike="noStrike" baseline="0" dirty="0" smtClean="0">
-                          <a:solidFill>
-                            <a:srgbClr val="000000"/>
-                          </a:solidFill>
-                          <a:effectLst/>
-                          <a:latin typeface="Calibri" panose="020F0502020204030204" pitchFamily="34" charset="0"/>
-                        </a:rPr>
-                        <a:t> Use During Pregnancy</a:t>
-                      </a:r>
+              <a:tr h="350545">
+                <a:tc>
+                  <a:txBody>
+                    <a:bodyPr/>
+                    <a:lstStyle/>
+                    <a:p>
+                      <a:pPr algn="l" fontAlgn="b"/>
+                      <a:r>
+                        <a:rPr lang="en-US" sz="1100" b="0" i="0" u="none" strike="noStrike" kern="1200" dirty="0" smtClean="0">
+                          <a:solidFill>
+                            <a:srgbClr val="000000"/>
+                          </a:solidFill>
+                          <a:effectLst/>
+                          <a:latin typeface="Calibri" panose="020F0502020204030204" pitchFamily="34" charset="0"/>
+                          <a:ea typeface="+mn-ea"/>
+                          <a:cs typeface="+mn-cs"/>
+                        </a:rPr>
+                        <a:t>Circumcision Complications Requiring Surgical Revision</a:t>
+                      </a:r>
+                      <a:endParaRPr lang="en-US" sz="1100" b="0" i="0" u="none" strike="noStrike" kern="1200" dirty="0">
+                        <a:solidFill>
+                          <a:srgbClr val="000000"/>
+                        </a:solidFill>
+                        <a:effectLst/>
+                        <a:latin typeface="Calibri" panose="020F0502020204030204" pitchFamily="34" charset="0"/>
+                        <a:ea typeface="+mn-ea"/>
+                        <a:cs typeface="+mn-cs"/>
+                      </a:endParaRPr>
+                    </a:p>
+                  </a:txBody>
+                  <a:tcPr marL="7620" marR="7620" marT="7620" marB="0" anchor="b"/>
+                </a:tc>
+                <a:tc>
+                  <a:txBody>
+                    <a:bodyPr/>
+                    <a:lstStyle/>
+                    <a:p>
+                      <a:pPr marL="0" indent="0" algn="l" fontAlgn="b">
+                        <a:buNone/>
+                      </a:pPr>
+                      <a:r>
+                        <a:rPr lang="en-US" sz="1100" b="0" i="0" u="none" strike="noStrike" kern="1200" dirty="0" smtClean="0">
+                          <a:solidFill>
+                            <a:srgbClr val="000000"/>
+                          </a:solidFill>
+                          <a:effectLst/>
+                          <a:latin typeface="Calibri" panose="020F0502020204030204" pitchFamily="34" charset="0"/>
+                          <a:ea typeface="+mn-ea"/>
+                          <a:cs typeface="+mn-cs"/>
+                        </a:rPr>
+                        <a:t>D. </a:t>
+                      </a:r>
+                      <a:r>
+                        <a:rPr lang="en-US" sz="1100" b="0" i="0" u="none" strike="noStrike" kern="1200" dirty="0" err="1" smtClean="0">
+                          <a:solidFill>
+                            <a:srgbClr val="000000"/>
+                          </a:solidFill>
+                          <a:effectLst/>
+                          <a:latin typeface="Calibri" panose="020F0502020204030204" pitchFamily="34" charset="0"/>
+                          <a:ea typeface="+mn-ea"/>
+                          <a:cs typeface="+mn-cs"/>
+                        </a:rPr>
+                        <a:t>Frimberger</a:t>
+                      </a:r>
+                      <a:endParaRPr lang="en-US" sz="1100" b="0" i="0" u="none" strike="noStrike" kern="1200" dirty="0">
+                        <a:solidFill>
+                          <a:srgbClr val="000000"/>
+                        </a:solidFill>
+                        <a:effectLst/>
+                        <a:latin typeface="Calibri" panose="020F0502020204030204" pitchFamily="34" charset="0"/>
+                        <a:ea typeface="+mn-ea"/>
+                        <a:cs typeface="+mn-cs"/>
+                      </a:endParaRPr>
+                    </a:p>
+                  </a:txBody>
+                  <a:tcPr marL="7620" marR="7620" marT="7620" marB="0" anchor="b"/>
+                </a:tc>
+                <a:tc>
+                  <a:txBody>
+                    <a:bodyPr/>
+                    <a:lstStyle/>
+                    <a:p>
+                      <a:pPr algn="l" fontAlgn="b"/>
+                      <a:r>
+                        <a:rPr lang="en-US" sz="1100" b="0" i="0" u="none" strike="noStrike" dirty="0" smtClean="0">
+                          <a:solidFill>
+                            <a:srgbClr val="000000"/>
+                          </a:solidFill>
+                          <a:effectLst/>
+                          <a:latin typeface="Calibri" panose="020F0502020204030204" pitchFamily="34" charset="0"/>
+                        </a:rPr>
+                        <a:t>Urology</a:t>
+                      </a:r>
+                      <a:endParaRPr lang="en-US" sz="1100" b="0" i="0" u="none" strike="noStrike" dirty="0">
+                        <a:solidFill>
+                          <a:srgbClr val="000000"/>
+                        </a:solidFill>
+                        <a:effectLst/>
+                        <a:latin typeface="Calibri" panose="020F0502020204030204" pitchFamily="34" charset="0"/>
+                      </a:endParaRPr>
+                    </a:p>
+                  </a:txBody>
+                  <a:tcPr marL="7620" marR="7620" marT="7620" marB="0" anchor="b"/>
+                </a:tc>
+                <a:extLst>
+                  <a:ext uri="{0D108BD9-81ED-4DB2-BD59-A6C34878D82A}">
+                    <a16:rowId xmlns:a16="http://schemas.microsoft.com/office/drawing/2014/main" val="3222670053"/>
+                  </a:ext>
+                </a:extLst>
+              </a:tr>
+              <a:tr h="252469">
+                <a:tc>
+                  <a:txBody>
+                    <a:bodyPr/>
+                    <a:lstStyle/>
+                    <a:p>
+                      <a:pPr algn="l" fontAlgn="b"/>
+                      <a:r>
+                        <a:rPr lang="en-US" sz="1100" b="0" i="0" u="none" strike="noStrike" kern="1200" dirty="0" smtClean="0">
+                          <a:solidFill>
+                            <a:srgbClr val="000000"/>
+                          </a:solidFill>
+                          <a:effectLst/>
+                          <a:latin typeface="Calibri" panose="020F0502020204030204" pitchFamily="34" charset="0"/>
+                          <a:ea typeface="+mn-ea"/>
+                          <a:cs typeface="+mn-cs"/>
+                        </a:rPr>
+                        <a:t>Genetic Counseling Services for Children with Neurodevelopmental Disorders</a:t>
+                      </a:r>
+                      <a:endParaRPr lang="en-US" sz="1100" b="0" i="0" u="none" strike="noStrike" kern="1200" dirty="0">
+                        <a:solidFill>
+                          <a:srgbClr val="000000"/>
+                        </a:solidFill>
+                        <a:effectLst/>
+                        <a:latin typeface="Calibri" panose="020F0502020204030204" pitchFamily="34" charset="0"/>
+                        <a:ea typeface="+mn-ea"/>
+                        <a:cs typeface="+mn-cs"/>
+                      </a:endParaRPr>
+                    </a:p>
+                  </a:txBody>
+                  <a:tcPr marL="7620" marR="7620" marT="7620" marB="0" anchor="b"/>
+                </a:tc>
+                <a:tc>
+                  <a:txBody>
+                    <a:bodyPr/>
+                    <a:lstStyle/>
+                    <a:p>
+                      <a:pPr algn="l" fontAlgn="b">
+                        <a:buAutoNum type="alphaUcPeriod"/>
+                      </a:pPr>
+                      <a:r>
+                        <a:rPr lang="en-US" sz="1100" b="0" i="0" u="none" strike="noStrike" kern="1200" baseline="0" dirty="0" smtClean="0">
+                          <a:solidFill>
+                            <a:srgbClr val="000000"/>
+                          </a:solidFill>
+                          <a:effectLst/>
+                          <a:latin typeface="Calibri" panose="020F0502020204030204" pitchFamily="34" charset="0"/>
+                          <a:ea typeface="+mn-ea"/>
+                          <a:cs typeface="+mn-cs"/>
+                        </a:rPr>
+                        <a:t> </a:t>
+                      </a:r>
+                      <a:r>
+                        <a:rPr lang="en-US" sz="1100" b="0" i="0" u="none" strike="noStrike" kern="1200" dirty="0" smtClean="0">
+                          <a:solidFill>
+                            <a:srgbClr val="000000"/>
+                          </a:solidFill>
+                          <a:effectLst/>
+                          <a:latin typeface="Calibri" panose="020F0502020204030204" pitchFamily="34" charset="0"/>
+                          <a:ea typeface="+mn-ea"/>
+                          <a:cs typeface="+mn-cs"/>
+                        </a:rPr>
+                        <a:t>Wadley</a:t>
+                      </a:r>
+                      <a:endParaRPr lang="en-US" sz="1100" b="0" i="0" u="none" strike="noStrike" kern="1200" dirty="0">
+                        <a:solidFill>
+                          <a:srgbClr val="000000"/>
+                        </a:solidFill>
+                        <a:effectLst/>
+                        <a:latin typeface="Calibri" panose="020F0502020204030204" pitchFamily="34" charset="0"/>
+                        <a:ea typeface="+mn-ea"/>
+                        <a:cs typeface="+mn-cs"/>
+                      </a:endParaRPr>
+                    </a:p>
+                  </a:txBody>
+                  <a:tcPr marL="7620" marR="7620" marT="7620" marB="0" anchor="b"/>
+                </a:tc>
+                <a:tc>
+                  <a:txBody>
+                    <a:bodyPr/>
+                    <a:lstStyle/>
+                    <a:p>
+                      <a:pPr algn="l" fontAlgn="b"/>
+                      <a:r>
+                        <a:rPr lang="en-US" sz="1100" b="0" i="0" u="none" strike="noStrike" dirty="0" smtClean="0">
+                          <a:solidFill>
+                            <a:srgbClr val="000000"/>
+                          </a:solidFill>
+                          <a:effectLst/>
+                          <a:latin typeface="Calibri" panose="020F0502020204030204" pitchFamily="34" charset="0"/>
+                        </a:rPr>
+                        <a:t>Genetics</a:t>
+                      </a:r>
+                      <a:endParaRPr lang="en-US" sz="1100" b="0" i="0" u="none" strike="noStrike" dirty="0">
+                        <a:solidFill>
+                          <a:srgbClr val="000000"/>
+                        </a:solidFill>
+                        <a:effectLst/>
+                        <a:latin typeface="Calibri" panose="020F0502020204030204" pitchFamily="34" charset="0"/>
+                      </a:endParaRPr>
+                    </a:p>
+                  </a:txBody>
+                  <a:tcPr marL="7620" marR="7620" marT="7620" marB="0" anchor="b"/>
+                </a:tc>
+                <a:extLst>
+                  <a:ext uri="{0D108BD9-81ED-4DB2-BD59-A6C34878D82A}">
+                    <a16:rowId xmlns:a16="http://schemas.microsoft.com/office/drawing/2014/main" val="1661099666"/>
+                  </a:ext>
+                </a:extLst>
+              </a:tr>
+              <a:tr h="252469">
+                <a:tc>
+                  <a:txBody>
+                    <a:bodyPr/>
+                    <a:lstStyle/>
+                    <a:p>
+                      <a:pPr algn="l" fontAlgn="b"/>
+                      <a:r>
+                        <a:rPr lang="en-US" sz="1100" b="0" i="0" u="none" strike="noStrike" kern="1200" dirty="0" smtClean="0">
+                          <a:solidFill>
+                            <a:srgbClr val="000000"/>
+                          </a:solidFill>
+                          <a:effectLst/>
+                          <a:latin typeface="Calibri" panose="020F0502020204030204" pitchFamily="34" charset="0"/>
+                          <a:ea typeface="+mn-ea"/>
+                          <a:cs typeface="+mn-cs"/>
+                        </a:rPr>
+                        <a:t>ECO-RESET</a:t>
+                      </a:r>
+                      <a:endParaRPr lang="en-US" sz="1100" b="0" i="0" u="none" strike="noStrike" kern="1200" dirty="0">
+                        <a:solidFill>
+                          <a:srgbClr val="000000"/>
+                        </a:solidFill>
+                        <a:effectLst/>
+                        <a:latin typeface="Calibri" panose="020F0502020204030204" pitchFamily="34" charset="0"/>
+                        <a:ea typeface="+mn-ea"/>
+                        <a:cs typeface="+mn-cs"/>
+                      </a:endParaRPr>
+                    </a:p>
+                  </a:txBody>
+                  <a:tcPr marL="7620" marR="7620" marT="7620" marB="0" anchor="b"/>
+                </a:tc>
+                <a:tc>
+                  <a:txBody>
+                    <a:bodyPr/>
+                    <a:lstStyle/>
+                    <a:p>
+                      <a:pPr algn="l" fontAlgn="b"/>
+                      <a:r>
+                        <a:rPr lang="en-US" sz="1100" b="0" i="0" u="none" strike="noStrike" kern="1200" dirty="0" smtClean="0">
+                          <a:solidFill>
+                            <a:srgbClr val="000000"/>
+                          </a:solidFill>
+                          <a:effectLst/>
+                          <a:latin typeface="Calibri" panose="020F0502020204030204" pitchFamily="34" charset="0"/>
+                          <a:ea typeface="+mn-ea"/>
+                          <a:cs typeface="+mn-cs"/>
+                        </a:rPr>
+                        <a:t>R. </a:t>
+                      </a:r>
+                      <a:r>
+                        <a:rPr lang="en-US" sz="1100" b="0" i="0" u="none" strike="noStrike" kern="1200" dirty="0" err="1" smtClean="0">
+                          <a:solidFill>
+                            <a:srgbClr val="000000"/>
+                          </a:solidFill>
+                          <a:effectLst/>
+                          <a:latin typeface="Calibri" panose="020F0502020204030204" pitchFamily="34" charset="0"/>
+                          <a:ea typeface="+mn-ea"/>
+                          <a:cs typeface="+mn-cs"/>
+                        </a:rPr>
+                        <a:t>Harty</a:t>
+                      </a:r>
+                      <a:endParaRPr lang="en-US" sz="1100" b="0" i="0" u="none" strike="noStrike" kern="1200" dirty="0">
+                        <a:solidFill>
+                          <a:srgbClr val="000000"/>
+                        </a:solidFill>
+                        <a:effectLst/>
+                        <a:latin typeface="Calibri" panose="020F0502020204030204" pitchFamily="34" charset="0"/>
+                        <a:ea typeface="+mn-ea"/>
+                        <a:cs typeface="+mn-cs"/>
+                      </a:endParaRPr>
+                    </a:p>
+                  </a:txBody>
+                  <a:tcPr marL="7620" marR="7620" marT="7620" marB="0" anchor="b"/>
+                </a:tc>
+                <a:tc>
+                  <a:txBody>
+                    <a:bodyPr/>
+                    <a:lstStyle/>
+                    <a:p>
+                      <a:pPr algn="l" fontAlgn="b"/>
+                      <a:r>
+                        <a:rPr lang="en-US" sz="1100" b="0" i="0" u="none" strike="noStrike" dirty="0" smtClean="0">
+                          <a:solidFill>
+                            <a:srgbClr val="000000"/>
+                          </a:solidFill>
+                          <a:effectLst/>
+                          <a:latin typeface="Calibri" panose="020F0502020204030204" pitchFamily="34" charset="0"/>
+                        </a:rPr>
+                        <a:t>Gastroenterology</a:t>
+                      </a:r>
+                      <a:endParaRPr lang="en-US" sz="1100" b="0" i="0" u="none" strike="noStrike" dirty="0">
+                        <a:solidFill>
+                          <a:srgbClr val="000000"/>
+                        </a:solidFill>
+                        <a:effectLst/>
+                        <a:latin typeface="Calibri" panose="020F0502020204030204" pitchFamily="34" charset="0"/>
+                      </a:endParaRPr>
+                    </a:p>
+                  </a:txBody>
+                  <a:tcPr marL="7620" marR="7620" marT="7620" marB="0" anchor="b"/>
+                </a:tc>
+                <a:extLst>
+                  <a:ext uri="{0D108BD9-81ED-4DB2-BD59-A6C34878D82A}">
+                    <a16:rowId xmlns:a16="http://schemas.microsoft.com/office/drawing/2014/main" val="4172047643"/>
+                  </a:ext>
+                </a:extLst>
+              </a:tr>
+              <a:tr h="350545">
+                <a:tc>
+                  <a:txBody>
+                    <a:bodyPr/>
+                    <a:lstStyle/>
+                    <a:p>
+                      <a:pPr algn="l" fontAlgn="b"/>
+                      <a:r>
+                        <a:rPr lang="en-US" sz="1100" b="0" i="0" u="none" strike="noStrike" kern="1200" dirty="0" smtClean="0">
+                          <a:solidFill>
+                            <a:srgbClr val="000000"/>
+                          </a:solidFill>
+                          <a:effectLst/>
+                          <a:latin typeface="Calibri" panose="020F0502020204030204" pitchFamily="34" charset="0"/>
+                          <a:ea typeface="+mn-ea"/>
+                          <a:cs typeface="+mn-cs"/>
+                        </a:rPr>
+                        <a:t>Vasopressor Use in Microvascular Free-Flap Reconstruction of the Head and Neck</a:t>
+                      </a:r>
+                      <a:endParaRPr lang="en-US" sz="1100" b="0" i="0" u="none" strike="noStrike" kern="1200" dirty="0">
+                        <a:solidFill>
+                          <a:srgbClr val="000000"/>
+                        </a:solidFill>
+                        <a:effectLst/>
+                        <a:latin typeface="Calibri" panose="020F0502020204030204" pitchFamily="34" charset="0"/>
+                        <a:ea typeface="+mn-ea"/>
+                        <a:cs typeface="+mn-cs"/>
+                      </a:endParaRPr>
+                    </a:p>
+                  </a:txBody>
+                  <a:tcPr marL="7620" marR="7620" marT="7620" marB="0" anchor="b"/>
+                </a:tc>
+                <a:tc>
+                  <a:txBody>
+                    <a:bodyPr/>
+                    <a:lstStyle/>
+                    <a:p>
+                      <a:pPr algn="l" fontAlgn="b"/>
+                      <a:r>
+                        <a:rPr lang="en-US" sz="1100" b="0" i="0" u="none" strike="noStrike" kern="1200" dirty="0" smtClean="0">
+                          <a:solidFill>
+                            <a:srgbClr val="000000"/>
+                          </a:solidFill>
+                          <a:effectLst/>
+                          <a:latin typeface="Calibri" panose="020F0502020204030204" pitchFamily="34" charset="0"/>
+                          <a:ea typeface="+mn-ea"/>
+                          <a:cs typeface="+mn-cs"/>
+                        </a:rPr>
+                        <a:t>N. </a:t>
+                      </a:r>
+                      <a:r>
+                        <a:rPr lang="en-US" sz="1100" b="0" i="0" u="none" strike="noStrike" kern="1200" dirty="0" err="1" smtClean="0">
+                          <a:solidFill>
+                            <a:srgbClr val="000000"/>
+                          </a:solidFill>
+                          <a:effectLst/>
+                          <a:latin typeface="Calibri" panose="020F0502020204030204" pitchFamily="34" charset="0"/>
+                          <a:ea typeface="+mn-ea"/>
+                          <a:cs typeface="+mn-cs"/>
+                        </a:rPr>
+                        <a:t>Vasan</a:t>
+                      </a:r>
+                      <a:endParaRPr lang="en-US" sz="1100" b="0" i="0" u="none" strike="noStrike" kern="1200" dirty="0">
+                        <a:solidFill>
+                          <a:srgbClr val="000000"/>
+                        </a:solidFill>
+                        <a:effectLst/>
+                        <a:latin typeface="Calibri" panose="020F0502020204030204" pitchFamily="34" charset="0"/>
+                        <a:ea typeface="+mn-ea"/>
+                        <a:cs typeface="+mn-cs"/>
+                      </a:endParaRPr>
+                    </a:p>
+                  </a:txBody>
+                  <a:tcPr marL="7620" marR="7620" marT="7620" marB="0" anchor="b"/>
+                </a:tc>
+                <a:tc>
+                  <a:txBody>
+                    <a:bodyPr/>
+                    <a:lstStyle/>
+                    <a:p>
+                      <a:pPr algn="l" fontAlgn="b"/>
+                      <a:r>
+                        <a:rPr lang="en-US" sz="1100" b="0" i="0" u="none" strike="noStrike" dirty="0" smtClean="0">
+                          <a:solidFill>
+                            <a:srgbClr val="000000"/>
+                          </a:solidFill>
+                          <a:effectLst/>
+                          <a:latin typeface="Calibri" panose="020F0502020204030204" pitchFamily="34" charset="0"/>
+                        </a:rPr>
+                        <a:t>ORL</a:t>
+                      </a:r>
+                      <a:endParaRPr lang="en-US" sz="1100" b="0" i="0" u="none" strike="noStrike" dirty="0">
+                        <a:solidFill>
+                          <a:srgbClr val="000000"/>
+                        </a:solidFill>
+                        <a:effectLst/>
+                        <a:latin typeface="Calibri" panose="020F0502020204030204" pitchFamily="34" charset="0"/>
+                      </a:endParaRPr>
+                    </a:p>
+                  </a:txBody>
+                  <a:tcPr marL="7620" marR="7620" marT="7620" marB="0" anchor="b"/>
+                </a:tc>
+                <a:extLst>
+                  <a:ext uri="{0D108BD9-81ED-4DB2-BD59-A6C34878D82A}">
+                    <a16:rowId xmlns:a16="http://schemas.microsoft.com/office/drawing/2014/main" val="1057878429"/>
+                  </a:ext>
+                </a:extLst>
+              </a:tr>
+              <a:tr h="252469">
+                <a:tc>
+                  <a:txBody>
+                    <a:bodyPr/>
+                    <a:lstStyle/>
+                    <a:p>
+                      <a:pPr algn="l" fontAlgn="b"/>
+                      <a:r>
+                        <a:rPr lang="en-US" sz="1100" b="0" i="0" u="none" strike="noStrike" kern="1200" dirty="0" smtClean="0">
+                          <a:solidFill>
+                            <a:srgbClr val="000000"/>
+                          </a:solidFill>
+                          <a:effectLst/>
+                          <a:latin typeface="Calibri" panose="020F0502020204030204" pitchFamily="34" charset="0"/>
+                          <a:ea typeface="+mn-ea"/>
+                          <a:cs typeface="+mn-cs"/>
+                        </a:rPr>
+                        <a:t>Genetic Testing for the BRCA gene</a:t>
+                      </a:r>
+                      <a:endParaRPr lang="en-US" sz="1100" b="0" i="0" u="none" strike="noStrike" kern="1200" dirty="0">
+                        <a:solidFill>
+                          <a:srgbClr val="000000"/>
+                        </a:solidFill>
+                        <a:effectLst/>
+                        <a:latin typeface="Calibri" panose="020F0502020204030204" pitchFamily="34" charset="0"/>
+                        <a:ea typeface="+mn-ea"/>
+                        <a:cs typeface="+mn-cs"/>
+                      </a:endParaRPr>
+                    </a:p>
+                  </a:txBody>
+                  <a:tcPr marL="7620" marR="7620" marT="7620" marB="0" anchor="b"/>
+                </a:tc>
+                <a:tc>
+                  <a:txBody>
+                    <a:bodyPr/>
+                    <a:lstStyle/>
+                    <a:p>
+                      <a:pPr algn="l" fontAlgn="b"/>
+                      <a:r>
+                        <a:rPr lang="en-US" sz="1100" b="0" i="0" u="none" strike="noStrike" kern="1200" dirty="0" smtClean="0">
+                          <a:solidFill>
+                            <a:srgbClr val="000000"/>
+                          </a:solidFill>
+                          <a:effectLst/>
+                          <a:latin typeface="Calibri" panose="020F0502020204030204" pitchFamily="34" charset="0"/>
+                          <a:ea typeface="+mn-ea"/>
+                          <a:cs typeface="+mn-cs"/>
+                        </a:rPr>
+                        <a:t>I. Shim</a:t>
+                      </a:r>
+                      <a:endParaRPr lang="en-US" sz="1100" b="0" i="0" u="none" strike="noStrike" kern="1200" dirty="0">
+                        <a:solidFill>
+                          <a:srgbClr val="000000"/>
+                        </a:solidFill>
+                        <a:effectLst/>
+                        <a:latin typeface="Calibri" panose="020F0502020204030204" pitchFamily="34" charset="0"/>
+                        <a:ea typeface="+mn-ea"/>
+                        <a:cs typeface="+mn-cs"/>
+                      </a:endParaRPr>
+                    </a:p>
+                  </a:txBody>
+                  <a:tcPr marL="7620" marR="7620" marT="7620" marB="0" anchor="b"/>
+                </a:tc>
+                <a:tc>
+                  <a:txBody>
+                    <a:bodyPr/>
+                    <a:lstStyle/>
+                    <a:p>
+                      <a:pPr algn="l" fontAlgn="b"/>
+                      <a:r>
+                        <a:rPr lang="en-US" sz="1100" b="0" i="0" u="none" strike="noStrike" dirty="0" smtClean="0">
+                          <a:solidFill>
+                            <a:srgbClr val="000000"/>
+                          </a:solidFill>
+                          <a:effectLst/>
+                          <a:latin typeface="Calibri" panose="020F0502020204030204" pitchFamily="34" charset="0"/>
+                        </a:rPr>
+                        <a:t>Genetics</a:t>
+                      </a:r>
+                      <a:endParaRPr lang="en-US" sz="1100" b="0" i="0" u="none" strike="noStrike" dirty="0">
+                        <a:solidFill>
+                          <a:srgbClr val="000000"/>
+                        </a:solidFill>
+                        <a:effectLst/>
+                        <a:latin typeface="Calibri" panose="020F0502020204030204" pitchFamily="34" charset="0"/>
+                      </a:endParaRPr>
+                    </a:p>
+                  </a:txBody>
+                  <a:tcPr marL="7620" marR="7620" marT="7620" marB="0" anchor="b"/>
+                </a:tc>
+                <a:extLst>
+                  <a:ext uri="{0D108BD9-81ED-4DB2-BD59-A6C34878D82A}">
+                    <a16:rowId xmlns:a16="http://schemas.microsoft.com/office/drawing/2014/main" val="2151953881"/>
+                  </a:ext>
+                </a:extLst>
+              </a:tr>
+              <a:tr h="252469">
+                <a:tc>
+                  <a:txBody>
+                    <a:bodyPr/>
+                    <a:lstStyle/>
+                    <a:p>
+                      <a:pPr algn="l" fontAlgn="b"/>
+                      <a:r>
+                        <a:rPr lang="en-US" sz="1100" b="0" i="0" u="none" strike="noStrike" kern="1200" dirty="0" smtClean="0">
+                          <a:solidFill>
+                            <a:srgbClr val="000000"/>
+                          </a:solidFill>
+                          <a:effectLst/>
+                          <a:latin typeface="Calibri" panose="020F0502020204030204" pitchFamily="34" charset="0"/>
+                          <a:ea typeface="+mn-ea"/>
+                          <a:cs typeface="+mn-cs"/>
+                        </a:rPr>
+                        <a:t>Bronchiolitis </a:t>
+                      </a:r>
+                      <a:endParaRPr lang="en-US" sz="1100" b="0" i="0" u="none" strike="noStrike" kern="1200" dirty="0">
+                        <a:solidFill>
+                          <a:srgbClr val="000000"/>
+                        </a:solidFill>
+                        <a:effectLst/>
+                        <a:latin typeface="Calibri" panose="020F0502020204030204" pitchFamily="34" charset="0"/>
+                        <a:ea typeface="+mn-ea"/>
+                        <a:cs typeface="+mn-cs"/>
+                      </a:endParaRPr>
+                    </a:p>
+                  </a:txBody>
+                  <a:tcPr marL="7620" marR="7620" marT="7620" marB="0" anchor="b"/>
+                </a:tc>
+                <a:tc>
+                  <a:txBody>
+                    <a:bodyPr/>
+                    <a:lstStyle/>
+                    <a:p>
+                      <a:pPr algn="l" fontAlgn="b"/>
+                      <a:r>
+                        <a:rPr lang="en-US" sz="1100" b="0" i="0" u="none" strike="noStrike" kern="1200" dirty="0" smtClean="0">
+                          <a:solidFill>
+                            <a:srgbClr val="000000"/>
+                          </a:solidFill>
+                          <a:effectLst/>
+                          <a:latin typeface="Calibri" panose="020F0502020204030204" pitchFamily="34" charset="0"/>
+                          <a:ea typeface="+mn-ea"/>
+                          <a:cs typeface="+mn-cs"/>
+                        </a:rPr>
+                        <a:t>A. Sparkman</a:t>
+                      </a:r>
+                      <a:endParaRPr lang="en-US" sz="1100" b="0" i="0" u="none" strike="noStrike" kern="1200" dirty="0">
+                        <a:solidFill>
+                          <a:srgbClr val="000000"/>
+                        </a:solidFill>
+                        <a:effectLst/>
+                        <a:latin typeface="Calibri" panose="020F0502020204030204" pitchFamily="34" charset="0"/>
+                        <a:ea typeface="+mn-ea"/>
+                        <a:cs typeface="+mn-cs"/>
+                      </a:endParaRPr>
+                    </a:p>
+                  </a:txBody>
+                  <a:tcPr marL="7620" marR="7620" marT="7620" marB="0" anchor="b"/>
+                </a:tc>
+                <a:tc>
+                  <a:txBody>
+                    <a:bodyPr/>
+                    <a:lstStyle/>
+                    <a:p>
+                      <a:pPr algn="l" fontAlgn="b"/>
+                      <a:r>
+                        <a:rPr lang="en-US" sz="1100" b="0" i="0" u="none" strike="noStrike" dirty="0" smtClean="0">
+                          <a:solidFill>
+                            <a:srgbClr val="000000"/>
+                          </a:solidFill>
+                          <a:effectLst/>
+                          <a:latin typeface="Calibri" panose="020F0502020204030204" pitchFamily="34" charset="0"/>
+                        </a:rPr>
+                        <a:t>Pediatrics</a:t>
+                      </a:r>
+                      <a:endParaRPr lang="en-US" sz="1100" b="0" i="0" u="none" strike="noStrike" dirty="0">
+                        <a:solidFill>
+                          <a:srgbClr val="000000"/>
+                        </a:solidFill>
+                        <a:effectLst/>
+                        <a:latin typeface="Calibri" panose="020F0502020204030204" pitchFamily="34" charset="0"/>
+                      </a:endParaRPr>
+                    </a:p>
+                  </a:txBody>
+                  <a:tcPr marL="7620" marR="7620" marT="7620" marB="0" anchor="b"/>
+                </a:tc>
+                <a:extLst>
+                  <a:ext uri="{0D108BD9-81ED-4DB2-BD59-A6C34878D82A}">
+                    <a16:rowId xmlns:a16="http://schemas.microsoft.com/office/drawing/2014/main" val="3615318075"/>
+                  </a:ext>
+                </a:extLst>
+              </a:tr>
+              <a:tr h="350545">
+                <a:tc>
+                  <a:txBody>
+                    <a:bodyPr/>
+                    <a:lstStyle/>
+                    <a:p>
+                      <a:pPr algn="l" fontAlgn="b"/>
+                      <a:r>
+                        <a:rPr lang="en-US" sz="1100" b="0" i="0" u="none" strike="noStrike" kern="1200" dirty="0" err="1" smtClean="0">
+                          <a:solidFill>
+                            <a:srgbClr val="000000"/>
+                          </a:solidFill>
+                          <a:effectLst/>
+                          <a:latin typeface="Calibri" panose="020F0502020204030204" pitchFamily="34" charset="0"/>
+                          <a:ea typeface="+mn-ea"/>
+                          <a:cs typeface="+mn-cs"/>
+                        </a:rPr>
+                        <a:t>Mirikizumab</a:t>
+                      </a:r>
+                      <a:r>
+                        <a:rPr lang="en-US" sz="1100" b="0" i="0" u="none" strike="noStrike" kern="1200" dirty="0" smtClean="0">
+                          <a:solidFill>
+                            <a:srgbClr val="000000"/>
+                          </a:solidFill>
+                          <a:effectLst/>
+                          <a:latin typeface="Calibri" panose="020F0502020204030204" pitchFamily="34" charset="0"/>
+                          <a:ea typeface="+mn-ea"/>
+                          <a:cs typeface="+mn-cs"/>
+                        </a:rPr>
+                        <a:t> in Patients with Moderately to Severely Active Crohn's Disease</a:t>
+                      </a:r>
+                      <a:endParaRPr lang="en-US" sz="1100" b="0" i="0" u="none" strike="noStrike" kern="1200" dirty="0">
+                        <a:solidFill>
+                          <a:srgbClr val="000000"/>
+                        </a:solidFill>
+                        <a:effectLst/>
+                        <a:latin typeface="Calibri" panose="020F0502020204030204" pitchFamily="34" charset="0"/>
+                        <a:ea typeface="+mn-ea"/>
+                        <a:cs typeface="+mn-cs"/>
+                      </a:endParaRPr>
+                    </a:p>
+                  </a:txBody>
+                  <a:tcPr marL="7620" marR="7620" marT="7620" marB="0" anchor="b"/>
+                </a:tc>
+                <a:tc>
+                  <a:txBody>
+                    <a:bodyPr/>
+                    <a:lstStyle/>
+                    <a:p>
+                      <a:pPr algn="l" fontAlgn="b"/>
+                      <a:r>
+                        <a:rPr lang="en-US" sz="1100" b="0" i="0" u="none" strike="noStrike" kern="1200" dirty="0" smtClean="0">
+                          <a:solidFill>
+                            <a:srgbClr val="000000"/>
+                          </a:solidFill>
+                          <a:effectLst/>
+                          <a:latin typeface="Calibri" panose="020F0502020204030204" pitchFamily="34" charset="0"/>
+                          <a:ea typeface="+mn-ea"/>
+                          <a:cs typeface="+mn-cs"/>
+                        </a:rPr>
+                        <a:t>H. </a:t>
+                      </a:r>
+                      <a:r>
+                        <a:rPr lang="en-US" sz="1100" b="0" i="0" u="none" strike="noStrike" kern="1200" dirty="0" err="1" smtClean="0">
+                          <a:solidFill>
+                            <a:srgbClr val="000000"/>
+                          </a:solidFill>
+                          <a:effectLst/>
+                          <a:latin typeface="Calibri" panose="020F0502020204030204" pitchFamily="34" charset="0"/>
+                          <a:ea typeface="+mn-ea"/>
+                          <a:cs typeface="+mn-cs"/>
+                        </a:rPr>
+                        <a:t>Bitar</a:t>
+                      </a:r>
+                      <a:endParaRPr lang="en-US" sz="1100" b="0" i="0" u="none" strike="noStrike" kern="1200" dirty="0">
+                        <a:solidFill>
+                          <a:srgbClr val="000000"/>
+                        </a:solidFill>
+                        <a:effectLst/>
+                        <a:latin typeface="Calibri" panose="020F0502020204030204" pitchFamily="34" charset="0"/>
+                        <a:ea typeface="+mn-ea"/>
+                        <a:cs typeface="+mn-cs"/>
+                      </a:endParaRPr>
+                    </a:p>
+                  </a:txBody>
+                  <a:tcPr marL="7620" marR="7620" marT="7620" marB="0" anchor="b"/>
+                </a:tc>
+                <a:tc>
+                  <a:txBody>
+                    <a:bodyPr/>
+                    <a:lstStyle/>
+                    <a:p>
+                      <a:pPr algn="l" fontAlgn="b"/>
+                      <a:r>
+                        <a:rPr lang="en-US" sz="1100" b="0" i="0" u="none" strike="noStrike" dirty="0" smtClean="0">
+                          <a:solidFill>
+                            <a:srgbClr val="000000"/>
+                          </a:solidFill>
+                          <a:effectLst/>
+                          <a:latin typeface="Calibri" panose="020F0502020204030204" pitchFamily="34" charset="0"/>
+                        </a:rPr>
+                        <a:t>Gastroenterology</a:t>
+                      </a:r>
+                      <a:endParaRPr lang="en-US" sz="1100" b="0" i="0" u="none" strike="noStrike" dirty="0">
+                        <a:solidFill>
+                          <a:srgbClr val="000000"/>
+                        </a:solidFill>
+                        <a:effectLst/>
+                        <a:latin typeface="Calibri" panose="020F0502020204030204" pitchFamily="34" charset="0"/>
+                      </a:endParaRPr>
+                    </a:p>
+                  </a:txBody>
+                  <a:tcPr marL="7620" marR="7620" marT="7620" marB="0" anchor="b"/>
+                </a:tc>
+                <a:extLst>
+                  <a:ext uri="{0D108BD9-81ED-4DB2-BD59-A6C34878D82A}">
+                    <a16:rowId xmlns:a16="http://schemas.microsoft.com/office/drawing/2014/main" val="1810581365"/>
+                  </a:ext>
+                </a:extLst>
+              </a:tr>
+              <a:tr h="252469">
+                <a:tc>
+                  <a:txBody>
+                    <a:bodyPr/>
+                    <a:lstStyle/>
+                    <a:p>
+                      <a:pPr algn="l" fontAlgn="b"/>
+                      <a:r>
+                        <a:rPr lang="en-US" sz="1100" b="0" i="0" u="none" strike="noStrike" kern="1200" dirty="0" smtClean="0">
+                          <a:solidFill>
+                            <a:srgbClr val="000000"/>
+                          </a:solidFill>
+                          <a:effectLst/>
+                          <a:latin typeface="Calibri" panose="020F0502020204030204" pitchFamily="34" charset="0"/>
+                          <a:ea typeface="+mn-ea"/>
+                          <a:cs typeface="+mn-cs"/>
+                        </a:rPr>
+                        <a:t>Renal Cell Carcinoma</a:t>
+                      </a:r>
+                      <a:endParaRPr lang="en-US" sz="1100" b="0" i="0" u="none" strike="noStrike" kern="1200" dirty="0">
+                        <a:solidFill>
+                          <a:srgbClr val="000000"/>
+                        </a:solidFill>
+                        <a:effectLst/>
+                        <a:latin typeface="Calibri" panose="020F0502020204030204" pitchFamily="34" charset="0"/>
+                        <a:ea typeface="+mn-ea"/>
+                        <a:cs typeface="+mn-cs"/>
+                      </a:endParaRPr>
+                    </a:p>
+                  </a:txBody>
+                  <a:tcPr marL="7620" marR="7620" marT="7620" marB="0" anchor="b"/>
+                </a:tc>
+                <a:tc>
+                  <a:txBody>
+                    <a:bodyPr/>
+                    <a:lstStyle/>
+                    <a:p>
+                      <a:pPr algn="l" fontAlgn="b"/>
+                      <a:r>
+                        <a:rPr lang="en-US" sz="1100" b="0" i="0" u="none" strike="noStrike" kern="1200" dirty="0" smtClean="0">
+                          <a:solidFill>
+                            <a:srgbClr val="000000"/>
+                          </a:solidFill>
+                          <a:effectLst/>
+                          <a:latin typeface="Calibri" panose="020F0502020204030204" pitchFamily="34" charset="0"/>
+                          <a:ea typeface="+mn-ea"/>
+                          <a:cs typeface="+mn-cs"/>
+                        </a:rPr>
+                        <a:t>J. </a:t>
+                      </a:r>
+                      <a:r>
+                        <a:rPr lang="en-US" sz="1100" b="0" i="0" u="none" strike="noStrike" kern="1200" dirty="0" err="1" smtClean="0">
+                          <a:solidFill>
+                            <a:srgbClr val="000000"/>
+                          </a:solidFill>
+                          <a:effectLst/>
+                          <a:latin typeface="Calibri" panose="020F0502020204030204" pitchFamily="34" charset="0"/>
+                          <a:ea typeface="+mn-ea"/>
+                          <a:cs typeface="+mn-cs"/>
+                        </a:rPr>
+                        <a:t>Heinlen</a:t>
+                      </a:r>
+                      <a:endParaRPr lang="en-US" sz="1100" b="0" i="0" u="none" strike="noStrike" kern="1200" dirty="0">
+                        <a:solidFill>
+                          <a:srgbClr val="000000"/>
+                        </a:solidFill>
+                        <a:effectLst/>
+                        <a:latin typeface="Calibri" panose="020F0502020204030204" pitchFamily="34" charset="0"/>
+                        <a:ea typeface="+mn-ea"/>
+                        <a:cs typeface="+mn-cs"/>
+                      </a:endParaRPr>
+                    </a:p>
+                  </a:txBody>
+                  <a:tcPr marL="7620" marR="7620" marT="7620" marB="0" anchor="b"/>
+                </a:tc>
+                <a:tc>
+                  <a:txBody>
+                    <a:bodyPr/>
+                    <a:lstStyle/>
+                    <a:p>
+                      <a:pPr algn="l" fontAlgn="b"/>
+                      <a:r>
+                        <a:rPr lang="en-US" sz="1100" b="0" i="0" u="none" strike="noStrike" dirty="0" smtClean="0">
+                          <a:solidFill>
+                            <a:srgbClr val="000000"/>
+                          </a:solidFill>
+                          <a:effectLst/>
+                          <a:latin typeface="Calibri" panose="020F0502020204030204" pitchFamily="34" charset="0"/>
+                        </a:rPr>
+                        <a:t>Urology</a:t>
+                      </a:r>
+                      <a:endParaRPr lang="en-US" sz="1100" b="0" i="0" u="none" strike="noStrike" dirty="0">
+                        <a:solidFill>
+                          <a:srgbClr val="000000"/>
+                        </a:solidFill>
+                        <a:effectLst/>
+                        <a:latin typeface="Calibri" panose="020F0502020204030204" pitchFamily="34" charset="0"/>
+                      </a:endParaRPr>
+                    </a:p>
+                  </a:txBody>
+                  <a:tcPr marL="7620" marR="7620" marT="7620" marB="0" anchor="b"/>
+                </a:tc>
+                <a:extLst>
+                  <a:ext uri="{0D108BD9-81ED-4DB2-BD59-A6C34878D82A}">
+                    <a16:rowId xmlns:a16="http://schemas.microsoft.com/office/drawing/2014/main" val="240284698"/>
+                  </a:ext>
+                </a:extLst>
+              </a:tr>
+              <a:tr h="252469">
+                <a:tc>
+                  <a:txBody>
+                    <a:bodyPr/>
+                    <a:lstStyle/>
+                    <a:p>
+                      <a:pPr algn="l" fontAlgn="b"/>
+                      <a:endParaRPr lang="en-US" sz="1100" b="0" i="0" u="none" strike="noStrike" dirty="0">
+                        <a:solidFill>
+                          <a:srgbClr val="000000"/>
+                        </a:solidFill>
+                        <a:effectLst/>
+                        <a:latin typeface="Calibri" panose="020F0502020204030204" pitchFamily="34" charset="0"/>
+                      </a:endParaRPr>
+                    </a:p>
+                  </a:txBody>
+                  <a:tcPr marL="7620" marR="7620" marT="7620" marB="0" anchor="b"/>
+                </a:tc>
+                <a:tc>
+                  <a:txBody>
+                    <a:bodyPr/>
+                    <a:lstStyle/>
+                    <a:p>
+                      <a:pPr algn="l" fontAlgn="b"/>
+                      <a:endParaRPr lang="en-US" sz="1100" b="0" i="0" u="none" strike="noStrike" dirty="0">
+                        <a:solidFill>
+                          <a:srgbClr val="000000"/>
+                        </a:solidFill>
+                        <a:effectLst/>
+                        <a:latin typeface="Calibri" panose="020F0502020204030204" pitchFamily="34" charset="0"/>
+                      </a:endParaRPr>
+                    </a:p>
+                  </a:txBody>
+                  <a:tcPr marL="7620" marR="7620" marT="7620" marB="0" anchor="b"/>
+                </a:tc>
+                <a:tc>
+                  <a:txBody>
+                    <a:bodyPr/>
+                    <a:lstStyle/>
+                    <a:p>
+                      <a:pPr algn="l" fontAlgn="b"/>
+                      <a:endParaRPr lang="en-US" sz="1100" b="0" i="0" u="none" strike="noStrike" dirty="0">
+                        <a:solidFill>
+                          <a:srgbClr val="000000"/>
+                        </a:solidFill>
+                        <a:effectLst/>
+                        <a:latin typeface="Calibri" panose="020F0502020204030204" pitchFamily="34" charset="0"/>
+                      </a:endParaRPr>
+                    </a:p>
+                  </a:txBody>
+                  <a:tcPr marL="7620" marR="7620" marT="7620" marB="0" anchor="b"/>
+                </a:tc>
+                <a:extLst>
+                  <a:ext uri="{0D108BD9-81ED-4DB2-BD59-A6C34878D82A}">
+                    <a16:rowId xmlns:a16="http://schemas.microsoft.com/office/drawing/2014/main" val="2906176452"/>
+                  </a:ext>
+                </a:extLst>
+              </a:tr>
+              <a:tr h="252469">
+                <a:tc>
+                  <a:txBody>
+                    <a:bodyPr/>
+                    <a:lstStyle/>
+                    <a:p>
+                      <a:pPr algn="l" fontAlgn="b"/>
+                      <a:endParaRPr lang="en-US" sz="1100" b="0" i="0" u="none" strike="noStrike" dirty="0">
+                        <a:solidFill>
+                          <a:srgbClr val="000000"/>
+                        </a:solidFill>
+                        <a:effectLst/>
+                        <a:latin typeface="Calibri" panose="020F0502020204030204" pitchFamily="34" charset="0"/>
+                      </a:endParaRPr>
+                    </a:p>
+                  </a:txBody>
+                  <a:tcPr marL="7620" marR="7620" marT="7620" marB="0" anchor="b"/>
+                </a:tc>
+                <a:tc>
+                  <a:txBody>
+                    <a:bodyPr/>
+                    <a:lstStyle/>
+                    <a:p>
+                      <a:pPr algn="l" fontAlgn="b"/>
+                      <a:endParaRPr lang="en-US" sz="1100" b="0" i="0" u="none" strike="noStrike" dirty="0">
+                        <a:solidFill>
+                          <a:srgbClr val="000000"/>
+                        </a:solidFill>
+                        <a:effectLst/>
+                        <a:latin typeface="Calibri" panose="020F0502020204030204" pitchFamily="34" charset="0"/>
+                      </a:endParaRPr>
+                    </a:p>
+                  </a:txBody>
+                  <a:tcPr marL="7620" marR="7620" marT="7620" marB="0" anchor="b"/>
+                </a:tc>
+                <a:tc>
+                  <a:txBody>
+                    <a:bodyPr/>
+                    <a:lstStyle/>
+                    <a:p>
+                      <a:pPr algn="l" fontAlgn="b"/>
+                      <a:endParaRPr lang="en-US" sz="1100" b="0" i="0" u="none" strike="noStrike" dirty="0">
+                        <a:solidFill>
+                          <a:srgbClr val="000000"/>
+                        </a:solidFill>
+                        <a:effectLst/>
+                        <a:latin typeface="Calibri" panose="020F0502020204030204" pitchFamily="34" charset="0"/>
+                      </a:endParaRPr>
+                    </a:p>
+                  </a:txBody>
+                  <a:tcPr marL="7620" marR="7620" marT="7620" marB="0" anchor="b"/>
+                </a:tc>
+                <a:extLst>
+                  <a:ext uri="{0D108BD9-81ED-4DB2-BD59-A6C34878D82A}">
+                    <a16:rowId xmlns:a16="http://schemas.microsoft.com/office/drawing/2014/main" val="3562986470"/>
+                  </a:ext>
+                </a:extLst>
+              </a:tr>
+              <a:tr h="252469">
+                <a:tc>
+                  <a:txBody>
+                    <a:bodyPr/>
+                    <a:lstStyle/>
+                    <a:p>
+                      <a:pPr algn="l" fontAlgn="b"/>
                       <a:endParaRPr lang="en-US" sz="1100" b="0" i="0" u="none" strike="noStrike" dirty="0">
                         <a:solidFill>
                           <a:srgbClr val="000000"/>
@@ -9705,43 +14533,23 @@
                       <a:pPr marL="228600" indent="-228600" algn="l" fontAlgn="b">
                         <a:buAutoNum type="alphaUcPeriod"/>
                       </a:pPr>
-                      <a:r>
-                        <a:rPr lang="en-US" sz="1100" b="0" i="0" u="none" strike="noStrike" dirty="0" smtClean="0">
-                          <a:solidFill>
-                            <a:srgbClr val="000000"/>
-                          </a:solidFill>
-                          <a:effectLst/>
-                          <a:latin typeface="Calibri" panose="020F0502020204030204" pitchFamily="34" charset="0"/>
-                        </a:rPr>
-                        <a:t>Cohn</a:t>
-                      </a:r>
-                      <a:endParaRPr lang="en-US" sz="1100" b="0" i="0" u="none" strike="noStrike" dirty="0">
-                        <a:solidFill>
-                          <a:srgbClr val="000000"/>
-                        </a:solidFill>
-                        <a:effectLst/>
-                        <a:latin typeface="Calibri" panose="020F0502020204030204" pitchFamily="34" charset="0"/>
-                      </a:endParaRPr>
-                    </a:p>
-                  </a:txBody>
-                  <a:tcPr marL="7620" marR="7620" marT="7620" marB="0" anchor="b"/>
-                </a:tc>
-                <a:tc>
-                  <a:txBody>
-                    <a:bodyPr/>
-                    <a:lstStyle/>
-                    <a:p>
-                      <a:pPr algn="l" fontAlgn="b"/>
-                      <a:r>
-                        <a:rPr lang="en-US" sz="1100" b="0" i="0" u="none" strike="noStrike" dirty="0" smtClean="0">
-                          <a:solidFill>
-                            <a:srgbClr val="000000"/>
-                          </a:solidFill>
-                          <a:effectLst/>
-                          <a:latin typeface="Calibri" panose="020F0502020204030204" pitchFamily="34" charset="0"/>
-                        </a:rPr>
-                        <a:t>Cancer Center</a:t>
-                      </a:r>
+                      <a:endParaRPr lang="en-US" sz="1100" b="0" i="0" u="none" strike="noStrike" dirty="0">
+                        <a:solidFill>
+                          <a:srgbClr val="000000"/>
+                        </a:solidFill>
+                        <a:effectLst/>
+                        <a:latin typeface="Calibri" panose="020F0502020204030204" pitchFamily="34" charset="0"/>
+                      </a:endParaRPr>
+                    </a:p>
+                  </a:txBody>
+                  <a:tcPr marL="7620" marR="7620" marT="7620" marB="0" anchor="b"/>
+                </a:tc>
+                <a:tc>
+                  <a:txBody>
+                    <a:bodyPr/>
+                    <a:lstStyle/>
+                    <a:p>
+                      <a:pPr algn="l" fontAlgn="b"/>
                       <a:endParaRPr lang="en-US" sz="1100" b="0" i="0" u="none" strike="noStrike" dirty="0">
                         <a:solidFill>
                           <a:srgbClr val="000000"/>
@@ -9755,101 +14563,51 @@
                 </a:tc>
                 <a:extLst>
                   <a:ext uri="{0D108BD9-81ED-4DB2-BD59-A6C34878D82A}">
-                    <a16:rowId xmlns="" xmlns:a16="http://schemas.microsoft.com/office/drawing/2014/main" val="3222670053"/>
+                    <a16:rowId xmlns:a16="http://schemas.microsoft.com/office/drawing/2014/main" val="1671168545"/>
                   </a:ext>
                 </a:extLst>
               </a:tr>
-              <a:tr h="232212">
-                <a:tc>
-                  <a:txBody>
-                    <a:bodyPr/>
-                    <a:lstStyle/>
-                    <a:p>
-                      <a:pPr algn="l" fontAlgn="b"/>
-                      <a:r>
-                        <a:rPr lang="en-US" sz="1100" b="0" i="0" u="none" strike="noStrike" dirty="0" smtClean="0">
-                          <a:solidFill>
-                            <a:srgbClr val="000000"/>
-                          </a:solidFill>
-                          <a:effectLst/>
-                          <a:latin typeface="Calibri" panose="020F0502020204030204" pitchFamily="34" charset="0"/>
-                        </a:rPr>
-                        <a:t>Analysis of C. Diff</a:t>
-                      </a:r>
-                      <a:r>
-                        <a:rPr lang="en-US" sz="1100" b="0" i="0" u="none" strike="noStrike" baseline="0" dirty="0" smtClean="0">
-                          <a:solidFill>
-                            <a:srgbClr val="000000"/>
-                          </a:solidFill>
-                          <a:effectLst/>
-                          <a:latin typeface="Calibri" panose="020F0502020204030204" pitchFamily="34" charset="0"/>
-                        </a:rPr>
-                        <a:t> Toxins</a:t>
-                      </a:r>
-                      <a:endParaRPr lang="en-US" sz="1100" b="0" i="0" u="none" strike="noStrike" dirty="0">
-                        <a:solidFill>
-                          <a:srgbClr val="000000"/>
-                        </a:solidFill>
-                        <a:effectLst/>
-                        <a:latin typeface="Calibri" panose="020F0502020204030204" pitchFamily="34" charset="0"/>
-                      </a:endParaRPr>
-                    </a:p>
-                  </a:txBody>
-                  <a:tcPr marL="7620" marR="7620" marT="7620" marB="0" anchor="b"/>
-                </a:tc>
-                <a:tc>
-                  <a:txBody>
-                    <a:bodyPr/>
-                    <a:lstStyle/>
-                    <a:p>
-                      <a:pPr algn="l" fontAlgn="b"/>
-                      <a:r>
-                        <a:rPr lang="en-US" sz="1100" b="0" i="0" u="none" strike="noStrike" dirty="0" smtClean="0">
-                          <a:solidFill>
-                            <a:srgbClr val="000000"/>
-                          </a:solidFill>
-                          <a:effectLst/>
-                          <a:latin typeface="Calibri" panose="020F0502020204030204" pitchFamily="34" charset="0"/>
-                        </a:rPr>
-                        <a:t>P.</a:t>
-                      </a:r>
-                      <a:r>
-                        <a:rPr lang="en-US" sz="1100" b="0" i="0" u="none" strike="noStrike" baseline="0" dirty="0" smtClean="0">
-                          <a:solidFill>
-                            <a:srgbClr val="000000"/>
-                          </a:solidFill>
-                          <a:effectLst/>
-                          <a:latin typeface="Calibri" panose="020F0502020204030204" pitchFamily="34" charset="0"/>
-                        </a:rPr>
-                        <a:t> Lang</a:t>
-                      </a:r>
-                      <a:endParaRPr lang="en-US" sz="1100" b="0" i="0" u="none" strike="noStrike" dirty="0">
-                        <a:solidFill>
-                          <a:srgbClr val="000000"/>
-                        </a:solidFill>
-                        <a:effectLst/>
-                        <a:latin typeface="Calibri" panose="020F0502020204030204" pitchFamily="34" charset="0"/>
-                      </a:endParaRPr>
-                    </a:p>
-                  </a:txBody>
-                  <a:tcPr marL="7620" marR="7620" marT="7620" marB="0" anchor="b"/>
-                </a:tc>
-                <a:tc>
-                  <a:txBody>
-                    <a:bodyPr/>
-                    <a:lstStyle/>
-                    <a:p>
-                      <a:pPr algn="l" fontAlgn="b"/>
-                      <a:r>
-                        <a:rPr lang="en-US" sz="1100" b="0" i="0" u="none" strike="noStrike" dirty="0" smtClean="0">
-                          <a:solidFill>
-                            <a:srgbClr val="000000"/>
-                          </a:solidFill>
-                          <a:effectLst/>
-                          <a:latin typeface="Calibri" panose="020F0502020204030204" pitchFamily="34" charset="0"/>
-                        </a:rPr>
-                        <a:t>Immunology</a:t>
-                      </a:r>
+              <a:tr h="252469">
+                <a:tc>
+                  <a:txBody>
+                    <a:bodyPr/>
+                    <a:lstStyle/>
+                    <a:p>
+                      <a:pPr algn="l" fontAlgn="b"/>
+                      <a:endParaRPr lang="en-US" sz="1100" b="0" i="0" u="none" strike="noStrike" dirty="0">
+                        <a:solidFill>
+                          <a:srgbClr val="000000"/>
+                        </a:solidFill>
+                        <a:effectLst/>
+                        <a:latin typeface="Calibri" panose="020F0502020204030204" pitchFamily="34" charset="0"/>
+                      </a:endParaRPr>
+                    </a:p>
+                  </a:txBody>
+                  <a:tcPr marL="7620" marR="7620" marT="7620" marB="0" anchor="b"/>
+                </a:tc>
+                <a:tc>
+                  <a:txBody>
+                    <a:bodyPr/>
+                    <a:lstStyle/>
+                    <a:p>
+                      <a:pPr algn="l" fontAlgn="b"/>
+                      <a:endParaRPr lang="en-US" sz="1100" b="0" i="0" u="none" strike="noStrike" dirty="0">
+                        <a:solidFill>
+                          <a:srgbClr val="000000"/>
+                        </a:solidFill>
+                        <a:effectLst/>
+                        <a:latin typeface="Calibri" panose="020F0502020204030204" pitchFamily="34" charset="0"/>
+                      </a:endParaRPr>
+                    </a:p>
+                  </a:txBody>
+                  <a:tcPr marL="7620" marR="7620" marT="7620" marB="0" anchor="b"/>
+                </a:tc>
+                <a:tc>
+                  <a:txBody>
+                    <a:bodyPr/>
+                    <a:lstStyle/>
+                    <a:p>
+                      <a:pPr algn="l" fontAlgn="b"/>
                       <a:endParaRPr lang="en-US" sz="1100" b="0" i="0" u="none" strike="noStrike" dirty="0">
                         <a:solidFill>
                           <a:srgbClr val="000000"/>
@@ -9863,91 +14621,53 @@
                 </a:tc>
                 <a:extLst>
                   <a:ext uri="{0D108BD9-81ED-4DB2-BD59-A6C34878D82A}">
-                    <a16:rowId xmlns="" xmlns:a16="http://schemas.microsoft.com/office/drawing/2014/main" val="1661099666"/>
+                    <a16:rowId xmlns:a16="http://schemas.microsoft.com/office/drawing/2014/main" val="2432487341"/>
                   </a:ext>
                 </a:extLst>
               </a:tr>
-              <a:tr h="232212">
-                <a:tc>
-                  <a:txBody>
-                    <a:bodyPr/>
-                    <a:lstStyle/>
-                    <a:p>
-                      <a:pPr algn="l" fontAlgn="b"/>
-                      <a:r>
-                        <a:rPr lang="en-US" sz="1100" b="0" i="0" u="none" strike="noStrike" dirty="0" smtClean="0">
-                          <a:solidFill>
-                            <a:srgbClr val="000000"/>
-                          </a:solidFill>
-                          <a:effectLst/>
-                          <a:latin typeface="Calibri" panose="020F0502020204030204" pitchFamily="34" charset="0"/>
-                        </a:rPr>
-                        <a:t>Inpatient</a:t>
-                      </a:r>
-                      <a:r>
-                        <a:rPr lang="en-US" sz="1100" b="0" i="0" u="none" strike="noStrike" baseline="0" dirty="0" smtClean="0">
-                          <a:solidFill>
-                            <a:srgbClr val="000000"/>
-                          </a:solidFill>
-                          <a:effectLst/>
-                          <a:latin typeface="Calibri" panose="020F0502020204030204" pitchFamily="34" charset="0"/>
-                        </a:rPr>
-                        <a:t> Transition of Care Pharmacist</a:t>
-                      </a:r>
-                      <a:endParaRPr lang="en-US" sz="1100" b="0" i="0" u="none" strike="noStrike" dirty="0">
-                        <a:solidFill>
-                          <a:srgbClr val="000000"/>
-                        </a:solidFill>
-                        <a:effectLst/>
-                        <a:latin typeface="Calibri" panose="020F0502020204030204" pitchFamily="34" charset="0"/>
-                      </a:endParaRPr>
-                    </a:p>
-                  </a:txBody>
-                  <a:tcPr marL="7620" marR="7620" marT="7620" marB="0" anchor="b"/>
-                </a:tc>
-                <a:tc>
-                  <a:txBody>
-                    <a:bodyPr/>
-                    <a:lstStyle/>
-                    <a:p>
-                      <a:pPr algn="l" fontAlgn="b"/>
-                      <a:r>
-                        <a:rPr lang="en-US" sz="1100" b="0" i="0" u="none" strike="noStrike" dirty="0" smtClean="0">
-                          <a:solidFill>
-                            <a:srgbClr val="000000"/>
-                          </a:solidFill>
-                          <a:effectLst/>
-                          <a:latin typeface="Calibri" panose="020F0502020204030204" pitchFamily="34" charset="0"/>
-                        </a:rPr>
-                        <a:t>T. Truong</a:t>
-                      </a:r>
-                      <a:endParaRPr lang="en-US" sz="1100" b="0" i="0" u="none" strike="noStrike" dirty="0">
-                        <a:solidFill>
-                          <a:srgbClr val="000000"/>
-                        </a:solidFill>
-                        <a:effectLst/>
-                        <a:latin typeface="Calibri" panose="020F0502020204030204" pitchFamily="34" charset="0"/>
-                      </a:endParaRPr>
-                    </a:p>
-                  </a:txBody>
-                  <a:tcPr marL="7620" marR="7620" marT="7620" marB="0" anchor="b"/>
-                </a:tc>
-                <a:tc>
-                  <a:txBody>
-                    <a:bodyPr/>
-                    <a:lstStyle/>
-                    <a:p>
-                      <a:pPr algn="l" fontAlgn="b"/>
-                      <a:r>
-                        <a:rPr lang="en-US" sz="1100" b="0" i="0" u="none" strike="noStrike" dirty="0" smtClean="0">
-                          <a:solidFill>
-                            <a:srgbClr val="000000"/>
-                          </a:solidFill>
-                          <a:effectLst/>
-                          <a:latin typeface="Calibri" panose="020F0502020204030204" pitchFamily="34" charset="0"/>
-                        </a:rPr>
-                        <a:t>Pharmacy</a:t>
-                      </a:r>
+              <a:tr h="287147">
+                <a:tc>
+                  <a:txBody>
+                    <a:bodyPr/>
+                    <a:lstStyle/>
+                    <a:p>
+                      <a:pPr algn="l" fontAlgn="b"/>
+                      <a:endParaRPr lang="en-US" sz="1100" b="0" i="0" u="none" strike="noStrike" kern="1200" dirty="0">
+                        <a:solidFill>
+                          <a:srgbClr val="000000"/>
+                        </a:solidFill>
+                        <a:effectLst/>
+                        <a:latin typeface="Calibri" panose="020F0502020204030204" pitchFamily="34" charset="0"/>
+                        <a:ea typeface="+mn-ea"/>
+                        <a:cs typeface="+mn-cs"/>
+                      </a:endParaRPr>
+                    </a:p>
+                  </a:txBody>
+                  <a:tcPr marL="7620" marR="7620" marT="7620" marB="0" anchor="b"/>
+                </a:tc>
+                <a:tc>
+                  <a:txBody>
+                    <a:bodyPr/>
+                    <a:lstStyle/>
+                    <a:p>
+                      <a:pPr algn="l" fontAlgn="b"/>
+                      <a:endParaRPr lang="en-US" sz="1100" b="0" i="0" u="none" strike="noStrike" dirty="0">
+                        <a:solidFill>
+                          <a:srgbClr val="000000"/>
+                        </a:solidFill>
+                        <a:effectLst/>
+                        <a:latin typeface="Calibri" panose="020F0502020204030204" pitchFamily="34" charset="0"/>
+                      </a:endParaRPr>
+                    </a:p>
+                  </a:txBody>
+                  <a:tcPr marL="7620" marR="7620" marT="7620" marB="0" anchor="b"/>
+                </a:tc>
+                <a:tc>
+                  <a:txBody>
+                    <a:bodyPr/>
+                    <a:lstStyle/>
+                    <a:p>
+                      <a:pPr algn="l" fontAlgn="b"/>
                       <a:endParaRPr lang="en-US" sz="1100" b="0" i="0" u="none" strike="noStrike" dirty="0">
                         <a:solidFill>
                           <a:srgbClr val="000000"/>
@@ -9961,27 +14681,28 @@
                 </a:tc>
                 <a:extLst>
                   <a:ext uri="{0D108BD9-81ED-4DB2-BD59-A6C34878D82A}">
-                    <a16:rowId xmlns="" xmlns:a16="http://schemas.microsoft.com/office/drawing/2014/main" val="4172047643"/>
+                    <a16:rowId xmlns:a16="http://schemas.microsoft.com/office/drawing/2014/main" val="823347675"/>
                   </a:ext>
                 </a:extLst>
               </a:tr>
-              <a:tr h="232212">
-                <a:tc>
-                  <a:txBody>
-                    <a:bodyPr/>
-                    <a:lstStyle/>
-                    <a:p>
-                      <a:pPr algn="l" fontAlgn="b"/>
-                      <a:endParaRPr lang="en-US" sz="1100" b="0" i="0" u="none" strike="noStrike" dirty="0">
-                        <a:solidFill>
-                          <a:srgbClr val="000000"/>
-                        </a:solidFill>
-                        <a:effectLst/>
-                        <a:latin typeface="Calibri" panose="020F0502020204030204" pitchFamily="34" charset="0"/>
-                      </a:endParaRPr>
-                    </a:p>
-                  </a:txBody>
-                  <a:tcPr marL="7620" marR="7620" marT="7620" marB="0" anchor="b"/>
+              <a:tr h="285824">
+                <a:tc>
+                  <a:txBody>
+                    <a:bodyPr/>
+                    <a:lstStyle/>
+                    <a:p>
+                      <a:endParaRPr lang="en-US" sz="1100" b="0" i="0" u="none" strike="noStrike" kern="1200" dirty="0">
+                        <a:solidFill>
+                          <a:srgbClr val="000000"/>
+                        </a:solidFill>
+                        <a:effectLst/>
+                        <a:latin typeface="Calibri" panose="020F0502020204030204" pitchFamily="34" charset="0"/>
+                        <a:ea typeface="+mn-ea"/>
+                        <a:cs typeface="+mn-cs"/>
+                      </a:endParaRPr>
+                    </a:p>
+                  </a:txBody>
+                  <a:tcPr marL="47625" marR="47625" marT="47625" marB="47625" anchor="ctr"/>
                 </a:tc>
                 <a:tc>
                   <a:txBody>
@@ -10019,879 +14740,7 @@
                 </a:tc>
                 <a:extLst>
                   <a:ext uri="{0D108BD9-81ED-4DB2-BD59-A6C34878D82A}">
-                    <a16:rowId xmlns="" xmlns:a16="http://schemas.microsoft.com/office/drawing/2014/main" val="1057878429"/>
-                  </a:ext>
-                </a:extLst>
-              </a:tr>
-              <a:tr h="232212">
-                <a:tc>
-                  <a:txBody>
-                    <a:bodyPr/>
-                    <a:lstStyle/>
-                    <a:p>
-                      <a:pPr algn="l" fontAlgn="b"/>
-                      <a:endParaRPr lang="en-US" sz="1100" b="0" i="0" u="none" strike="noStrike" dirty="0">
-                        <a:solidFill>
-                          <a:srgbClr val="000000"/>
-                        </a:solidFill>
-                        <a:effectLst/>
-                        <a:latin typeface="Calibri" panose="020F0502020204030204" pitchFamily="34" charset="0"/>
-                      </a:endParaRPr>
-                    </a:p>
-                  </a:txBody>
-                  <a:tcPr marL="7620" marR="7620" marT="7620" marB="0" anchor="b"/>
-                </a:tc>
-                <a:tc>
-                  <a:txBody>
-                    <a:bodyPr/>
-                    <a:lstStyle/>
-                    <a:p>
-                      <a:pPr algn="l" fontAlgn="b"/>
-                      <a:endParaRPr lang="en-US" sz="1100" b="0" i="0" u="none" strike="noStrike" dirty="0">
-                        <a:solidFill>
-                          <a:srgbClr val="000000"/>
-                        </a:solidFill>
-                        <a:effectLst/>
-                        <a:latin typeface="Calibri" panose="020F0502020204030204" pitchFamily="34" charset="0"/>
-                      </a:endParaRPr>
-                    </a:p>
-                  </a:txBody>
-                  <a:tcPr marL="7620" marR="7620" marT="7620" marB="0" anchor="b"/>
-                </a:tc>
-                <a:tc>
-                  <a:txBody>
-                    <a:bodyPr/>
-                    <a:lstStyle/>
-                    <a:p>
-                      <a:pPr algn="l" fontAlgn="b"/>
-                      <a:endParaRPr lang="en-US" sz="1100" b="0" i="0" u="none" strike="noStrike" dirty="0">
-                        <a:solidFill>
-                          <a:srgbClr val="000000"/>
-                        </a:solidFill>
-                        <a:effectLst/>
-                        <a:latin typeface="Calibri" panose="020F0502020204030204" pitchFamily="34" charset="0"/>
-                      </a:endParaRPr>
-                    </a:p>
-                  </a:txBody>
-                  <a:tcPr marL="7620" marR="7620" marT="7620" marB="0" anchor="b"/>
-                </a:tc>
-                <a:extLst>
-                  <a:ext uri="{0D108BD9-81ED-4DB2-BD59-A6C34878D82A}">
-                    <a16:rowId xmlns="" xmlns:a16="http://schemas.microsoft.com/office/drawing/2014/main" val="2151953881"/>
-                  </a:ext>
-                </a:extLst>
-              </a:tr>
-              <a:tr h="232212">
-                <a:tc>
-                  <a:txBody>
-                    <a:bodyPr/>
-                    <a:lstStyle/>
-                    <a:p>
-                      <a:pPr algn="l" fontAlgn="b"/>
-                      <a:endParaRPr lang="en-US" sz="1100" b="0" i="0" u="none" strike="noStrike" dirty="0">
-                        <a:solidFill>
-                          <a:srgbClr val="000000"/>
-                        </a:solidFill>
-                        <a:effectLst/>
-                        <a:latin typeface="Calibri" panose="020F0502020204030204" pitchFamily="34" charset="0"/>
-                      </a:endParaRPr>
-                    </a:p>
-                  </a:txBody>
-                  <a:tcPr marL="7620" marR="7620" marT="7620" marB="0" anchor="b"/>
-                </a:tc>
-                <a:tc>
-                  <a:txBody>
-                    <a:bodyPr/>
-                    <a:lstStyle/>
-                    <a:p>
-                      <a:pPr algn="l" fontAlgn="b"/>
-                      <a:endParaRPr lang="en-US" sz="1100" b="0" i="0" u="none" strike="noStrike" dirty="0">
-                        <a:solidFill>
-                          <a:srgbClr val="000000"/>
-                        </a:solidFill>
-                        <a:effectLst/>
-                        <a:latin typeface="Calibri" panose="020F0502020204030204" pitchFamily="34" charset="0"/>
-                      </a:endParaRPr>
-                    </a:p>
-                  </a:txBody>
-                  <a:tcPr marL="7620" marR="7620" marT="7620" marB="0" anchor="b"/>
-                </a:tc>
-                <a:tc>
-                  <a:txBody>
-                    <a:bodyPr/>
-                    <a:lstStyle/>
-                    <a:p>
-                      <a:pPr algn="l" fontAlgn="b"/>
-                      <a:endParaRPr lang="en-US" sz="1100" b="0" i="0" u="none" strike="noStrike" dirty="0">
-                        <a:solidFill>
-                          <a:srgbClr val="000000"/>
-                        </a:solidFill>
-                        <a:effectLst/>
-                        <a:latin typeface="Calibri" panose="020F0502020204030204" pitchFamily="34" charset="0"/>
-                      </a:endParaRPr>
-                    </a:p>
-                  </a:txBody>
-                  <a:tcPr marL="7620" marR="7620" marT="7620" marB="0" anchor="b"/>
-                </a:tc>
-                <a:extLst>
-                  <a:ext uri="{0D108BD9-81ED-4DB2-BD59-A6C34878D82A}">
-                    <a16:rowId xmlns="" xmlns:a16="http://schemas.microsoft.com/office/drawing/2014/main" val="3615318075"/>
-                  </a:ext>
-                </a:extLst>
-              </a:tr>
-              <a:tr h="232212">
-                <a:tc>
-                  <a:txBody>
-                    <a:bodyPr/>
-                    <a:lstStyle/>
-                    <a:p>
-                      <a:pPr algn="l" fontAlgn="b"/>
-                      <a:endParaRPr lang="en-US" sz="1100" b="0" i="0" u="none" strike="noStrike" dirty="0">
-                        <a:solidFill>
-                          <a:srgbClr val="000000"/>
-                        </a:solidFill>
-                        <a:effectLst/>
-                        <a:latin typeface="Calibri" panose="020F0502020204030204" pitchFamily="34" charset="0"/>
-                      </a:endParaRPr>
-                    </a:p>
-                  </a:txBody>
-                  <a:tcPr marL="7620" marR="7620" marT="7620" marB="0" anchor="b"/>
-                </a:tc>
-                <a:tc>
-                  <a:txBody>
-                    <a:bodyPr/>
-                    <a:lstStyle/>
-                    <a:p>
-                      <a:pPr algn="l" fontAlgn="b"/>
-                      <a:endParaRPr lang="en-US" sz="1100" b="0" i="0" u="none" strike="noStrike" dirty="0">
-                        <a:solidFill>
-                          <a:srgbClr val="000000"/>
-                        </a:solidFill>
-                        <a:effectLst/>
-                        <a:latin typeface="Calibri" panose="020F0502020204030204" pitchFamily="34" charset="0"/>
-                      </a:endParaRPr>
-                    </a:p>
-                  </a:txBody>
-                  <a:tcPr marL="7620" marR="7620" marT="7620" marB="0" anchor="b"/>
-                </a:tc>
-                <a:tc>
-                  <a:txBody>
-                    <a:bodyPr/>
-                    <a:lstStyle/>
-                    <a:p>
-                      <a:pPr algn="l" fontAlgn="b"/>
-                      <a:endParaRPr lang="en-US" sz="1100" b="0" i="0" u="none" strike="noStrike" dirty="0">
-                        <a:solidFill>
-                          <a:srgbClr val="000000"/>
-                        </a:solidFill>
-                        <a:effectLst/>
-                        <a:latin typeface="Calibri" panose="020F0502020204030204" pitchFamily="34" charset="0"/>
-                      </a:endParaRPr>
-                    </a:p>
-                  </a:txBody>
-                  <a:tcPr marL="7620" marR="7620" marT="7620" marB="0" anchor="b"/>
-                </a:tc>
-                <a:extLst>
-                  <a:ext uri="{0D108BD9-81ED-4DB2-BD59-A6C34878D82A}">
-                    <a16:rowId xmlns="" xmlns:a16="http://schemas.microsoft.com/office/drawing/2014/main" val="1810581365"/>
-                  </a:ext>
-                </a:extLst>
-              </a:tr>
-              <a:tr h="232212">
-                <a:tc>
-                  <a:txBody>
-                    <a:bodyPr/>
-                    <a:lstStyle/>
-                    <a:p>
-                      <a:pPr algn="l" fontAlgn="b"/>
-                      <a:endParaRPr lang="en-US" sz="1100" b="0" i="0" u="none" strike="noStrike" dirty="0">
-                        <a:solidFill>
-                          <a:srgbClr val="000000"/>
-                        </a:solidFill>
-                        <a:effectLst/>
-                        <a:latin typeface="Calibri" panose="020F0502020204030204" pitchFamily="34" charset="0"/>
-                      </a:endParaRPr>
-                    </a:p>
-                  </a:txBody>
-                  <a:tcPr marL="7620" marR="7620" marT="7620" marB="0" anchor="b"/>
-                </a:tc>
-                <a:tc>
-                  <a:txBody>
-                    <a:bodyPr/>
-                    <a:lstStyle/>
-                    <a:p>
-                      <a:pPr algn="l" fontAlgn="b"/>
-                      <a:endParaRPr lang="en-US" sz="1100" b="0" i="0" u="none" strike="noStrike" dirty="0">
-                        <a:solidFill>
-                          <a:srgbClr val="000000"/>
-                        </a:solidFill>
-                        <a:effectLst/>
-                        <a:latin typeface="Calibri" panose="020F0502020204030204" pitchFamily="34" charset="0"/>
-                      </a:endParaRPr>
-                    </a:p>
-                  </a:txBody>
-                  <a:tcPr marL="7620" marR="7620" marT="7620" marB="0" anchor="b"/>
-                </a:tc>
-                <a:tc>
-                  <a:txBody>
-                    <a:bodyPr/>
-                    <a:lstStyle/>
-                    <a:p>
-                      <a:pPr algn="l" fontAlgn="b"/>
-                      <a:endParaRPr lang="en-US" sz="1100" b="0" i="0" u="none" strike="noStrike" dirty="0">
-                        <a:solidFill>
-                          <a:srgbClr val="000000"/>
-                        </a:solidFill>
-                        <a:effectLst/>
-                        <a:latin typeface="Calibri" panose="020F0502020204030204" pitchFamily="34" charset="0"/>
-                      </a:endParaRPr>
-                    </a:p>
-                  </a:txBody>
-                  <a:tcPr marL="7620" marR="7620" marT="7620" marB="0" anchor="b"/>
-                </a:tc>
-                <a:extLst>
-                  <a:ext uri="{0D108BD9-81ED-4DB2-BD59-A6C34878D82A}">
-                    <a16:rowId xmlns="" xmlns:a16="http://schemas.microsoft.com/office/drawing/2014/main" val="240284698"/>
-                  </a:ext>
-                </a:extLst>
-              </a:tr>
-              <a:tr h="232212">
-                <a:tc>
-                  <a:txBody>
-                    <a:bodyPr/>
-                    <a:lstStyle/>
-                    <a:p>
-                      <a:pPr algn="l" fontAlgn="b"/>
-                      <a:endParaRPr lang="en-US" sz="1100" b="0" i="0" u="none" strike="noStrike" dirty="0">
-                        <a:solidFill>
-                          <a:srgbClr val="000000"/>
-                        </a:solidFill>
-                        <a:effectLst/>
-                        <a:latin typeface="Calibri" panose="020F0502020204030204" pitchFamily="34" charset="0"/>
-                      </a:endParaRPr>
-                    </a:p>
-                  </a:txBody>
-                  <a:tcPr marL="7620" marR="7620" marT="7620" marB="0" anchor="b"/>
-                </a:tc>
-                <a:tc>
-                  <a:txBody>
-                    <a:bodyPr/>
-                    <a:lstStyle/>
-                    <a:p>
-                      <a:pPr algn="l" fontAlgn="b"/>
-                      <a:endParaRPr lang="en-US" sz="1100" b="0" i="0" u="none" strike="noStrike" dirty="0">
-                        <a:solidFill>
-                          <a:srgbClr val="000000"/>
-                        </a:solidFill>
-                        <a:effectLst/>
-                        <a:latin typeface="Calibri" panose="020F0502020204030204" pitchFamily="34" charset="0"/>
-                      </a:endParaRPr>
-                    </a:p>
-                  </a:txBody>
-                  <a:tcPr marL="7620" marR="7620" marT="7620" marB="0" anchor="b"/>
-                </a:tc>
-                <a:tc>
-                  <a:txBody>
-                    <a:bodyPr/>
-                    <a:lstStyle/>
-                    <a:p>
-                      <a:pPr algn="l" fontAlgn="b"/>
-                      <a:endParaRPr lang="en-US" sz="1100" b="0" i="0" u="none" strike="noStrike" dirty="0">
-                        <a:solidFill>
-                          <a:srgbClr val="000000"/>
-                        </a:solidFill>
-                        <a:effectLst/>
-                        <a:latin typeface="Calibri" panose="020F0502020204030204" pitchFamily="34" charset="0"/>
-                      </a:endParaRPr>
-                    </a:p>
-                  </a:txBody>
-                  <a:tcPr marL="7620" marR="7620" marT="7620" marB="0" anchor="b"/>
-                </a:tc>
-                <a:extLst>
-                  <a:ext uri="{0D108BD9-81ED-4DB2-BD59-A6C34878D82A}">
-                    <a16:rowId xmlns="" xmlns:a16="http://schemas.microsoft.com/office/drawing/2014/main" val="2906176452"/>
-                  </a:ext>
-                </a:extLst>
-              </a:tr>
-              <a:tr h="232212">
-                <a:tc>
-                  <a:txBody>
-                    <a:bodyPr/>
-                    <a:lstStyle/>
-                    <a:p>
-                      <a:pPr algn="l" fontAlgn="b"/>
-                      <a:endParaRPr lang="en-US" sz="1100" b="0" i="0" u="none" strike="noStrike" dirty="0">
-                        <a:solidFill>
-                          <a:srgbClr val="000000"/>
-                        </a:solidFill>
-                        <a:effectLst/>
-                        <a:latin typeface="Calibri" panose="020F0502020204030204" pitchFamily="34" charset="0"/>
-                      </a:endParaRPr>
-                    </a:p>
-                  </a:txBody>
-                  <a:tcPr marL="7620" marR="7620" marT="7620" marB="0" anchor="b"/>
-                </a:tc>
-                <a:tc>
-                  <a:txBody>
-                    <a:bodyPr/>
-                    <a:lstStyle/>
-                    <a:p>
-                      <a:pPr algn="l" fontAlgn="b"/>
-                      <a:endParaRPr lang="en-US" sz="1100" b="0" i="0" u="none" strike="noStrike" dirty="0">
-                        <a:solidFill>
-                          <a:srgbClr val="000000"/>
-                        </a:solidFill>
-                        <a:effectLst/>
-                        <a:latin typeface="Calibri" panose="020F0502020204030204" pitchFamily="34" charset="0"/>
-                      </a:endParaRPr>
-                    </a:p>
-                  </a:txBody>
-                  <a:tcPr marL="7620" marR="7620" marT="7620" marB="0" anchor="b"/>
-                </a:tc>
-                <a:tc>
-                  <a:txBody>
-                    <a:bodyPr/>
-                    <a:lstStyle/>
-                    <a:p>
-                      <a:pPr algn="l" fontAlgn="b"/>
-                      <a:endParaRPr lang="en-US" sz="1100" b="0" i="0" u="none" strike="noStrike" dirty="0">
-                        <a:solidFill>
-                          <a:srgbClr val="000000"/>
-                        </a:solidFill>
-                        <a:effectLst/>
-                        <a:latin typeface="Calibri" panose="020F0502020204030204" pitchFamily="34" charset="0"/>
-                      </a:endParaRPr>
-                    </a:p>
-                  </a:txBody>
-                  <a:tcPr marL="7620" marR="7620" marT="7620" marB="0" anchor="b"/>
-                </a:tc>
-                <a:extLst>
-                  <a:ext uri="{0D108BD9-81ED-4DB2-BD59-A6C34878D82A}">
-                    <a16:rowId xmlns="" xmlns:a16="http://schemas.microsoft.com/office/drawing/2014/main" val="3562986470"/>
-                  </a:ext>
-                </a:extLst>
-              </a:tr>
-              <a:tr h="232212">
-                <a:tc>
-                  <a:txBody>
-                    <a:bodyPr/>
-                    <a:lstStyle/>
-                    <a:p>
-                      <a:pPr algn="l" fontAlgn="b"/>
-                      <a:endParaRPr lang="en-US" sz="1100" b="0" i="0" u="none" strike="noStrike" dirty="0">
-                        <a:solidFill>
-                          <a:srgbClr val="000000"/>
-                        </a:solidFill>
-                        <a:effectLst/>
-                        <a:latin typeface="Calibri" panose="020F0502020204030204" pitchFamily="34" charset="0"/>
-                      </a:endParaRPr>
-                    </a:p>
-                  </a:txBody>
-                  <a:tcPr marL="7620" marR="7620" marT="7620" marB="0" anchor="b"/>
-                </a:tc>
-                <a:tc>
-                  <a:txBody>
-                    <a:bodyPr/>
-                    <a:lstStyle/>
-                    <a:p>
-                      <a:pPr algn="l" fontAlgn="b"/>
-                      <a:endParaRPr lang="en-US" sz="1100" b="0" i="0" u="none" strike="noStrike" dirty="0">
-                        <a:solidFill>
-                          <a:srgbClr val="000000"/>
-                        </a:solidFill>
-                        <a:effectLst/>
-                        <a:latin typeface="Calibri" panose="020F0502020204030204" pitchFamily="34" charset="0"/>
-                      </a:endParaRPr>
-                    </a:p>
-                  </a:txBody>
-                  <a:tcPr marL="7620" marR="7620" marT="7620" marB="0" anchor="b"/>
-                </a:tc>
-                <a:tc>
-                  <a:txBody>
-                    <a:bodyPr/>
-                    <a:lstStyle/>
-                    <a:p>
-                      <a:pPr algn="l" fontAlgn="b"/>
-                      <a:endParaRPr lang="en-US" sz="1100" b="0" i="0" u="none" strike="noStrike" dirty="0">
-                        <a:solidFill>
-                          <a:srgbClr val="000000"/>
-                        </a:solidFill>
-                        <a:effectLst/>
-                        <a:latin typeface="Calibri" panose="020F0502020204030204" pitchFamily="34" charset="0"/>
-                      </a:endParaRPr>
-                    </a:p>
-                  </a:txBody>
-                  <a:tcPr marL="7620" marR="7620" marT="7620" marB="0" anchor="b"/>
-                </a:tc>
-                <a:extLst>
-                  <a:ext uri="{0D108BD9-81ED-4DB2-BD59-A6C34878D82A}">
-                    <a16:rowId xmlns="" xmlns:a16="http://schemas.microsoft.com/office/drawing/2014/main" val="1671168545"/>
-                  </a:ext>
-                </a:extLst>
-              </a:tr>
-              <a:tr h="232212">
-                <a:tc>
-                  <a:txBody>
-                    <a:bodyPr/>
-                    <a:lstStyle/>
-                    <a:p>
-                      <a:pPr algn="l" fontAlgn="b"/>
-                      <a:endParaRPr lang="en-US" sz="1100" b="0" i="0" u="none" strike="noStrike" dirty="0">
-                        <a:solidFill>
-                          <a:srgbClr val="000000"/>
-                        </a:solidFill>
-                        <a:effectLst/>
-                        <a:latin typeface="Calibri" panose="020F0502020204030204" pitchFamily="34" charset="0"/>
-                      </a:endParaRPr>
-                    </a:p>
-                  </a:txBody>
-                  <a:tcPr marL="7620" marR="7620" marT="7620" marB="0" anchor="b"/>
-                </a:tc>
-                <a:tc>
-                  <a:txBody>
-                    <a:bodyPr/>
-                    <a:lstStyle/>
-                    <a:p>
-                      <a:pPr algn="l" fontAlgn="b"/>
-                      <a:endParaRPr lang="en-US" sz="1100" b="0" i="0" u="none" strike="noStrike" dirty="0">
-                        <a:solidFill>
-                          <a:srgbClr val="000000"/>
-                        </a:solidFill>
-                        <a:effectLst/>
-                        <a:latin typeface="Calibri" panose="020F0502020204030204" pitchFamily="34" charset="0"/>
-                      </a:endParaRPr>
-                    </a:p>
-                  </a:txBody>
-                  <a:tcPr marL="7620" marR="7620" marT="7620" marB="0" anchor="b"/>
-                </a:tc>
-                <a:tc>
-                  <a:txBody>
-                    <a:bodyPr/>
-                    <a:lstStyle/>
-                    <a:p>
-                      <a:pPr algn="l" fontAlgn="b"/>
-                      <a:endParaRPr lang="en-US" sz="1100" b="0" i="0" u="none" strike="noStrike" dirty="0">
-                        <a:solidFill>
-                          <a:srgbClr val="000000"/>
-                        </a:solidFill>
-                        <a:effectLst/>
-                        <a:latin typeface="Calibri" panose="020F0502020204030204" pitchFamily="34" charset="0"/>
-                      </a:endParaRPr>
-                    </a:p>
-                  </a:txBody>
-                  <a:tcPr marL="7620" marR="7620" marT="7620" marB="0" anchor="b"/>
-                </a:tc>
-                <a:extLst>
-                  <a:ext uri="{0D108BD9-81ED-4DB2-BD59-A6C34878D82A}">
-                    <a16:rowId xmlns="" xmlns:a16="http://schemas.microsoft.com/office/drawing/2014/main" val="2432487341"/>
-                  </a:ext>
-                </a:extLst>
-              </a:tr>
-              <a:tr h="232212">
-                <a:tc>
-                  <a:txBody>
-                    <a:bodyPr/>
-                    <a:lstStyle/>
-                    <a:p>
-                      <a:pPr algn="l" fontAlgn="b"/>
-                      <a:endParaRPr lang="en-US" sz="1100" b="0" i="0" u="none" strike="noStrike" dirty="0">
-                        <a:solidFill>
-                          <a:srgbClr val="000000"/>
-                        </a:solidFill>
-                        <a:effectLst/>
-                        <a:latin typeface="Calibri" panose="020F0502020204030204" pitchFamily="34" charset="0"/>
-                      </a:endParaRPr>
-                    </a:p>
-                  </a:txBody>
-                  <a:tcPr marL="7620" marR="7620" marT="7620" marB="0" anchor="b"/>
-                </a:tc>
-                <a:tc>
-                  <a:txBody>
-                    <a:bodyPr/>
-                    <a:lstStyle/>
-                    <a:p>
-                      <a:pPr algn="l" fontAlgn="b"/>
-                      <a:endParaRPr lang="en-US" sz="1100" b="0" i="0" u="none" strike="noStrike" dirty="0">
-                        <a:solidFill>
-                          <a:srgbClr val="000000"/>
-                        </a:solidFill>
-                        <a:effectLst/>
-                        <a:latin typeface="Calibri" panose="020F0502020204030204" pitchFamily="34" charset="0"/>
-                      </a:endParaRPr>
-                    </a:p>
-                  </a:txBody>
-                  <a:tcPr marL="7620" marR="7620" marT="7620" marB="0" anchor="b"/>
-                </a:tc>
-                <a:tc>
-                  <a:txBody>
-                    <a:bodyPr/>
-                    <a:lstStyle/>
-                    <a:p>
-                      <a:pPr algn="l" fontAlgn="b"/>
-                      <a:endParaRPr lang="en-US" sz="1100" b="0" i="0" u="none" strike="noStrike" dirty="0">
-                        <a:solidFill>
-                          <a:srgbClr val="000000"/>
-                        </a:solidFill>
-                        <a:effectLst/>
-                        <a:latin typeface="Calibri" panose="020F0502020204030204" pitchFamily="34" charset="0"/>
-                      </a:endParaRPr>
-                    </a:p>
-                  </a:txBody>
-                  <a:tcPr marL="7620" marR="7620" marT="7620" marB="0" anchor="b"/>
-                </a:tc>
-                <a:extLst>
-                  <a:ext uri="{0D108BD9-81ED-4DB2-BD59-A6C34878D82A}">
-                    <a16:rowId xmlns="" xmlns:a16="http://schemas.microsoft.com/office/drawing/2014/main" val="823347675"/>
-                  </a:ext>
-                </a:extLst>
-              </a:tr>
-              <a:tr h="232212">
-                <a:tc>
-                  <a:txBody>
-                    <a:bodyPr/>
-                    <a:lstStyle/>
-                    <a:p>
-                      <a:pPr algn="l" fontAlgn="b"/>
-                      <a:endParaRPr lang="en-US" sz="1100" b="0" i="0" u="none" strike="noStrike" dirty="0">
-                        <a:solidFill>
-                          <a:srgbClr val="000000"/>
-                        </a:solidFill>
-                        <a:effectLst/>
-                        <a:latin typeface="Calibri" panose="020F0502020204030204" pitchFamily="34" charset="0"/>
-                      </a:endParaRPr>
-                    </a:p>
-                  </a:txBody>
-                  <a:tcPr marL="7620" marR="7620" marT="7620" marB="0" anchor="b"/>
-                </a:tc>
-                <a:tc>
-                  <a:txBody>
-                    <a:bodyPr/>
-                    <a:lstStyle/>
-                    <a:p>
-                      <a:pPr algn="l" fontAlgn="b"/>
-                      <a:endParaRPr lang="en-US" sz="1100" b="0" i="0" u="none" strike="noStrike" dirty="0">
-                        <a:solidFill>
-                          <a:srgbClr val="000000"/>
-                        </a:solidFill>
-                        <a:effectLst/>
-                        <a:latin typeface="Calibri" panose="020F0502020204030204" pitchFamily="34" charset="0"/>
-                      </a:endParaRPr>
-                    </a:p>
-                  </a:txBody>
-                  <a:tcPr marL="7620" marR="7620" marT="7620" marB="0" anchor="b"/>
-                </a:tc>
-                <a:tc>
-                  <a:txBody>
-                    <a:bodyPr/>
-                    <a:lstStyle/>
-                    <a:p>
-                      <a:pPr algn="l" fontAlgn="b"/>
-                      <a:endParaRPr lang="en-US" sz="1100" b="0" i="0" u="none" strike="noStrike" dirty="0">
-                        <a:solidFill>
-                          <a:srgbClr val="000000"/>
-                        </a:solidFill>
-                        <a:effectLst/>
-                        <a:latin typeface="Calibri" panose="020F0502020204030204" pitchFamily="34" charset="0"/>
-                      </a:endParaRPr>
-                    </a:p>
-                  </a:txBody>
-                  <a:tcPr marL="7620" marR="7620" marT="7620" marB="0" anchor="b"/>
-                </a:tc>
-                <a:extLst>
-                  <a:ext uri="{0D108BD9-81ED-4DB2-BD59-A6C34878D82A}">
-                    <a16:rowId xmlns="" xmlns:a16="http://schemas.microsoft.com/office/drawing/2014/main" val="3888237083"/>
-                  </a:ext>
-                </a:extLst>
-              </a:tr>
-              <a:tr h="232212">
-                <a:tc>
-                  <a:txBody>
-                    <a:bodyPr/>
-                    <a:lstStyle/>
-                    <a:p>
-                      <a:pPr algn="l" fontAlgn="b"/>
-                      <a:endParaRPr lang="en-US" sz="1100" b="0" i="0" u="none" strike="noStrike" dirty="0">
-                        <a:solidFill>
-                          <a:srgbClr val="000000"/>
-                        </a:solidFill>
-                        <a:effectLst/>
-                        <a:latin typeface="Calibri" panose="020F0502020204030204" pitchFamily="34" charset="0"/>
-                      </a:endParaRPr>
-                    </a:p>
-                  </a:txBody>
-                  <a:tcPr marL="7620" marR="7620" marT="7620" marB="0" anchor="b"/>
-                </a:tc>
-                <a:tc>
-                  <a:txBody>
-                    <a:bodyPr/>
-                    <a:lstStyle/>
-                    <a:p>
-                      <a:pPr algn="l" fontAlgn="b"/>
-                      <a:endParaRPr lang="en-US" sz="1100" b="0" i="0" u="none" strike="noStrike" dirty="0">
-                        <a:solidFill>
-                          <a:srgbClr val="000000"/>
-                        </a:solidFill>
-                        <a:effectLst/>
-                        <a:latin typeface="Calibri" panose="020F0502020204030204" pitchFamily="34" charset="0"/>
-                      </a:endParaRPr>
-                    </a:p>
-                  </a:txBody>
-                  <a:tcPr marL="7620" marR="7620" marT="7620" marB="0" anchor="b"/>
-                </a:tc>
-                <a:tc>
-                  <a:txBody>
-                    <a:bodyPr/>
-                    <a:lstStyle/>
-                    <a:p>
-                      <a:pPr algn="l" fontAlgn="b"/>
-                      <a:endParaRPr lang="en-US" sz="1100" b="0" i="0" u="none" strike="noStrike" dirty="0">
-                        <a:solidFill>
-                          <a:srgbClr val="000000"/>
-                        </a:solidFill>
-                        <a:effectLst/>
-                        <a:latin typeface="Calibri" panose="020F0502020204030204" pitchFamily="34" charset="0"/>
-                      </a:endParaRPr>
-                    </a:p>
-                  </a:txBody>
-                  <a:tcPr marL="7620" marR="7620" marT="7620" marB="0" anchor="b"/>
-                </a:tc>
-                <a:extLst>
-                  <a:ext uri="{0D108BD9-81ED-4DB2-BD59-A6C34878D82A}">
-                    <a16:rowId xmlns="" xmlns:a16="http://schemas.microsoft.com/office/drawing/2014/main" val="1186328292"/>
-                  </a:ext>
-                </a:extLst>
-              </a:tr>
-              <a:tr h="232212">
-                <a:tc>
-                  <a:txBody>
-                    <a:bodyPr/>
-                    <a:lstStyle/>
-                    <a:p>
-                      <a:pPr algn="l" fontAlgn="b"/>
-                      <a:endParaRPr lang="en-US" sz="1100" b="0" i="0" u="none" strike="noStrike" dirty="0">
-                        <a:solidFill>
-                          <a:srgbClr val="000000"/>
-                        </a:solidFill>
-                        <a:effectLst/>
-                        <a:latin typeface="Calibri" panose="020F0502020204030204" pitchFamily="34" charset="0"/>
-                      </a:endParaRPr>
-                    </a:p>
-                  </a:txBody>
-                  <a:tcPr marL="7620" marR="7620" marT="7620" marB="0" anchor="b"/>
-                </a:tc>
-                <a:tc>
-                  <a:txBody>
-                    <a:bodyPr/>
-                    <a:lstStyle/>
-                    <a:p>
-                      <a:pPr algn="l" fontAlgn="b"/>
-                      <a:endParaRPr lang="en-US" sz="1100" b="0" i="0" u="none" strike="noStrike" dirty="0">
-                        <a:solidFill>
-                          <a:srgbClr val="000000"/>
-                        </a:solidFill>
-                        <a:effectLst/>
-                        <a:latin typeface="Calibri" panose="020F0502020204030204" pitchFamily="34" charset="0"/>
-                      </a:endParaRPr>
-                    </a:p>
-                  </a:txBody>
-                  <a:tcPr marL="7620" marR="7620" marT="7620" marB="0" anchor="b"/>
-                </a:tc>
-                <a:tc>
-                  <a:txBody>
-                    <a:bodyPr/>
-                    <a:lstStyle/>
-                    <a:p>
-                      <a:pPr algn="l" fontAlgn="b"/>
-                      <a:endParaRPr lang="en-US" sz="1100" b="0" i="0" u="none" strike="noStrike" dirty="0">
-                        <a:solidFill>
-                          <a:srgbClr val="000000"/>
-                        </a:solidFill>
-                        <a:effectLst/>
-                        <a:latin typeface="Calibri" panose="020F0502020204030204" pitchFamily="34" charset="0"/>
-                      </a:endParaRPr>
-                    </a:p>
-                  </a:txBody>
-                  <a:tcPr marL="7620" marR="7620" marT="7620" marB="0" anchor="b"/>
-                </a:tc>
-                <a:extLst>
-                  <a:ext uri="{0D108BD9-81ED-4DB2-BD59-A6C34878D82A}">
-                    <a16:rowId xmlns="" xmlns:a16="http://schemas.microsoft.com/office/drawing/2014/main" val="4173546526"/>
-                  </a:ext>
-                </a:extLst>
-              </a:tr>
-              <a:tr h="232212">
-                <a:tc>
-                  <a:txBody>
-                    <a:bodyPr/>
-                    <a:lstStyle/>
-                    <a:p>
-                      <a:pPr algn="l" fontAlgn="b"/>
-                      <a:endParaRPr lang="en-US" sz="1100" b="0" i="0" u="none" strike="noStrike" dirty="0">
-                        <a:solidFill>
-                          <a:srgbClr val="000000"/>
-                        </a:solidFill>
-                        <a:effectLst/>
-                        <a:latin typeface="Calibri" panose="020F0502020204030204" pitchFamily="34" charset="0"/>
-                      </a:endParaRPr>
-                    </a:p>
-                  </a:txBody>
-                  <a:tcPr marL="7620" marR="7620" marT="7620" marB="0" anchor="b"/>
-                </a:tc>
-                <a:tc>
-                  <a:txBody>
-                    <a:bodyPr/>
-                    <a:lstStyle/>
-                    <a:p>
-                      <a:pPr marL="228600" indent="-228600" algn="l" fontAlgn="b">
-                        <a:buAutoNum type="alphaUcPeriod"/>
-                      </a:pPr>
-                      <a:endParaRPr lang="en-US" sz="1100" b="0" i="0" u="none" strike="noStrike" dirty="0">
-                        <a:solidFill>
-                          <a:srgbClr val="000000"/>
-                        </a:solidFill>
-                        <a:effectLst/>
-                        <a:latin typeface="Calibri" panose="020F0502020204030204" pitchFamily="34" charset="0"/>
-                      </a:endParaRPr>
-                    </a:p>
-                  </a:txBody>
-                  <a:tcPr marL="7620" marR="7620" marT="7620" marB="0" anchor="b"/>
-                </a:tc>
-                <a:tc>
-                  <a:txBody>
-                    <a:bodyPr/>
-                    <a:lstStyle/>
-                    <a:p>
-                      <a:pPr algn="l" fontAlgn="b"/>
-                      <a:endParaRPr lang="en-US" sz="1100" b="0" i="0" u="none" strike="noStrike" dirty="0">
-                        <a:solidFill>
-                          <a:srgbClr val="000000"/>
-                        </a:solidFill>
-                        <a:effectLst/>
-                        <a:latin typeface="Calibri" panose="020F0502020204030204" pitchFamily="34" charset="0"/>
-                      </a:endParaRPr>
-                    </a:p>
-                  </a:txBody>
-                  <a:tcPr marL="7620" marR="7620" marT="7620" marB="0" anchor="b"/>
-                </a:tc>
-                <a:extLst>
-                  <a:ext uri="{0D108BD9-81ED-4DB2-BD59-A6C34878D82A}">
-                    <a16:rowId xmlns="" xmlns:a16="http://schemas.microsoft.com/office/drawing/2014/main" val="4247627454"/>
-                  </a:ext>
-                </a:extLst>
-              </a:tr>
-              <a:tr h="232212">
-                <a:tc>
-                  <a:txBody>
-                    <a:bodyPr/>
-                    <a:lstStyle/>
-                    <a:p>
-                      <a:pPr algn="l" fontAlgn="b"/>
-                      <a:endParaRPr lang="en-US" sz="1100" b="0" i="0" u="none" strike="noStrike" dirty="0">
-                        <a:solidFill>
-                          <a:srgbClr val="000000"/>
-                        </a:solidFill>
-                        <a:effectLst/>
-                        <a:latin typeface="Calibri" panose="020F0502020204030204" pitchFamily="34" charset="0"/>
-                      </a:endParaRPr>
-                    </a:p>
-                  </a:txBody>
-                  <a:tcPr marL="7620" marR="7620" marT="7620" marB="0" anchor="b"/>
-                </a:tc>
-                <a:tc>
-                  <a:txBody>
-                    <a:bodyPr/>
-                    <a:lstStyle/>
-                    <a:p>
-                      <a:pPr algn="l" fontAlgn="b"/>
-                      <a:endParaRPr lang="en-US" sz="1100" b="0" i="0" u="none" strike="noStrike" dirty="0">
-                        <a:solidFill>
-                          <a:srgbClr val="000000"/>
-                        </a:solidFill>
-                        <a:effectLst/>
-                        <a:latin typeface="Calibri" panose="020F0502020204030204" pitchFamily="34" charset="0"/>
-                      </a:endParaRPr>
-                    </a:p>
-                  </a:txBody>
-                  <a:tcPr marL="7620" marR="7620" marT="7620" marB="0" anchor="b"/>
-                </a:tc>
-                <a:tc>
-                  <a:txBody>
-                    <a:bodyPr/>
-                    <a:lstStyle/>
-                    <a:p>
-                      <a:pPr algn="l" fontAlgn="b"/>
-                      <a:endParaRPr lang="en-US" sz="1100" b="0" i="0" u="none" strike="noStrike" dirty="0">
-                        <a:solidFill>
-                          <a:srgbClr val="000000"/>
-                        </a:solidFill>
-                        <a:effectLst/>
-                        <a:latin typeface="Calibri" panose="020F0502020204030204" pitchFamily="34" charset="0"/>
-                      </a:endParaRPr>
-                    </a:p>
-                  </a:txBody>
-                  <a:tcPr marL="7620" marR="7620" marT="7620" marB="0" anchor="b"/>
-                </a:tc>
-                <a:extLst>
-                  <a:ext uri="{0D108BD9-81ED-4DB2-BD59-A6C34878D82A}">
-                    <a16:rowId xmlns="" xmlns:a16="http://schemas.microsoft.com/office/drawing/2014/main" val="2227278853"/>
-                  </a:ext>
-                </a:extLst>
-              </a:tr>
-              <a:tr h="232212">
-                <a:tc>
-                  <a:txBody>
-                    <a:bodyPr/>
-                    <a:lstStyle/>
-                    <a:p>
-                      <a:pPr algn="l" fontAlgn="b"/>
-                      <a:endParaRPr lang="en-US" sz="1100" b="0" i="0" u="none" strike="noStrike" dirty="0">
-                        <a:solidFill>
-                          <a:srgbClr val="000000"/>
-                        </a:solidFill>
-                        <a:effectLst/>
-                        <a:latin typeface="Calibri" panose="020F0502020204030204" pitchFamily="34" charset="0"/>
-                      </a:endParaRPr>
-                    </a:p>
-                  </a:txBody>
-                  <a:tcPr marL="7620" marR="7620" marT="7620" marB="0" anchor="b"/>
-                </a:tc>
-                <a:tc>
-                  <a:txBody>
-                    <a:bodyPr/>
-                    <a:lstStyle/>
-                    <a:p>
-                      <a:pPr algn="l" fontAlgn="b"/>
-                      <a:endParaRPr lang="en-US" sz="1100" b="0" i="0" u="none" strike="noStrike" dirty="0">
-                        <a:solidFill>
-                          <a:srgbClr val="000000"/>
-                        </a:solidFill>
-                        <a:effectLst/>
-                        <a:latin typeface="Calibri" panose="020F0502020204030204" pitchFamily="34" charset="0"/>
-                      </a:endParaRPr>
-                    </a:p>
-                  </a:txBody>
-                  <a:tcPr marL="7620" marR="7620" marT="7620" marB="0" anchor="b"/>
-                </a:tc>
-                <a:tc>
-                  <a:txBody>
-                    <a:bodyPr/>
-                    <a:lstStyle/>
-                    <a:p>
-                      <a:pPr algn="l" fontAlgn="b"/>
-                      <a:endParaRPr lang="en-US" sz="1100" b="0" i="0" u="none" strike="noStrike" dirty="0">
-                        <a:solidFill>
-                          <a:srgbClr val="000000"/>
-                        </a:solidFill>
-                        <a:effectLst/>
-                        <a:latin typeface="Calibri" panose="020F0502020204030204" pitchFamily="34" charset="0"/>
-                      </a:endParaRPr>
-                    </a:p>
-                  </a:txBody>
-                  <a:tcPr marL="7620" marR="7620" marT="7620" marB="0" anchor="b"/>
-                </a:tc>
-                <a:extLst>
-                  <a:ext uri="{0D108BD9-81ED-4DB2-BD59-A6C34878D82A}">
-                    <a16:rowId xmlns="" xmlns:a16="http://schemas.microsoft.com/office/drawing/2014/main" val="2842433311"/>
+                    <a16:rowId xmlns:a16="http://schemas.microsoft.com/office/drawing/2014/main" val="3888237083"/>
                   </a:ext>
                 </a:extLst>
               </a:tr>
@@ -10902,7 +14751,7 @@
     </p:spTree>
     <p:extLst>
       <p:ext uri="{BB962C8B-B14F-4D97-AF65-F5344CB8AC3E}">
-        <p14:creationId xmlns:p14="http://schemas.microsoft.com/office/powerpoint/2010/main" val="3281114731"/>
+        <p14:creationId xmlns:p14="http://schemas.microsoft.com/office/powerpoint/2010/main" val="3032758407"/>
       </p:ext>
     </p:extLst>
   </p:cSld>
